--- a/doc/SoftwareDesign/AdaptiveSystem/AdaptiveSystemDesign.pptx
+++ b/doc/SoftwareDesign/AdaptiveSystem/AdaptiveSystemDesign.pptx
@@ -6,8 +6,12 @@
   </p:sldMasterIdLst>
   <p:sldIdLst>
     <p:sldId id="256" r:id="rId2"/>
-    <p:sldId id="257" r:id="rId3"/>
-    <p:sldId id="258" r:id="rId4"/>
+    <p:sldId id="259" r:id="rId3"/>
+    <p:sldId id="260" r:id="rId4"/>
+    <p:sldId id="257" r:id="rId5"/>
+    <p:sldId id="258" r:id="rId6"/>
+    <p:sldId id="261" r:id="rId7"/>
+    <p:sldId id="262" r:id="rId8"/>
   </p:sldIdLst>
   <p:sldSz cx="12192000" cy="6858000"/>
   <p:notesSz cx="6858000" cy="9144000"/>
@@ -261,7 +265,7 @@
           <a:p>
             <a:fld id="{C64A47DC-23B0-47B4-A278-C88751767FBE}" type="datetimeFigureOut">
               <a:rPr lang="zh-CN" altLang="en-US" smtClean="0"/>
-              <a:t>2020/10/23</a:t>
+              <a:t>2021/01/24</a:t>
             </a:fld>
             <a:endParaRPr lang="zh-CN" altLang="en-US"/>
           </a:p>
@@ -459,7 +463,7 @@
           <a:p>
             <a:fld id="{C64A47DC-23B0-47B4-A278-C88751767FBE}" type="datetimeFigureOut">
               <a:rPr lang="zh-CN" altLang="en-US" smtClean="0"/>
-              <a:t>2020/10/23</a:t>
+              <a:t>2021/01/24</a:t>
             </a:fld>
             <a:endParaRPr lang="zh-CN" altLang="en-US"/>
           </a:p>
@@ -667,7 +671,7 @@
           <a:p>
             <a:fld id="{C64A47DC-23B0-47B4-A278-C88751767FBE}" type="datetimeFigureOut">
               <a:rPr lang="zh-CN" altLang="en-US" smtClean="0"/>
-              <a:t>2020/10/23</a:t>
+              <a:t>2021/01/24</a:t>
             </a:fld>
             <a:endParaRPr lang="zh-CN" altLang="en-US"/>
           </a:p>
@@ -865,7 +869,7 @@
           <a:p>
             <a:fld id="{C64A47DC-23B0-47B4-A278-C88751767FBE}" type="datetimeFigureOut">
               <a:rPr lang="zh-CN" altLang="en-US" smtClean="0"/>
-              <a:t>2020/10/23</a:t>
+              <a:t>2021/01/24</a:t>
             </a:fld>
             <a:endParaRPr lang="zh-CN" altLang="en-US"/>
           </a:p>
@@ -1140,7 +1144,7 @@
           <a:p>
             <a:fld id="{C64A47DC-23B0-47B4-A278-C88751767FBE}" type="datetimeFigureOut">
               <a:rPr lang="zh-CN" altLang="en-US" smtClean="0"/>
-              <a:t>2020/10/23</a:t>
+              <a:t>2021/01/24</a:t>
             </a:fld>
             <a:endParaRPr lang="zh-CN" altLang="en-US"/>
           </a:p>
@@ -1405,7 +1409,7 @@
           <a:p>
             <a:fld id="{C64A47DC-23B0-47B4-A278-C88751767FBE}" type="datetimeFigureOut">
               <a:rPr lang="zh-CN" altLang="en-US" smtClean="0"/>
-              <a:t>2020/10/23</a:t>
+              <a:t>2021/01/24</a:t>
             </a:fld>
             <a:endParaRPr lang="zh-CN" altLang="en-US"/>
           </a:p>
@@ -1817,7 +1821,7 @@
           <a:p>
             <a:fld id="{C64A47DC-23B0-47B4-A278-C88751767FBE}" type="datetimeFigureOut">
               <a:rPr lang="zh-CN" altLang="en-US" smtClean="0"/>
-              <a:t>2020/10/23</a:t>
+              <a:t>2021/01/24</a:t>
             </a:fld>
             <a:endParaRPr lang="zh-CN" altLang="en-US"/>
           </a:p>
@@ -1958,7 +1962,7 @@
           <a:p>
             <a:fld id="{C64A47DC-23B0-47B4-A278-C88751767FBE}" type="datetimeFigureOut">
               <a:rPr lang="zh-CN" altLang="en-US" smtClean="0"/>
-              <a:t>2020/10/23</a:t>
+              <a:t>2021/01/24</a:t>
             </a:fld>
             <a:endParaRPr lang="zh-CN" altLang="en-US"/>
           </a:p>
@@ -2071,7 +2075,7 @@
           <a:p>
             <a:fld id="{C64A47DC-23B0-47B4-A278-C88751767FBE}" type="datetimeFigureOut">
               <a:rPr lang="zh-CN" altLang="en-US" smtClean="0"/>
-              <a:t>2020/10/23</a:t>
+              <a:t>2021/01/24</a:t>
             </a:fld>
             <a:endParaRPr lang="zh-CN" altLang="en-US"/>
           </a:p>
@@ -2382,7 +2386,7 @@
           <a:p>
             <a:fld id="{C64A47DC-23B0-47B4-A278-C88751767FBE}" type="datetimeFigureOut">
               <a:rPr lang="zh-CN" altLang="en-US" smtClean="0"/>
-              <a:t>2020/10/23</a:t>
+              <a:t>2021/01/24</a:t>
             </a:fld>
             <a:endParaRPr lang="zh-CN" altLang="en-US"/>
           </a:p>
@@ -2670,7 +2674,7 @@
           <a:p>
             <a:fld id="{C64A47DC-23B0-47B4-A278-C88751767FBE}" type="datetimeFigureOut">
               <a:rPr lang="zh-CN" altLang="en-US" smtClean="0"/>
-              <a:t>2020/10/23</a:t>
+              <a:t>2021/01/24</a:t>
             </a:fld>
             <a:endParaRPr lang="zh-CN" altLang="en-US"/>
           </a:p>
@@ -2911,7 +2915,7 @@
           <a:p>
             <a:fld id="{C64A47DC-23B0-47B4-A278-C88751767FBE}" type="datetimeFigureOut">
               <a:rPr lang="zh-CN" altLang="en-US" smtClean="0"/>
-              <a:t>2020/10/23</a:t>
+              <a:t>2021/01/24</a:t>
             </a:fld>
             <a:endParaRPr lang="zh-CN" altLang="en-US"/>
           </a:p>
@@ -3424,7 +3428,7 @@
           <p:cNvPr id="2" name="标题 1">
             <a:extLst>
               <a:ext uri="{FF2B5EF4-FFF2-40B4-BE49-F238E27FC236}">
-                <a16:creationId xmlns:a16="http://schemas.microsoft.com/office/drawing/2014/main" id="{75FA18FA-C233-48A7-AF85-B2D1F5F89946}"/>
+                <a16:creationId xmlns:a16="http://schemas.microsoft.com/office/drawing/2014/main" id="{7DB7F36D-0885-4395-85E4-954F764AA2A8}"/>
               </a:ext>
             </a:extLst>
           </p:cNvPr>
@@ -3442,7 +3446,7 @@
           <a:p>
             <a:r>
               <a:rPr lang="en-US" altLang="zh-CN" dirty="0"/>
-              <a:t>SAM Design – Adaptive</a:t>
+              <a:t>Requirements</a:t>
             </a:r>
             <a:endParaRPr lang="zh-CN" altLang="en-US" dirty="0"/>
           </a:p>
@@ -3450,686 +3454,187 @@
       </p:sp>
       <p:sp>
         <p:nvSpPr>
-          <p:cNvPr id="4" name="矩形 3">
-            <a:extLst>
-              <a:ext uri="{FF2B5EF4-FFF2-40B4-BE49-F238E27FC236}">
-                <a16:creationId xmlns:a16="http://schemas.microsoft.com/office/drawing/2014/main" id="{4936DC08-1554-470C-A2BD-377C9EF887DD}"/>
-              </a:ext>
-            </a:extLst>
-          </p:cNvPr>
-          <p:cNvSpPr/>
-          <p:nvPr/>
+          <p:cNvPr id="3" name="内容占位符 2">
+            <a:extLst>
+              <a:ext uri="{FF2B5EF4-FFF2-40B4-BE49-F238E27FC236}">
+                <a16:creationId xmlns:a16="http://schemas.microsoft.com/office/drawing/2014/main" id="{714CDC03-4A0E-437F-A5BB-5FDCFD72BF33}"/>
+              </a:ext>
+            </a:extLst>
+          </p:cNvPr>
+          <p:cNvSpPr>
+            <a:spLocks noGrp="1"/>
+          </p:cNvSpPr>
+          <p:nvPr>
+            <p:ph idx="1"/>
+          </p:nvPr>
         </p:nvSpPr>
         <p:spPr>
           <a:xfrm>
-            <a:off x="844941" y="2661800"/>
-            <a:ext cx="10644326" cy="2700314"/>
+            <a:off x="838200" y="1825625"/>
+            <a:ext cx="10515600" cy="4801418"/>
           </a:xfrm>
-          <a:prstGeom prst="rect">
-            <a:avLst/>
-          </a:prstGeom>
         </p:spPr>
-        <p:style>
-          <a:lnRef idx="2">
-            <a:schemeClr val="accent6"/>
-          </a:lnRef>
-          <a:fillRef idx="1">
-            <a:schemeClr val="lt1"/>
-          </a:fillRef>
-          <a:effectRef idx="0">
-            <a:schemeClr val="accent6"/>
-          </a:effectRef>
-          <a:fontRef idx="minor">
-            <a:schemeClr val="dk1"/>
-          </a:fontRef>
-        </p:style>
-        <p:txBody>
-          <a:bodyPr rtlCol="0" anchor="ctr"/>
-          <a:lstStyle/>
-          <a:p>
-            <a:pPr algn="ctr"/>
-            <a:endParaRPr lang="zh-CN" altLang="en-US" dirty="0"/>
-          </a:p>
-        </p:txBody>
-      </p:sp>
-      <p:sp>
-        <p:nvSpPr>
-          <p:cNvPr id="5" name="矩形 4">
-            <a:extLst>
-              <a:ext uri="{FF2B5EF4-FFF2-40B4-BE49-F238E27FC236}">
-                <a16:creationId xmlns:a16="http://schemas.microsoft.com/office/drawing/2014/main" id="{D3D897B1-4F28-4913-9605-0F11B3D0EAD4}"/>
-              </a:ext>
-            </a:extLst>
-          </p:cNvPr>
-          <p:cNvSpPr/>
-          <p:nvPr/>
-        </p:nvSpPr>
-        <p:spPr>
-          <a:xfrm>
-            <a:off x="2762947" y="4238628"/>
-            <a:ext cx="2704971" cy="535762"/>
-          </a:xfrm>
-          <a:prstGeom prst="rect">
-            <a:avLst/>
-          </a:prstGeom>
-        </p:spPr>
-        <p:style>
-          <a:lnRef idx="2">
-            <a:schemeClr val="accent1">
-              <a:shade val="50000"/>
-            </a:schemeClr>
-          </a:lnRef>
-          <a:fillRef idx="1">
-            <a:schemeClr val="accent1"/>
-          </a:fillRef>
-          <a:effectRef idx="0">
-            <a:schemeClr val="accent1"/>
-          </a:effectRef>
-          <a:fontRef idx="minor">
-            <a:schemeClr val="lt1"/>
-          </a:fontRef>
-        </p:style>
-        <p:txBody>
-          <a:bodyPr rtlCol="0" anchor="ctr"/>
-          <a:lstStyle/>
-          <a:p>
-            <a:pPr algn="ctr"/>
+        <p:txBody>
+          <a:bodyPr>
+            <a:normAutofit/>
+          </a:bodyPr>
+          <a:lstStyle/>
+          <a:p>
+            <a:r>
+              <a:rPr lang="zh-CN" altLang="en-US" dirty="0"/>
+              <a:t>获取拓扑变化（被动），设备</a:t>
+            </a:r>
             <a:r>
               <a:rPr lang="en-US" altLang="zh-CN" dirty="0"/>
-              <a:t>Failure Alert processor </a:t>
-            </a:r>
-            <a:endParaRPr lang="zh-CN" altLang="en-US" dirty="0"/>
-          </a:p>
-        </p:txBody>
-      </p:sp>
-      <p:sp>
-        <p:nvSpPr>
-          <p:cNvPr id="7" name="文本框 6">
-            <a:extLst>
-              <a:ext uri="{FF2B5EF4-FFF2-40B4-BE49-F238E27FC236}">
-                <a16:creationId xmlns:a16="http://schemas.microsoft.com/office/drawing/2014/main" id="{23FC44CC-61B5-48F9-A828-E5266467FEDD}"/>
-              </a:ext>
-            </a:extLst>
-          </p:cNvPr>
-          <p:cNvSpPr txBox="1"/>
-          <p:nvPr/>
-        </p:nvSpPr>
-        <p:spPr>
-          <a:xfrm>
-            <a:off x="5902254" y="2290421"/>
-            <a:ext cx="1053494" cy="369332"/>
-          </a:xfrm>
-          <a:prstGeom prst="rect">
-            <a:avLst/>
-          </a:prstGeom>
-          <a:noFill/>
-        </p:spPr>
-        <p:txBody>
-          <a:bodyPr wrap="none" rtlCol="0">
-            <a:spAutoFit/>
-          </a:bodyPr>
-          <a:lstStyle/>
-          <a:p>
+              <a:t>/</a:t>
+            </a:r>
+            <a:r>
+              <a:rPr lang="zh-CN" altLang="en-US" dirty="0"/>
+              <a:t>流量异常（主动）信息：</a:t>
+            </a:r>
+            <a:endParaRPr lang="en-US" altLang="zh-CN" dirty="0"/>
+          </a:p>
+          <a:p>
+            <a:pPr lvl="1"/>
+            <a:r>
+              <a:rPr lang="zh-CN" altLang="en-US" dirty="0"/>
+              <a:t>向</a:t>
+            </a:r>
             <a:r>
               <a:rPr lang="en-US" altLang="zh-CN" dirty="0"/>
-              <a:t>message</a:t>
-            </a:r>
-            <a:endParaRPr lang="zh-CN" altLang="en-US" dirty="0"/>
-          </a:p>
-        </p:txBody>
-      </p:sp>
-      <p:sp>
-        <p:nvSpPr>
-          <p:cNvPr id="8" name="矩形 7">
-            <a:extLst>
-              <a:ext uri="{FF2B5EF4-FFF2-40B4-BE49-F238E27FC236}">
-                <a16:creationId xmlns:a16="http://schemas.microsoft.com/office/drawing/2014/main" id="{A6C2DB94-9DFA-4E47-A700-016BCB4BA960}"/>
-              </a:ext>
-            </a:extLst>
-          </p:cNvPr>
-          <p:cNvSpPr/>
-          <p:nvPr/>
-        </p:nvSpPr>
-        <p:spPr>
-          <a:xfrm>
-            <a:off x="4790603" y="3142724"/>
-            <a:ext cx="2007831" cy="535762"/>
-          </a:xfrm>
-          <a:prstGeom prst="rect">
-            <a:avLst/>
-          </a:prstGeom>
-        </p:spPr>
-        <p:style>
-          <a:lnRef idx="2">
-            <a:schemeClr val="accent1">
-              <a:shade val="50000"/>
-            </a:schemeClr>
-          </a:lnRef>
-          <a:fillRef idx="1">
-            <a:schemeClr val="accent1"/>
-          </a:fillRef>
-          <a:effectRef idx="0">
-            <a:schemeClr val="accent1"/>
-          </a:effectRef>
-          <a:fontRef idx="minor">
-            <a:schemeClr val="lt1"/>
-          </a:fontRef>
-        </p:style>
-        <p:txBody>
-          <a:bodyPr rtlCol="0" anchor="ctr"/>
-          <a:lstStyle/>
-          <a:p>
-            <a:pPr algn="ctr"/>
-            <a:r>
-              <a:rPr lang="en-US" altLang="zh-CN" dirty="0" err="1"/>
-              <a:t>MessageAgent</a:t>
-            </a:r>
-            <a:endParaRPr lang="zh-CN" altLang="en-US" dirty="0"/>
-          </a:p>
-        </p:txBody>
-      </p:sp>
-      <p:sp>
-        <p:nvSpPr>
-          <p:cNvPr id="6" name="箭头: 右 5">
-            <a:extLst>
-              <a:ext uri="{FF2B5EF4-FFF2-40B4-BE49-F238E27FC236}">
-                <a16:creationId xmlns:a16="http://schemas.microsoft.com/office/drawing/2014/main" id="{AFABD06F-FE3C-44CB-A355-AF185771326E}"/>
-              </a:ext>
-            </a:extLst>
-          </p:cNvPr>
-          <p:cNvSpPr/>
-          <p:nvPr/>
-        </p:nvSpPr>
-        <p:spPr>
-          <a:xfrm rot="5400000">
-            <a:off x="5457800" y="2522655"/>
-            <a:ext cx="673434" cy="470517"/>
-          </a:xfrm>
-          <a:prstGeom prst="rightArrow">
-            <a:avLst/>
-          </a:prstGeom>
-        </p:spPr>
-        <p:style>
-          <a:lnRef idx="2">
-            <a:schemeClr val="accent2">
-              <a:shade val="50000"/>
-            </a:schemeClr>
-          </a:lnRef>
-          <a:fillRef idx="1">
-            <a:schemeClr val="accent2"/>
-          </a:fillRef>
-          <a:effectRef idx="0">
-            <a:schemeClr val="accent2"/>
-          </a:effectRef>
-          <a:fontRef idx="minor">
-            <a:schemeClr val="lt1"/>
-          </a:fontRef>
-        </p:style>
-        <p:txBody>
-          <a:bodyPr rtlCol="0" anchor="ctr"/>
-          <a:lstStyle/>
-          <a:p>
-            <a:pPr algn="ctr"/>
-            <a:endParaRPr lang="zh-CN" altLang="en-US"/>
-          </a:p>
-        </p:txBody>
-      </p:sp>
-      <p:sp>
-        <p:nvSpPr>
-          <p:cNvPr id="9" name="箭头: 右 8">
-            <a:extLst>
-              <a:ext uri="{FF2B5EF4-FFF2-40B4-BE49-F238E27FC236}">
-                <a16:creationId xmlns:a16="http://schemas.microsoft.com/office/drawing/2014/main" id="{2F585151-A179-46E0-9CC1-346AE0024840}"/>
-              </a:ext>
-            </a:extLst>
-          </p:cNvPr>
-          <p:cNvSpPr/>
-          <p:nvPr/>
-        </p:nvSpPr>
-        <p:spPr>
-          <a:xfrm rot="7984879">
-            <a:off x="4591745" y="3817328"/>
-            <a:ext cx="673433" cy="470517"/>
-          </a:xfrm>
-          <a:prstGeom prst="rightArrow">
-            <a:avLst/>
-          </a:prstGeom>
-        </p:spPr>
-        <p:style>
-          <a:lnRef idx="2">
-            <a:schemeClr val="accent2">
-              <a:shade val="50000"/>
-            </a:schemeClr>
-          </a:lnRef>
-          <a:fillRef idx="1">
-            <a:schemeClr val="accent2"/>
-          </a:fillRef>
-          <a:effectRef idx="0">
-            <a:schemeClr val="accent2"/>
-          </a:effectRef>
-          <a:fontRef idx="minor">
-            <a:schemeClr val="lt1"/>
-          </a:fontRef>
-        </p:style>
-        <p:txBody>
-          <a:bodyPr rtlCol="0" anchor="ctr"/>
-          <a:lstStyle/>
-          <a:p>
-            <a:pPr algn="ctr"/>
-            <a:endParaRPr lang="zh-CN" altLang="en-US"/>
-          </a:p>
-        </p:txBody>
-      </p:sp>
-      <p:sp>
-        <p:nvSpPr>
-          <p:cNvPr id="10" name="文本框 9">
-            <a:extLst>
-              <a:ext uri="{FF2B5EF4-FFF2-40B4-BE49-F238E27FC236}">
-                <a16:creationId xmlns:a16="http://schemas.microsoft.com/office/drawing/2014/main" id="{F34AEDBD-6E79-4E09-A697-32C6CCA48809}"/>
-              </a:ext>
-            </a:extLst>
-          </p:cNvPr>
-          <p:cNvSpPr txBox="1"/>
-          <p:nvPr/>
-        </p:nvSpPr>
-        <p:spPr>
-          <a:xfrm>
-            <a:off x="3127606" y="3741662"/>
-            <a:ext cx="1337226" cy="369332"/>
-          </a:xfrm>
-          <a:prstGeom prst="rect">
-            <a:avLst/>
-          </a:prstGeom>
-          <a:noFill/>
-        </p:spPr>
-        <p:txBody>
-          <a:bodyPr wrap="none" rtlCol="0">
-            <a:spAutoFit/>
-          </a:bodyPr>
-          <a:lstStyle/>
-          <a:p>
+              <a:t>measurer</a:t>
+            </a:r>
+            <a:r>
+              <a:rPr lang="zh-CN" altLang="en-US" dirty="0"/>
+              <a:t>提出请求</a:t>
+            </a:r>
             <a:r>
               <a:rPr lang="en-US" altLang="zh-CN" dirty="0"/>
-              <a:t>Failure alert</a:t>
-            </a:r>
-            <a:endParaRPr lang="zh-CN" altLang="en-US" dirty="0"/>
-          </a:p>
-        </p:txBody>
-      </p:sp>
-      <p:sp>
-        <p:nvSpPr>
-          <p:cNvPr id="22" name="箭头: 右 21">
-            <a:extLst>
-              <a:ext uri="{FF2B5EF4-FFF2-40B4-BE49-F238E27FC236}">
-                <a16:creationId xmlns:a16="http://schemas.microsoft.com/office/drawing/2014/main" id="{1D2DE9E9-CF05-4E33-B5DE-8B46427E9E87}"/>
-              </a:ext>
-            </a:extLst>
-          </p:cNvPr>
-          <p:cNvSpPr/>
-          <p:nvPr/>
-        </p:nvSpPr>
-        <p:spPr>
-          <a:xfrm rot="5400000">
-            <a:off x="3425439" y="5158392"/>
-            <a:ext cx="1379983" cy="470517"/>
-          </a:xfrm>
-          <a:prstGeom prst="rightArrow">
-            <a:avLst/>
-          </a:prstGeom>
-        </p:spPr>
-        <p:style>
-          <a:lnRef idx="2">
-            <a:schemeClr val="accent2">
-              <a:shade val="50000"/>
-            </a:schemeClr>
-          </a:lnRef>
-          <a:fillRef idx="1">
-            <a:schemeClr val="accent2"/>
-          </a:fillRef>
-          <a:effectRef idx="0">
-            <a:schemeClr val="accent2"/>
-          </a:effectRef>
-          <a:fontRef idx="minor">
-            <a:schemeClr val="lt1"/>
-          </a:fontRef>
-        </p:style>
-        <p:txBody>
-          <a:bodyPr rtlCol="0" anchor="ctr"/>
-          <a:lstStyle/>
-          <a:p>
-            <a:pPr algn="ctr"/>
-            <a:endParaRPr lang="zh-CN" altLang="en-US"/>
-          </a:p>
-        </p:txBody>
-      </p:sp>
-      <p:sp>
-        <p:nvSpPr>
-          <p:cNvPr id="16" name="文本框 15">
-            <a:extLst>
-              <a:ext uri="{FF2B5EF4-FFF2-40B4-BE49-F238E27FC236}">
-                <a16:creationId xmlns:a16="http://schemas.microsoft.com/office/drawing/2014/main" id="{E9FB10BF-5254-4E84-A096-F13DDCFA3D83}"/>
-              </a:ext>
-            </a:extLst>
-          </p:cNvPr>
-          <p:cNvSpPr txBox="1"/>
-          <p:nvPr/>
-        </p:nvSpPr>
-        <p:spPr>
-          <a:xfrm>
-            <a:off x="6802841" y="3828291"/>
-            <a:ext cx="1186543" cy="369332"/>
-          </a:xfrm>
-          <a:prstGeom prst="rect">
-            <a:avLst/>
-          </a:prstGeom>
-          <a:noFill/>
-        </p:spPr>
-        <p:txBody>
-          <a:bodyPr wrap="none" rtlCol="0">
-            <a:spAutoFit/>
-          </a:bodyPr>
-          <a:lstStyle/>
-          <a:p>
+              <a:t>REQUEST_TYPE_GET_DCN_INFO</a:t>
+            </a:r>
+            <a:r>
+              <a:rPr lang="zh-CN" altLang="en-US" dirty="0"/>
+              <a:t>获取（必做）</a:t>
+            </a:r>
+            <a:endParaRPr lang="en-US" altLang="zh-CN" dirty="0"/>
+          </a:p>
+          <a:p>
+            <a:pPr lvl="2"/>
+            <a:r>
+              <a:rPr lang="zh-CN" altLang="en-US" dirty="0"/>
+              <a:t>考虑到数据持久化，拓扑信息和设备流量异常信息可能会存入数据库（选作）</a:t>
+            </a:r>
+            <a:endParaRPr lang="en-US" altLang="zh-CN" dirty="0"/>
+          </a:p>
+          <a:p>
+            <a:r>
+              <a:rPr lang="zh-CN" altLang="en-US" dirty="0"/>
+              <a:t>根据拓扑变化（被动），设备</a:t>
+            </a:r>
             <a:r>
               <a:rPr lang="en-US" altLang="zh-CN" dirty="0"/>
-              <a:t>Burst alert</a:t>
-            </a:r>
-            <a:endParaRPr lang="zh-CN" altLang="en-US" dirty="0"/>
-          </a:p>
-        </p:txBody>
-      </p:sp>
-      <p:sp>
-        <p:nvSpPr>
-          <p:cNvPr id="18" name="箭头: 右 17">
-            <a:extLst>
-              <a:ext uri="{FF2B5EF4-FFF2-40B4-BE49-F238E27FC236}">
-                <a16:creationId xmlns:a16="http://schemas.microsoft.com/office/drawing/2014/main" id="{68D9F58D-2BD7-4D16-A8DE-B5BE44BC429C}"/>
-              </a:ext>
-            </a:extLst>
-          </p:cNvPr>
-          <p:cNvSpPr/>
-          <p:nvPr/>
-        </p:nvSpPr>
-        <p:spPr>
-          <a:xfrm rot="2477406">
-            <a:off x="6267255" y="3746760"/>
-            <a:ext cx="673433" cy="470517"/>
-          </a:xfrm>
-          <a:prstGeom prst="rightArrow">
-            <a:avLst/>
-          </a:prstGeom>
-        </p:spPr>
-        <p:style>
-          <a:lnRef idx="2">
-            <a:schemeClr val="accent2">
-              <a:shade val="50000"/>
-            </a:schemeClr>
-          </a:lnRef>
-          <a:fillRef idx="1">
-            <a:schemeClr val="accent2"/>
-          </a:fillRef>
-          <a:effectRef idx="0">
-            <a:schemeClr val="accent2"/>
-          </a:effectRef>
-          <a:fontRef idx="minor">
-            <a:schemeClr val="lt1"/>
-          </a:fontRef>
-        </p:style>
-        <p:txBody>
-          <a:bodyPr rtlCol="0" anchor="ctr"/>
-          <a:lstStyle/>
-          <a:p>
-            <a:pPr algn="ctr"/>
-            <a:endParaRPr lang="zh-CN" altLang="en-US"/>
-          </a:p>
-        </p:txBody>
-      </p:sp>
-      <p:sp>
-        <p:nvSpPr>
-          <p:cNvPr id="19" name="矩形 18">
-            <a:extLst>
-              <a:ext uri="{FF2B5EF4-FFF2-40B4-BE49-F238E27FC236}">
-                <a16:creationId xmlns:a16="http://schemas.microsoft.com/office/drawing/2014/main" id="{057EE364-F4D2-4689-A094-7097CDB8E85D}"/>
-              </a:ext>
-            </a:extLst>
-          </p:cNvPr>
-          <p:cNvSpPr/>
-          <p:nvPr/>
-        </p:nvSpPr>
-        <p:spPr>
-          <a:xfrm>
-            <a:off x="6124625" y="4238628"/>
-            <a:ext cx="2704971" cy="535762"/>
-          </a:xfrm>
-          <a:prstGeom prst="rect">
-            <a:avLst/>
-          </a:prstGeom>
-        </p:spPr>
-        <p:style>
-          <a:lnRef idx="2">
-            <a:schemeClr val="accent1">
-              <a:shade val="50000"/>
-            </a:schemeClr>
-          </a:lnRef>
-          <a:fillRef idx="1">
-            <a:schemeClr val="accent1"/>
-          </a:fillRef>
-          <a:effectRef idx="0">
-            <a:schemeClr val="accent1"/>
-          </a:effectRef>
-          <a:fontRef idx="minor">
-            <a:schemeClr val="lt1"/>
-          </a:fontRef>
-        </p:style>
-        <p:txBody>
-          <a:bodyPr rtlCol="0" anchor="ctr"/>
-          <a:lstStyle/>
-          <a:p>
-            <a:pPr algn="ctr"/>
+              <a:t>/</a:t>
+            </a:r>
+            <a:r>
+              <a:rPr lang="zh-CN" altLang="en-US" dirty="0"/>
+              <a:t>流量异常（主动）做决策：</a:t>
+            </a:r>
+            <a:endParaRPr lang="en-US" altLang="zh-CN" dirty="0"/>
+          </a:p>
+          <a:p>
+            <a:pPr lvl="1"/>
+            <a:r>
+              <a:rPr lang="zh-CN" altLang="en-US" dirty="0"/>
+              <a:t>决策服务功能链的故障恢复（必做）</a:t>
+            </a:r>
+            <a:endParaRPr lang="en-US" altLang="zh-CN" dirty="0"/>
+          </a:p>
+          <a:p>
+            <a:pPr lvl="2"/>
+            <a:r>
+              <a:rPr lang="zh-CN" altLang="en-US" dirty="0"/>
+              <a:t>例如服务器</a:t>
+            </a:r>
             <a:r>
               <a:rPr lang="en-US" altLang="zh-CN" dirty="0"/>
-              <a:t>Burst Alert processor </a:t>
-            </a:r>
-            <a:endParaRPr lang="zh-CN" altLang="en-US" dirty="0"/>
-          </a:p>
-        </p:txBody>
-      </p:sp>
-      <p:sp>
-        <p:nvSpPr>
-          <p:cNvPr id="20" name="箭头: 右 19">
-            <a:extLst>
-              <a:ext uri="{FF2B5EF4-FFF2-40B4-BE49-F238E27FC236}">
-                <a16:creationId xmlns:a16="http://schemas.microsoft.com/office/drawing/2014/main" id="{5A302AB3-5BA3-4159-8A66-6AD187FB9AAE}"/>
-              </a:ext>
-            </a:extLst>
-          </p:cNvPr>
-          <p:cNvSpPr/>
-          <p:nvPr/>
-        </p:nvSpPr>
-        <p:spPr>
-          <a:xfrm rot="5400000">
-            <a:off x="6787118" y="5110661"/>
-            <a:ext cx="1379983" cy="470517"/>
-          </a:xfrm>
-          <a:prstGeom prst="rightArrow">
-            <a:avLst/>
-          </a:prstGeom>
-        </p:spPr>
-        <p:style>
-          <a:lnRef idx="2">
-            <a:schemeClr val="accent2">
-              <a:shade val="50000"/>
-            </a:schemeClr>
-          </a:lnRef>
-          <a:fillRef idx="1">
-            <a:schemeClr val="accent2"/>
-          </a:fillRef>
-          <a:effectRef idx="0">
-            <a:schemeClr val="accent2"/>
-          </a:effectRef>
-          <a:fontRef idx="minor">
-            <a:schemeClr val="lt1"/>
-          </a:fontRef>
-        </p:style>
-        <p:txBody>
-          <a:bodyPr rtlCol="0" anchor="ctr"/>
-          <a:lstStyle/>
-          <a:p>
-            <a:pPr algn="ctr"/>
-            <a:endParaRPr lang="zh-CN" altLang="en-US"/>
-          </a:p>
-        </p:txBody>
-      </p:sp>
-      <p:sp>
-        <p:nvSpPr>
-          <p:cNvPr id="21" name="矩形 20">
-            <a:extLst>
-              <a:ext uri="{FF2B5EF4-FFF2-40B4-BE49-F238E27FC236}">
-                <a16:creationId xmlns:a16="http://schemas.microsoft.com/office/drawing/2014/main" id="{ADD31A74-4B59-496E-B5BC-1F104972C878}"/>
-              </a:ext>
-            </a:extLst>
-          </p:cNvPr>
-          <p:cNvSpPr/>
-          <p:nvPr/>
-        </p:nvSpPr>
-        <p:spPr>
-          <a:xfrm>
-            <a:off x="2011423" y="2832904"/>
-            <a:ext cx="2104007" cy="642068"/>
-          </a:xfrm>
-          <a:prstGeom prst="rect">
-            <a:avLst/>
-          </a:prstGeom>
-        </p:spPr>
-        <p:style>
-          <a:lnRef idx="2">
-            <a:schemeClr val="accent1">
-              <a:shade val="50000"/>
-            </a:schemeClr>
-          </a:lnRef>
-          <a:fillRef idx="1">
-            <a:schemeClr val="accent1"/>
-          </a:fillRef>
-          <a:effectRef idx="0">
-            <a:schemeClr val="accent1"/>
-          </a:effectRef>
-          <a:fontRef idx="minor">
-            <a:schemeClr val="lt1"/>
-          </a:fontRef>
-        </p:style>
-        <p:txBody>
-          <a:bodyPr rtlCol="0" anchor="ctr"/>
-          <a:lstStyle/>
-          <a:p>
-            <a:pPr algn="ctr"/>
-            <a:r>
-              <a:rPr lang="en-US" altLang="zh-CN" dirty="0" err="1"/>
-              <a:t>DatabaseAgent</a:t>
+              <a:t>/</a:t>
+            </a:r>
+            <a:r>
+              <a:rPr lang="zh-CN" altLang="en-US" dirty="0"/>
+              <a:t>交换机故障</a:t>
+            </a:r>
+            <a:r>
+              <a:rPr lang="en-US" altLang="zh-CN" dirty="0"/>
+              <a:t>/</a:t>
+            </a:r>
+            <a:r>
+              <a:rPr lang="zh-CN" altLang="en-US" dirty="0"/>
+              <a:t>异常导致服务功能链中断</a:t>
+            </a:r>
+            <a:r>
+              <a:rPr lang="en-US" altLang="zh-CN" dirty="0"/>
+              <a:t>/</a:t>
+            </a:r>
+            <a:r>
+              <a:rPr lang="zh-CN" altLang="en-US" dirty="0"/>
+              <a:t>服务质量下降，需要重新编排一个服务功能链</a:t>
             </a:r>
             <a:endParaRPr lang="en-US" altLang="zh-CN" dirty="0"/>
           </a:p>
-        </p:txBody>
-      </p:sp>
-      <p:sp>
-        <p:nvSpPr>
-          <p:cNvPr id="26" name="圆柱体 25">
-            <a:extLst>
-              <a:ext uri="{FF2B5EF4-FFF2-40B4-BE49-F238E27FC236}">
-                <a16:creationId xmlns:a16="http://schemas.microsoft.com/office/drawing/2014/main" id="{5B1BB3CA-891F-4BD3-8116-E095E74CD34D}"/>
-              </a:ext>
-            </a:extLst>
-          </p:cNvPr>
-          <p:cNvSpPr/>
-          <p:nvPr/>
-        </p:nvSpPr>
-        <p:spPr>
-          <a:xfrm>
-            <a:off x="2065449" y="1628291"/>
-            <a:ext cx="1805812" cy="719423"/>
-          </a:xfrm>
-          <a:prstGeom prst="can">
-            <a:avLst/>
-          </a:prstGeom>
-        </p:spPr>
-        <p:style>
-          <a:lnRef idx="2">
-            <a:schemeClr val="accent1">
-              <a:shade val="50000"/>
-            </a:schemeClr>
-          </a:lnRef>
-          <a:fillRef idx="1">
-            <a:schemeClr val="accent1"/>
-          </a:fillRef>
-          <a:effectRef idx="0">
-            <a:schemeClr val="accent1"/>
-          </a:effectRef>
-          <a:fontRef idx="minor">
-            <a:schemeClr val="lt1"/>
-          </a:fontRef>
-        </p:style>
-        <p:txBody>
-          <a:bodyPr rtlCol="0" anchor="ctr"/>
-          <a:lstStyle/>
-          <a:p>
-            <a:pPr algn="ctr"/>
+          <a:p>
+            <a:pPr lvl="1"/>
+            <a:r>
+              <a:rPr lang="zh-CN" altLang="en-US" dirty="0"/>
+              <a:t>决策启动哪些服务功能链的备份路径（选做）</a:t>
+            </a:r>
+            <a:endParaRPr lang="en-US" altLang="zh-CN" dirty="0"/>
+          </a:p>
+          <a:p>
+            <a:pPr lvl="1"/>
+            <a:r>
+              <a:rPr lang="zh-CN" altLang="en-US" dirty="0"/>
+              <a:t>决策是否增加</a:t>
+            </a:r>
             <a:r>
               <a:rPr lang="en-US" altLang="zh-CN" dirty="0"/>
-              <a:t>Request State</a:t>
-            </a:r>
-            <a:endParaRPr lang="zh-CN" altLang="en-US" dirty="0"/>
-          </a:p>
-        </p:txBody>
-      </p:sp>
-      <p:sp>
-        <p:nvSpPr>
-          <p:cNvPr id="27" name="箭头: 右 26">
-            <a:extLst>
-              <a:ext uri="{FF2B5EF4-FFF2-40B4-BE49-F238E27FC236}">
-                <a16:creationId xmlns:a16="http://schemas.microsoft.com/office/drawing/2014/main" id="{3982A353-504C-4DC3-8655-5707AA2F35FF}"/>
-              </a:ext>
-            </a:extLst>
-          </p:cNvPr>
-          <p:cNvSpPr/>
-          <p:nvPr/>
-        </p:nvSpPr>
-        <p:spPr>
-          <a:xfrm rot="5400000">
-            <a:off x="2653324" y="2275859"/>
-            <a:ext cx="630063" cy="470517"/>
-          </a:xfrm>
-          <a:prstGeom prst="rightArrow">
-            <a:avLst/>
-          </a:prstGeom>
-        </p:spPr>
-        <p:style>
-          <a:lnRef idx="2">
-            <a:schemeClr val="accent2">
-              <a:shade val="50000"/>
-            </a:schemeClr>
-          </a:lnRef>
-          <a:fillRef idx="1">
-            <a:schemeClr val="accent2"/>
-          </a:fillRef>
-          <a:effectRef idx="0">
-            <a:schemeClr val="accent2"/>
-          </a:effectRef>
-          <a:fontRef idx="minor">
-            <a:schemeClr val="lt1"/>
-          </a:fontRef>
-        </p:style>
-        <p:txBody>
-          <a:bodyPr rtlCol="0" anchor="ctr"/>
-          <a:lstStyle/>
-          <a:p>
-            <a:pPr algn="ctr"/>
-            <a:endParaRPr lang="zh-CN" altLang="en-US"/>
+              <a:t>/</a:t>
+            </a:r>
+            <a:r>
+              <a:rPr lang="zh-CN" altLang="en-US" dirty="0"/>
+              <a:t>减少一个服务功能链的实例数量（必做）</a:t>
+            </a:r>
+            <a:endParaRPr lang="en-US" altLang="zh-CN" dirty="0"/>
+          </a:p>
+          <a:p>
+            <a:pPr lvl="2"/>
+            <a:r>
+              <a:rPr lang="zh-CN" altLang="en-US" dirty="0"/>
+              <a:t>例如流量突增</a:t>
+            </a:r>
+            <a:r>
+              <a:rPr lang="en-US" altLang="zh-CN" dirty="0"/>
+              <a:t>/</a:t>
+            </a:r>
+            <a:r>
+              <a:rPr lang="zh-CN" altLang="en-US" dirty="0"/>
+              <a:t>降低需要相应地增加</a:t>
+            </a:r>
+            <a:r>
+              <a:rPr lang="en-US" altLang="zh-CN" dirty="0"/>
+              <a:t>/</a:t>
+            </a:r>
+            <a:r>
+              <a:rPr lang="zh-CN" altLang="en-US" dirty="0"/>
+              <a:t>减少服务功能链实例的数量</a:t>
+            </a:r>
+            <a:endParaRPr lang="en-US" altLang="zh-CN" dirty="0"/>
           </a:p>
         </p:txBody>
       </p:sp>
     </p:spTree>
     <p:extLst>
       <p:ext uri="{BB962C8B-B14F-4D97-AF65-F5344CB8AC3E}">
-        <p14:creationId xmlns:p14="http://schemas.microsoft.com/office/powerpoint/2010/main" val="3880209501"/>
+        <p14:creationId xmlns:p14="http://schemas.microsoft.com/office/powerpoint/2010/main" val="2985711991"/>
       </p:ext>
     </p:extLst>
   </p:cSld>
@@ -4161,6 +3666,1294 @@
           <p:cNvPr id="2" name="标题 1">
             <a:extLst>
               <a:ext uri="{FF2B5EF4-FFF2-40B4-BE49-F238E27FC236}">
+                <a16:creationId xmlns:a16="http://schemas.microsoft.com/office/drawing/2014/main" id="{40241C96-07BB-49E8-BDD7-A3D97261BEA8}"/>
+              </a:ext>
+            </a:extLst>
+          </p:cNvPr>
+          <p:cNvSpPr>
+            <a:spLocks noGrp="1"/>
+          </p:cNvSpPr>
+          <p:nvPr>
+            <p:ph type="title"/>
+          </p:nvPr>
+        </p:nvSpPr>
+        <p:spPr/>
+        <p:txBody>
+          <a:bodyPr/>
+          <a:lstStyle/>
+          <a:p>
+            <a:r>
+              <a:rPr lang="en-US" altLang="zh-CN" dirty="0"/>
+              <a:t>Requirements</a:t>
+            </a:r>
+            <a:endParaRPr lang="zh-CN" altLang="en-US" dirty="0"/>
+          </a:p>
+        </p:txBody>
+      </p:sp>
+      <p:sp>
+        <p:nvSpPr>
+          <p:cNvPr id="3" name="内容占位符 2">
+            <a:extLst>
+              <a:ext uri="{FF2B5EF4-FFF2-40B4-BE49-F238E27FC236}">
+                <a16:creationId xmlns:a16="http://schemas.microsoft.com/office/drawing/2014/main" id="{2A792C21-D52A-4E05-A6DD-ADDD79B1D205}"/>
+              </a:ext>
+            </a:extLst>
+          </p:cNvPr>
+          <p:cNvSpPr>
+            <a:spLocks noGrp="1"/>
+          </p:cNvSpPr>
+          <p:nvPr>
+            <p:ph idx="1"/>
+          </p:nvPr>
+        </p:nvSpPr>
+        <p:spPr/>
+        <p:txBody>
+          <a:bodyPr/>
+          <a:lstStyle/>
+          <a:p>
+            <a:r>
+              <a:rPr lang="zh-CN" altLang="en-US" dirty="0"/>
+              <a:t>决策种类：</a:t>
+            </a:r>
+            <a:endParaRPr lang="en-US" altLang="zh-CN" dirty="0"/>
+          </a:p>
+          <a:p>
+            <a:pPr lvl="1"/>
+            <a:r>
+              <a:rPr lang="en-US" altLang="zh-CN" sz="2000" b="1" dirty="0">
+                <a:effectLst/>
+                <a:latin typeface="Consolas" panose="020B0609020204030204" pitchFamily="49" charset="0"/>
+              </a:rPr>
+              <a:t>CMD_TYPE_ADD_SFCI</a:t>
+            </a:r>
+          </a:p>
+          <a:p>
+            <a:pPr lvl="2"/>
+            <a:r>
+              <a:rPr lang="zh-CN" altLang="en-US" sz="1600" b="1" dirty="0">
+                <a:latin typeface="Consolas" panose="020B0609020204030204" pitchFamily="49" charset="0"/>
+              </a:rPr>
+              <a:t>流量突增时，增加一条服务链实例</a:t>
+            </a:r>
+            <a:endParaRPr lang="en-US" altLang="zh-CN" sz="1600" b="1" dirty="0">
+              <a:latin typeface="Consolas" panose="020B0609020204030204" pitchFamily="49" charset="0"/>
+            </a:endParaRPr>
+          </a:p>
+          <a:p>
+            <a:pPr lvl="2"/>
+            <a:r>
+              <a:rPr lang="zh-CN" altLang="en-US" sz="1600" b="1" dirty="0">
+                <a:effectLst/>
+                <a:latin typeface="Consolas" panose="020B0609020204030204" pitchFamily="49" charset="0"/>
+              </a:rPr>
+              <a:t>故障恢复时，重新部署一条新的服务链实例</a:t>
+            </a:r>
+            <a:endParaRPr lang="en-US" altLang="zh-CN" sz="1600" b="1" dirty="0">
+              <a:effectLst/>
+              <a:latin typeface="Consolas" panose="020B0609020204030204" pitchFamily="49" charset="0"/>
+            </a:endParaRPr>
+          </a:p>
+          <a:p>
+            <a:pPr lvl="1"/>
+            <a:r>
+              <a:rPr lang="en-US" altLang="zh-CN" sz="2000" b="1" dirty="0">
+                <a:effectLst/>
+                <a:latin typeface="Consolas" panose="020B0609020204030204" pitchFamily="49" charset="0"/>
+              </a:rPr>
+              <a:t>CMD_TYPE_DEL_SFCI</a:t>
+            </a:r>
+          </a:p>
+          <a:p>
+            <a:pPr lvl="2"/>
+            <a:r>
+              <a:rPr lang="zh-CN" altLang="en-US" sz="1600" b="1" dirty="0">
+                <a:latin typeface="Consolas" panose="020B0609020204030204" pitchFamily="49" charset="0"/>
+              </a:rPr>
+              <a:t>流量大小下降，减少一条服务链实例</a:t>
+            </a:r>
+            <a:endParaRPr lang="en-US" altLang="zh-CN" sz="1600" b="1" dirty="0">
+              <a:latin typeface="Consolas" panose="020B0609020204030204" pitchFamily="49" charset="0"/>
+            </a:endParaRPr>
+          </a:p>
+          <a:p>
+            <a:pPr lvl="2"/>
+            <a:r>
+              <a:rPr lang="zh-CN" altLang="en-US" sz="1600" b="1" dirty="0">
+                <a:effectLst/>
+                <a:latin typeface="Consolas" panose="020B0609020204030204" pitchFamily="49" charset="0"/>
+              </a:rPr>
+              <a:t>故障恢复时，删除一条故障的服务链实例</a:t>
+            </a:r>
+          </a:p>
+          <a:p>
+            <a:endParaRPr lang="zh-CN" altLang="en-US" dirty="0"/>
+          </a:p>
+        </p:txBody>
+      </p:sp>
+    </p:spTree>
+    <p:extLst>
+      <p:ext uri="{BB962C8B-B14F-4D97-AF65-F5344CB8AC3E}">
+        <p14:creationId xmlns:p14="http://schemas.microsoft.com/office/powerpoint/2010/main" val="3054340279"/>
+      </p:ext>
+    </p:extLst>
+  </p:cSld>
+  <p:clrMapOvr>
+    <a:masterClrMapping/>
+  </p:clrMapOvr>
+</p:sld>
+</file>
+
+<file path=ppt/slides/slide4.xml><?xml version="1.0" encoding="utf-8"?>
+<p:sld xmlns:a="http://schemas.openxmlformats.org/drawingml/2006/main" xmlns:r="http://schemas.openxmlformats.org/officeDocument/2006/relationships" xmlns:p="http://schemas.openxmlformats.org/presentationml/2006/main">
+  <p:cSld>
+    <p:spTree>
+      <p:nvGrpSpPr>
+        <p:cNvPr id="1" name=""/>
+        <p:cNvGrpSpPr/>
+        <p:nvPr/>
+      </p:nvGrpSpPr>
+      <p:grpSpPr>
+        <a:xfrm>
+          <a:off x="0" y="0"/>
+          <a:ext cx="0" cy="0"/>
+          <a:chOff x="0" y="0"/>
+          <a:chExt cx="0" cy="0"/>
+        </a:xfrm>
+      </p:grpSpPr>
+      <p:sp>
+        <p:nvSpPr>
+          <p:cNvPr id="4" name="矩形 3">
+            <a:extLst>
+              <a:ext uri="{FF2B5EF4-FFF2-40B4-BE49-F238E27FC236}">
+                <a16:creationId xmlns:a16="http://schemas.microsoft.com/office/drawing/2014/main" id="{4936DC08-1554-470C-A2BD-377C9EF887DD}"/>
+              </a:ext>
+            </a:extLst>
+          </p:cNvPr>
+          <p:cNvSpPr/>
+          <p:nvPr/>
+        </p:nvSpPr>
+        <p:spPr>
+          <a:xfrm>
+            <a:off x="844941" y="2138537"/>
+            <a:ext cx="10644326" cy="4007740"/>
+          </a:xfrm>
+          <a:prstGeom prst="rect">
+            <a:avLst/>
+          </a:prstGeom>
+          <a:noFill/>
+        </p:spPr>
+        <p:style>
+          <a:lnRef idx="2">
+            <a:schemeClr val="accent6"/>
+          </a:lnRef>
+          <a:fillRef idx="1">
+            <a:schemeClr val="lt1"/>
+          </a:fillRef>
+          <a:effectRef idx="0">
+            <a:schemeClr val="accent6"/>
+          </a:effectRef>
+          <a:fontRef idx="minor">
+            <a:schemeClr val="dk1"/>
+          </a:fontRef>
+        </p:style>
+        <p:txBody>
+          <a:bodyPr rtlCol="0" anchor="ctr"/>
+          <a:lstStyle/>
+          <a:p>
+            <a:pPr algn="ctr"/>
+            <a:endParaRPr lang="zh-CN" altLang="en-US" dirty="0"/>
+          </a:p>
+        </p:txBody>
+      </p:sp>
+      <p:sp>
+        <p:nvSpPr>
+          <p:cNvPr id="2" name="标题 1">
+            <a:extLst>
+              <a:ext uri="{FF2B5EF4-FFF2-40B4-BE49-F238E27FC236}">
+                <a16:creationId xmlns:a16="http://schemas.microsoft.com/office/drawing/2014/main" id="{75FA18FA-C233-48A7-AF85-B2D1F5F89946}"/>
+              </a:ext>
+            </a:extLst>
+          </p:cNvPr>
+          <p:cNvSpPr>
+            <a:spLocks noGrp="1"/>
+          </p:cNvSpPr>
+          <p:nvPr>
+            <p:ph type="title"/>
+          </p:nvPr>
+        </p:nvSpPr>
+        <p:spPr/>
+        <p:txBody>
+          <a:bodyPr/>
+          <a:lstStyle/>
+          <a:p>
+            <a:r>
+              <a:rPr lang="en-US" altLang="zh-CN" dirty="0"/>
+              <a:t>SAM Design – Adaptive</a:t>
+            </a:r>
+            <a:endParaRPr lang="zh-CN" altLang="en-US" dirty="0"/>
+          </a:p>
+        </p:txBody>
+      </p:sp>
+      <p:sp>
+        <p:nvSpPr>
+          <p:cNvPr id="5" name="矩形 4">
+            <a:extLst>
+              <a:ext uri="{FF2B5EF4-FFF2-40B4-BE49-F238E27FC236}">
+                <a16:creationId xmlns:a16="http://schemas.microsoft.com/office/drawing/2014/main" id="{D3D897B1-4F28-4913-9605-0F11B3D0EAD4}"/>
+              </a:ext>
+            </a:extLst>
+          </p:cNvPr>
+          <p:cNvSpPr/>
+          <p:nvPr/>
+        </p:nvSpPr>
+        <p:spPr>
+          <a:xfrm>
+            <a:off x="4406931" y="3866159"/>
+            <a:ext cx="2704971" cy="535762"/>
+          </a:xfrm>
+          <a:prstGeom prst="rect">
+            <a:avLst/>
+          </a:prstGeom>
+        </p:spPr>
+        <p:style>
+          <a:lnRef idx="2">
+            <a:schemeClr val="accent1">
+              <a:shade val="50000"/>
+            </a:schemeClr>
+          </a:lnRef>
+          <a:fillRef idx="1">
+            <a:schemeClr val="accent1"/>
+          </a:fillRef>
+          <a:effectRef idx="0">
+            <a:schemeClr val="accent1"/>
+          </a:effectRef>
+          <a:fontRef idx="minor">
+            <a:schemeClr val="lt1"/>
+          </a:fontRef>
+        </p:style>
+        <p:txBody>
+          <a:bodyPr rtlCol="0" anchor="ctr"/>
+          <a:lstStyle/>
+          <a:p>
+            <a:pPr algn="ctr"/>
+            <a:r>
+              <a:rPr lang="en-US" altLang="zh-CN" dirty="0"/>
+              <a:t>Failure/Anomaly Alert processor </a:t>
+            </a:r>
+            <a:endParaRPr lang="zh-CN" altLang="en-US" dirty="0"/>
+          </a:p>
+        </p:txBody>
+      </p:sp>
+      <p:sp>
+        <p:nvSpPr>
+          <p:cNvPr id="7" name="文本框 6">
+            <a:extLst>
+              <a:ext uri="{FF2B5EF4-FFF2-40B4-BE49-F238E27FC236}">
+                <a16:creationId xmlns:a16="http://schemas.microsoft.com/office/drawing/2014/main" id="{23FC44CC-61B5-48F9-A828-E5266467FEDD}"/>
+              </a:ext>
+            </a:extLst>
+          </p:cNvPr>
+          <p:cNvSpPr txBox="1"/>
+          <p:nvPr/>
+        </p:nvSpPr>
+        <p:spPr>
+          <a:xfrm>
+            <a:off x="7598578" y="1431220"/>
+            <a:ext cx="1298753" cy="369332"/>
+          </a:xfrm>
+          <a:prstGeom prst="rect">
+            <a:avLst/>
+          </a:prstGeom>
+          <a:noFill/>
+        </p:spPr>
+        <p:txBody>
+          <a:bodyPr wrap="none" rtlCol="0">
+            <a:spAutoFit/>
+          </a:bodyPr>
+          <a:lstStyle/>
+          <a:p>
+            <a:r>
+              <a:rPr lang="en-US" altLang="zh-CN" b="1" dirty="0"/>
+              <a:t>DCN_INFO</a:t>
+            </a:r>
+            <a:endParaRPr lang="zh-CN" altLang="en-US" b="1" dirty="0"/>
+          </a:p>
+        </p:txBody>
+      </p:sp>
+      <p:sp>
+        <p:nvSpPr>
+          <p:cNvPr id="8" name="矩形 7">
+            <a:extLst>
+              <a:ext uri="{FF2B5EF4-FFF2-40B4-BE49-F238E27FC236}">
+                <a16:creationId xmlns:a16="http://schemas.microsoft.com/office/drawing/2014/main" id="{A6C2DB94-9DFA-4E47-A700-016BCB4BA960}"/>
+              </a:ext>
+            </a:extLst>
+          </p:cNvPr>
+          <p:cNvSpPr/>
+          <p:nvPr/>
+        </p:nvSpPr>
+        <p:spPr>
+          <a:xfrm>
+            <a:off x="6434583" y="1952692"/>
+            <a:ext cx="2007831" cy="535762"/>
+          </a:xfrm>
+          <a:prstGeom prst="rect">
+            <a:avLst/>
+          </a:prstGeom>
+        </p:spPr>
+        <p:style>
+          <a:lnRef idx="2">
+            <a:schemeClr val="accent1">
+              <a:shade val="50000"/>
+            </a:schemeClr>
+          </a:lnRef>
+          <a:fillRef idx="1">
+            <a:schemeClr val="accent1"/>
+          </a:fillRef>
+          <a:effectRef idx="0">
+            <a:schemeClr val="accent1"/>
+          </a:effectRef>
+          <a:fontRef idx="minor">
+            <a:schemeClr val="lt1"/>
+          </a:fontRef>
+        </p:style>
+        <p:txBody>
+          <a:bodyPr rtlCol="0" anchor="ctr"/>
+          <a:lstStyle/>
+          <a:p>
+            <a:pPr algn="ctr"/>
+            <a:r>
+              <a:rPr lang="en-US" altLang="zh-CN" dirty="0" err="1"/>
+              <a:t>MessageAgent</a:t>
+            </a:r>
+            <a:endParaRPr lang="zh-CN" altLang="en-US" dirty="0"/>
+          </a:p>
+        </p:txBody>
+      </p:sp>
+      <p:sp>
+        <p:nvSpPr>
+          <p:cNvPr id="6" name="箭头: 右 5">
+            <a:extLst>
+              <a:ext uri="{FF2B5EF4-FFF2-40B4-BE49-F238E27FC236}">
+                <a16:creationId xmlns:a16="http://schemas.microsoft.com/office/drawing/2014/main" id="{AFABD06F-FE3C-44CB-A355-AF185771326E}"/>
+              </a:ext>
+            </a:extLst>
+          </p:cNvPr>
+          <p:cNvSpPr/>
+          <p:nvPr/>
+        </p:nvSpPr>
+        <p:spPr>
+          <a:xfrm rot="5400000">
+            <a:off x="7101779" y="1495283"/>
+            <a:ext cx="673434" cy="470517"/>
+          </a:xfrm>
+          <a:prstGeom prst="rightArrow">
+            <a:avLst/>
+          </a:prstGeom>
+        </p:spPr>
+        <p:style>
+          <a:lnRef idx="2">
+            <a:schemeClr val="accent2">
+              <a:shade val="50000"/>
+            </a:schemeClr>
+          </a:lnRef>
+          <a:fillRef idx="1">
+            <a:schemeClr val="accent2"/>
+          </a:fillRef>
+          <a:effectRef idx="0">
+            <a:schemeClr val="accent2"/>
+          </a:effectRef>
+          <a:fontRef idx="minor">
+            <a:schemeClr val="lt1"/>
+          </a:fontRef>
+        </p:style>
+        <p:txBody>
+          <a:bodyPr rtlCol="0" anchor="ctr"/>
+          <a:lstStyle/>
+          <a:p>
+            <a:pPr algn="ctr"/>
+            <a:endParaRPr lang="zh-CN" altLang="en-US"/>
+          </a:p>
+        </p:txBody>
+      </p:sp>
+      <p:sp>
+        <p:nvSpPr>
+          <p:cNvPr id="10" name="文本框 9">
+            <a:extLst>
+              <a:ext uri="{FF2B5EF4-FFF2-40B4-BE49-F238E27FC236}">
+                <a16:creationId xmlns:a16="http://schemas.microsoft.com/office/drawing/2014/main" id="{F34AEDBD-6E79-4E09-A697-32C6CCA48809}"/>
+              </a:ext>
+            </a:extLst>
+          </p:cNvPr>
+          <p:cNvSpPr txBox="1"/>
+          <p:nvPr/>
+        </p:nvSpPr>
+        <p:spPr>
+          <a:xfrm>
+            <a:off x="4387328" y="3557099"/>
+            <a:ext cx="1983235" cy="369332"/>
+          </a:xfrm>
+          <a:prstGeom prst="rect">
+            <a:avLst/>
+          </a:prstGeom>
+          <a:noFill/>
+        </p:spPr>
+        <p:txBody>
+          <a:bodyPr wrap="none" rtlCol="0">
+            <a:spAutoFit/>
+          </a:bodyPr>
+          <a:lstStyle/>
+          <a:p>
+            <a:r>
+              <a:rPr lang="en-US" altLang="zh-CN" b="1" dirty="0" err="1"/>
+              <a:t>topologyQueue</a:t>
+            </a:r>
+            <a:r>
+              <a:rPr lang="en-US" altLang="zh-CN" b="1" dirty="0"/>
+              <a:t>()</a:t>
+            </a:r>
+            <a:endParaRPr lang="zh-CN" altLang="en-US" b="1" dirty="0"/>
+          </a:p>
+        </p:txBody>
+      </p:sp>
+      <p:sp>
+        <p:nvSpPr>
+          <p:cNvPr id="16" name="文本框 15">
+            <a:extLst>
+              <a:ext uri="{FF2B5EF4-FFF2-40B4-BE49-F238E27FC236}">
+                <a16:creationId xmlns:a16="http://schemas.microsoft.com/office/drawing/2014/main" id="{E9FB10BF-5254-4E84-A096-F13DDCFA3D83}"/>
+              </a:ext>
+            </a:extLst>
+          </p:cNvPr>
+          <p:cNvSpPr txBox="1"/>
+          <p:nvPr/>
+        </p:nvSpPr>
+        <p:spPr>
+          <a:xfrm>
+            <a:off x="8517032" y="3557099"/>
+            <a:ext cx="1483098" cy="369332"/>
+          </a:xfrm>
+          <a:prstGeom prst="rect">
+            <a:avLst/>
+          </a:prstGeom>
+          <a:noFill/>
+        </p:spPr>
+        <p:txBody>
+          <a:bodyPr wrap="none" rtlCol="0">
+            <a:spAutoFit/>
+          </a:bodyPr>
+          <a:lstStyle/>
+          <a:p>
+            <a:r>
+              <a:rPr lang="en-US" altLang="zh-CN" b="1" dirty="0" err="1"/>
+              <a:t>flowQueue</a:t>
+            </a:r>
+            <a:r>
+              <a:rPr lang="en-US" altLang="zh-CN" b="1" dirty="0"/>
+              <a:t>()</a:t>
+            </a:r>
+            <a:endParaRPr lang="zh-CN" altLang="en-US" b="1" dirty="0"/>
+          </a:p>
+        </p:txBody>
+      </p:sp>
+      <p:sp>
+        <p:nvSpPr>
+          <p:cNvPr id="19" name="矩形 18">
+            <a:extLst>
+              <a:ext uri="{FF2B5EF4-FFF2-40B4-BE49-F238E27FC236}">
+                <a16:creationId xmlns:a16="http://schemas.microsoft.com/office/drawing/2014/main" id="{057EE364-F4D2-4689-A094-7097CDB8E85D}"/>
+              </a:ext>
+            </a:extLst>
+          </p:cNvPr>
+          <p:cNvSpPr/>
+          <p:nvPr/>
+        </p:nvSpPr>
+        <p:spPr>
+          <a:xfrm>
+            <a:off x="7795716" y="3866159"/>
+            <a:ext cx="2704971" cy="535762"/>
+          </a:xfrm>
+          <a:prstGeom prst="rect">
+            <a:avLst/>
+          </a:prstGeom>
+        </p:spPr>
+        <p:style>
+          <a:lnRef idx="2">
+            <a:schemeClr val="accent1">
+              <a:shade val="50000"/>
+            </a:schemeClr>
+          </a:lnRef>
+          <a:fillRef idx="1">
+            <a:schemeClr val="accent1"/>
+          </a:fillRef>
+          <a:effectRef idx="0">
+            <a:schemeClr val="accent1"/>
+          </a:effectRef>
+          <a:fontRef idx="minor">
+            <a:schemeClr val="lt1"/>
+          </a:fontRef>
+        </p:style>
+        <p:txBody>
+          <a:bodyPr rtlCol="0" anchor="ctr"/>
+          <a:lstStyle/>
+          <a:p>
+            <a:pPr algn="ctr"/>
+            <a:r>
+              <a:rPr lang="en-US" altLang="zh-CN" dirty="0"/>
+              <a:t>Traffic Size Alert processor </a:t>
+            </a:r>
+            <a:endParaRPr lang="zh-CN" altLang="en-US" dirty="0"/>
+          </a:p>
+        </p:txBody>
+      </p:sp>
+      <p:sp>
+        <p:nvSpPr>
+          <p:cNvPr id="21" name="矩形 20">
+            <a:extLst>
+              <a:ext uri="{FF2B5EF4-FFF2-40B4-BE49-F238E27FC236}">
+                <a16:creationId xmlns:a16="http://schemas.microsoft.com/office/drawing/2014/main" id="{ADD31A74-4B59-496E-B5BC-1F104972C878}"/>
+              </a:ext>
+            </a:extLst>
+          </p:cNvPr>
+          <p:cNvSpPr/>
+          <p:nvPr/>
+        </p:nvSpPr>
+        <p:spPr>
+          <a:xfrm>
+            <a:off x="1916351" y="2846824"/>
+            <a:ext cx="2104007" cy="642068"/>
+          </a:xfrm>
+          <a:prstGeom prst="rect">
+            <a:avLst/>
+          </a:prstGeom>
+        </p:spPr>
+        <p:style>
+          <a:lnRef idx="2">
+            <a:schemeClr val="accent1">
+              <a:shade val="50000"/>
+            </a:schemeClr>
+          </a:lnRef>
+          <a:fillRef idx="1">
+            <a:schemeClr val="accent1"/>
+          </a:fillRef>
+          <a:effectRef idx="0">
+            <a:schemeClr val="accent1"/>
+          </a:effectRef>
+          <a:fontRef idx="minor">
+            <a:schemeClr val="lt1"/>
+          </a:fontRef>
+        </p:style>
+        <p:txBody>
+          <a:bodyPr rtlCol="0" anchor="ctr"/>
+          <a:lstStyle/>
+          <a:p>
+            <a:pPr algn="ctr"/>
+            <a:r>
+              <a:rPr lang="en-US" altLang="zh-CN" dirty="0" err="1"/>
+              <a:t>DatabaseAgent</a:t>
+            </a:r>
+            <a:endParaRPr lang="en-US" altLang="zh-CN" dirty="0"/>
+          </a:p>
+        </p:txBody>
+      </p:sp>
+      <p:sp>
+        <p:nvSpPr>
+          <p:cNvPr id="26" name="圆柱体 25">
+            <a:extLst>
+              <a:ext uri="{FF2B5EF4-FFF2-40B4-BE49-F238E27FC236}">
+                <a16:creationId xmlns:a16="http://schemas.microsoft.com/office/drawing/2014/main" id="{5B1BB3CA-891F-4BD3-8116-E095E74CD34D}"/>
+              </a:ext>
+            </a:extLst>
+          </p:cNvPr>
+          <p:cNvSpPr/>
+          <p:nvPr/>
+        </p:nvSpPr>
+        <p:spPr>
+          <a:xfrm>
+            <a:off x="2065448" y="1359040"/>
+            <a:ext cx="1805812" cy="719423"/>
+          </a:xfrm>
+          <a:prstGeom prst="can">
+            <a:avLst/>
+          </a:prstGeom>
+        </p:spPr>
+        <p:style>
+          <a:lnRef idx="2">
+            <a:schemeClr val="accent1">
+              <a:shade val="50000"/>
+            </a:schemeClr>
+          </a:lnRef>
+          <a:fillRef idx="1">
+            <a:schemeClr val="accent1"/>
+          </a:fillRef>
+          <a:effectRef idx="0">
+            <a:schemeClr val="accent1"/>
+          </a:effectRef>
+          <a:fontRef idx="minor">
+            <a:schemeClr val="lt1"/>
+          </a:fontRef>
+        </p:style>
+        <p:txBody>
+          <a:bodyPr rtlCol="0" anchor="ctr"/>
+          <a:lstStyle/>
+          <a:p>
+            <a:pPr algn="ctr"/>
+            <a:r>
+              <a:rPr lang="en-US" altLang="zh-CN" dirty="0"/>
+              <a:t>Request State</a:t>
+            </a:r>
+            <a:endParaRPr lang="zh-CN" altLang="en-US" dirty="0"/>
+          </a:p>
+        </p:txBody>
+      </p:sp>
+      <p:sp>
+        <p:nvSpPr>
+          <p:cNvPr id="27" name="箭头: 右 26">
+            <a:extLst>
+              <a:ext uri="{FF2B5EF4-FFF2-40B4-BE49-F238E27FC236}">
+                <a16:creationId xmlns:a16="http://schemas.microsoft.com/office/drawing/2014/main" id="{3982A353-504C-4DC3-8655-5707AA2F35FF}"/>
+              </a:ext>
+            </a:extLst>
+          </p:cNvPr>
+          <p:cNvSpPr/>
+          <p:nvPr/>
+        </p:nvSpPr>
+        <p:spPr>
+          <a:xfrm rot="5400000">
+            <a:off x="2634259" y="2203834"/>
+            <a:ext cx="630063" cy="470517"/>
+          </a:xfrm>
+          <a:prstGeom prst="rightArrow">
+            <a:avLst/>
+          </a:prstGeom>
+        </p:spPr>
+        <p:style>
+          <a:lnRef idx="2">
+            <a:schemeClr val="accent2">
+              <a:shade val="50000"/>
+            </a:schemeClr>
+          </a:lnRef>
+          <a:fillRef idx="1">
+            <a:schemeClr val="accent2"/>
+          </a:fillRef>
+          <a:effectRef idx="0">
+            <a:schemeClr val="accent2"/>
+          </a:effectRef>
+          <a:fontRef idx="minor">
+            <a:schemeClr val="lt1"/>
+          </a:fontRef>
+        </p:style>
+        <p:txBody>
+          <a:bodyPr rtlCol="0" anchor="ctr"/>
+          <a:lstStyle/>
+          <a:p>
+            <a:pPr algn="ctr"/>
+            <a:endParaRPr lang="zh-CN" altLang="en-US"/>
+          </a:p>
+        </p:txBody>
+      </p:sp>
+      <p:sp>
+        <p:nvSpPr>
+          <p:cNvPr id="3" name="文本框 2">
+            <a:extLst>
+              <a:ext uri="{FF2B5EF4-FFF2-40B4-BE49-F238E27FC236}">
+                <a16:creationId xmlns:a16="http://schemas.microsoft.com/office/drawing/2014/main" id="{0E454A4B-372B-4536-8BBF-A16FA9793790}"/>
+              </a:ext>
+            </a:extLst>
+          </p:cNvPr>
+          <p:cNvSpPr txBox="1"/>
+          <p:nvPr/>
+        </p:nvSpPr>
+        <p:spPr>
+          <a:xfrm>
+            <a:off x="7717084" y="5616349"/>
+            <a:ext cx="2337499" cy="646331"/>
+          </a:xfrm>
+          <a:prstGeom prst="rect">
+            <a:avLst/>
+          </a:prstGeom>
+          <a:noFill/>
+        </p:spPr>
+        <p:txBody>
+          <a:bodyPr wrap="none" rtlCol="0">
+            <a:spAutoFit/>
+          </a:bodyPr>
+          <a:lstStyle/>
+          <a:p>
+            <a:r>
+              <a:rPr lang="en-US" altLang="zh-CN" sz="1800" b="1" dirty="0">
+                <a:effectLst/>
+                <a:latin typeface="Consolas" panose="020B0609020204030204" pitchFamily="49" charset="0"/>
+              </a:rPr>
+              <a:t>CMD_TYPE_ADD_SFCI</a:t>
+            </a:r>
+          </a:p>
+          <a:p>
+            <a:r>
+              <a:rPr lang="en-US" altLang="zh-CN" sz="1800" b="1" dirty="0">
+                <a:effectLst/>
+                <a:latin typeface="Consolas" panose="020B0609020204030204" pitchFamily="49" charset="0"/>
+              </a:rPr>
+              <a:t>CMD_TYPE_DEL_SFCI</a:t>
+            </a:r>
+          </a:p>
+        </p:txBody>
+      </p:sp>
+      <p:sp>
+        <p:nvSpPr>
+          <p:cNvPr id="24" name="矩形 23">
+            <a:extLst>
+              <a:ext uri="{FF2B5EF4-FFF2-40B4-BE49-F238E27FC236}">
+                <a16:creationId xmlns:a16="http://schemas.microsoft.com/office/drawing/2014/main" id="{2ED7F04D-7627-402B-AA5E-35D5A6EA67D9}"/>
+              </a:ext>
+            </a:extLst>
+          </p:cNvPr>
+          <p:cNvSpPr/>
+          <p:nvPr/>
+        </p:nvSpPr>
+        <p:spPr>
+          <a:xfrm>
+            <a:off x="5134742" y="4962063"/>
+            <a:ext cx="4348623" cy="535762"/>
+          </a:xfrm>
+          <a:prstGeom prst="rect">
+            <a:avLst/>
+          </a:prstGeom>
+        </p:spPr>
+        <p:style>
+          <a:lnRef idx="2">
+            <a:schemeClr val="accent1">
+              <a:shade val="50000"/>
+            </a:schemeClr>
+          </a:lnRef>
+          <a:fillRef idx="1">
+            <a:schemeClr val="accent1"/>
+          </a:fillRef>
+          <a:effectRef idx="0">
+            <a:schemeClr val="accent1"/>
+          </a:effectRef>
+          <a:fontRef idx="minor">
+            <a:schemeClr val="lt1"/>
+          </a:fontRef>
+        </p:style>
+        <p:txBody>
+          <a:bodyPr rtlCol="0" anchor="ctr"/>
+          <a:lstStyle/>
+          <a:p>
+            <a:pPr algn="ctr"/>
+            <a:r>
+              <a:rPr lang="en-US" altLang="zh-CN" dirty="0"/>
+              <a:t>Alert Processor</a:t>
+            </a:r>
+            <a:endParaRPr lang="zh-CN" altLang="en-US" dirty="0"/>
+          </a:p>
+        </p:txBody>
+      </p:sp>
+      <p:sp>
+        <p:nvSpPr>
+          <p:cNvPr id="22" name="箭头: 右 21">
+            <a:extLst>
+              <a:ext uri="{FF2B5EF4-FFF2-40B4-BE49-F238E27FC236}">
+                <a16:creationId xmlns:a16="http://schemas.microsoft.com/office/drawing/2014/main" id="{1D2DE9E9-CF05-4E33-B5DE-8B46427E9E87}"/>
+              </a:ext>
+            </a:extLst>
+          </p:cNvPr>
+          <p:cNvSpPr/>
+          <p:nvPr/>
+        </p:nvSpPr>
+        <p:spPr>
+          <a:xfrm rot="5400000">
+            <a:off x="5417480" y="4528847"/>
+            <a:ext cx="683870" cy="470517"/>
+          </a:xfrm>
+          <a:prstGeom prst="rightArrow">
+            <a:avLst/>
+          </a:prstGeom>
+        </p:spPr>
+        <p:style>
+          <a:lnRef idx="2">
+            <a:schemeClr val="accent2">
+              <a:shade val="50000"/>
+            </a:schemeClr>
+          </a:lnRef>
+          <a:fillRef idx="1">
+            <a:schemeClr val="accent2"/>
+          </a:fillRef>
+          <a:effectRef idx="0">
+            <a:schemeClr val="accent2"/>
+          </a:effectRef>
+          <a:fontRef idx="minor">
+            <a:schemeClr val="lt1"/>
+          </a:fontRef>
+        </p:style>
+        <p:txBody>
+          <a:bodyPr rtlCol="0" anchor="ctr"/>
+          <a:lstStyle/>
+          <a:p>
+            <a:pPr algn="ctr"/>
+            <a:endParaRPr lang="zh-CN" altLang="en-US"/>
+          </a:p>
+        </p:txBody>
+      </p:sp>
+      <p:sp>
+        <p:nvSpPr>
+          <p:cNvPr id="20" name="箭头: 右 19">
+            <a:extLst>
+              <a:ext uri="{FF2B5EF4-FFF2-40B4-BE49-F238E27FC236}">
+                <a16:creationId xmlns:a16="http://schemas.microsoft.com/office/drawing/2014/main" id="{5A302AB3-5BA3-4159-8A66-6AD187FB9AAE}"/>
+              </a:ext>
+            </a:extLst>
+          </p:cNvPr>
+          <p:cNvSpPr/>
+          <p:nvPr/>
+        </p:nvSpPr>
+        <p:spPr>
+          <a:xfrm rot="5400000">
+            <a:off x="8739164" y="4546940"/>
+            <a:ext cx="731602" cy="470517"/>
+          </a:xfrm>
+          <a:prstGeom prst="rightArrow">
+            <a:avLst/>
+          </a:prstGeom>
+        </p:spPr>
+        <p:style>
+          <a:lnRef idx="2">
+            <a:schemeClr val="accent2">
+              <a:shade val="50000"/>
+            </a:schemeClr>
+          </a:lnRef>
+          <a:fillRef idx="1">
+            <a:schemeClr val="accent2"/>
+          </a:fillRef>
+          <a:effectRef idx="0">
+            <a:schemeClr val="accent2"/>
+          </a:effectRef>
+          <a:fontRef idx="minor">
+            <a:schemeClr val="lt1"/>
+          </a:fontRef>
+        </p:style>
+        <p:txBody>
+          <a:bodyPr rtlCol="0" anchor="ctr"/>
+          <a:lstStyle/>
+          <a:p>
+            <a:pPr algn="ctr"/>
+            <a:endParaRPr lang="zh-CN" altLang="en-US"/>
+          </a:p>
+        </p:txBody>
+      </p:sp>
+      <p:sp>
+        <p:nvSpPr>
+          <p:cNvPr id="25" name="箭头: 右 24">
+            <a:extLst>
+              <a:ext uri="{FF2B5EF4-FFF2-40B4-BE49-F238E27FC236}">
+                <a16:creationId xmlns:a16="http://schemas.microsoft.com/office/drawing/2014/main" id="{AD01DBE0-E687-4406-B502-987C9AC84181}"/>
+              </a:ext>
+            </a:extLst>
+          </p:cNvPr>
+          <p:cNvSpPr/>
+          <p:nvPr/>
+        </p:nvSpPr>
+        <p:spPr>
+          <a:xfrm rot="5400000">
+            <a:off x="6941431" y="5619429"/>
+            <a:ext cx="994138" cy="470517"/>
+          </a:xfrm>
+          <a:prstGeom prst="rightArrow">
+            <a:avLst/>
+          </a:prstGeom>
+        </p:spPr>
+        <p:style>
+          <a:lnRef idx="2">
+            <a:schemeClr val="accent2">
+              <a:shade val="50000"/>
+            </a:schemeClr>
+          </a:lnRef>
+          <a:fillRef idx="1">
+            <a:schemeClr val="accent2"/>
+          </a:fillRef>
+          <a:effectRef idx="0">
+            <a:schemeClr val="accent2"/>
+          </a:effectRef>
+          <a:fontRef idx="minor">
+            <a:schemeClr val="lt1"/>
+          </a:fontRef>
+        </p:style>
+        <p:txBody>
+          <a:bodyPr rtlCol="0" anchor="ctr"/>
+          <a:lstStyle/>
+          <a:p>
+            <a:pPr algn="ctr"/>
+            <a:endParaRPr lang="zh-CN" altLang="en-US"/>
+          </a:p>
+        </p:txBody>
+      </p:sp>
+      <p:cxnSp>
+        <p:nvCxnSpPr>
+          <p:cNvPr id="12" name="连接符: 肘形 11">
+            <a:extLst>
+              <a:ext uri="{FF2B5EF4-FFF2-40B4-BE49-F238E27FC236}">
+                <a16:creationId xmlns:a16="http://schemas.microsoft.com/office/drawing/2014/main" id="{CB754D49-0515-4104-9129-1C11D6FBBE9C}"/>
+              </a:ext>
+            </a:extLst>
+          </p:cNvPr>
+          <p:cNvCxnSpPr>
+            <a:stCxn id="21" idx="2"/>
+            <a:endCxn id="24" idx="1"/>
+          </p:cNvCxnSpPr>
+          <p:nvPr/>
+        </p:nvCxnSpPr>
+        <p:spPr>
+          <a:xfrm rot="16200000" flipH="1">
+            <a:off x="3181022" y="3276224"/>
+            <a:ext cx="1741052" cy="2166387"/>
+          </a:xfrm>
+          <a:prstGeom prst="bentConnector2">
+            <a:avLst/>
+          </a:prstGeom>
+          <a:ln>
+            <a:tailEnd type="triangle"/>
+          </a:ln>
+        </p:spPr>
+        <p:style>
+          <a:lnRef idx="1">
+            <a:schemeClr val="accent1"/>
+          </a:lnRef>
+          <a:fillRef idx="0">
+            <a:schemeClr val="accent1"/>
+          </a:fillRef>
+          <a:effectRef idx="0">
+            <a:schemeClr val="accent1"/>
+          </a:effectRef>
+          <a:fontRef idx="minor">
+            <a:schemeClr val="tx1"/>
+          </a:fontRef>
+        </p:style>
+      </p:cxnSp>
+      <p:sp>
+        <p:nvSpPr>
+          <p:cNvPr id="13" name="文本框 12">
+            <a:extLst>
+              <a:ext uri="{FF2B5EF4-FFF2-40B4-BE49-F238E27FC236}">
+                <a16:creationId xmlns:a16="http://schemas.microsoft.com/office/drawing/2014/main" id="{F4C2EDA2-DF74-47E0-96F7-D0F2BF73FC18}"/>
+              </a:ext>
+            </a:extLst>
+          </p:cNvPr>
+          <p:cNvSpPr txBox="1"/>
+          <p:nvPr/>
+        </p:nvSpPr>
+        <p:spPr>
+          <a:xfrm>
+            <a:off x="1194418" y="4517392"/>
+            <a:ext cx="3153427" cy="646331"/>
+          </a:xfrm>
+          <a:prstGeom prst="rect">
+            <a:avLst/>
+          </a:prstGeom>
+          <a:noFill/>
+        </p:spPr>
+        <p:txBody>
+          <a:bodyPr wrap="none" rtlCol="0">
+            <a:spAutoFit/>
+          </a:bodyPr>
+          <a:lstStyle/>
+          <a:p>
+            <a:r>
+              <a:rPr lang="zh-CN" altLang="en-US" b="1" dirty="0"/>
+              <a:t>获取</a:t>
+            </a:r>
+            <a:r>
+              <a:rPr lang="en-US" altLang="zh-CN" b="1" dirty="0"/>
+              <a:t>SFC</a:t>
+            </a:r>
+            <a:r>
+              <a:rPr lang="zh-CN" altLang="en-US" b="1" dirty="0"/>
+              <a:t>的设置</a:t>
+            </a:r>
+            <a:endParaRPr lang="en-US" altLang="zh-CN" b="1" dirty="0"/>
+          </a:p>
+          <a:p>
+            <a:pPr marL="285750" indent="-285750">
+              <a:buFont typeface="Arial" panose="020B0604020202020204" pitchFamily="34" charset="0"/>
+              <a:buChar char="•"/>
+            </a:pPr>
+            <a:r>
+              <a:rPr lang="zh-CN" altLang="en-US" b="1" dirty="0"/>
+              <a:t>有些</a:t>
+            </a:r>
+            <a:r>
+              <a:rPr lang="en-US" altLang="zh-CN" b="1" dirty="0"/>
+              <a:t>SFC</a:t>
+            </a:r>
+            <a:r>
+              <a:rPr lang="zh-CN" altLang="en-US" b="1" dirty="0"/>
+              <a:t>不参与自适应调节</a:t>
+            </a:r>
+          </a:p>
+        </p:txBody>
+      </p:sp>
+      <p:sp>
+        <p:nvSpPr>
+          <p:cNvPr id="14" name="文本框 13">
+            <a:extLst>
+              <a:ext uri="{FF2B5EF4-FFF2-40B4-BE49-F238E27FC236}">
+                <a16:creationId xmlns:a16="http://schemas.microsoft.com/office/drawing/2014/main" id="{22A376D6-61F6-4CF9-B465-7963BE2EAF1E}"/>
+              </a:ext>
+            </a:extLst>
+          </p:cNvPr>
+          <p:cNvSpPr txBox="1"/>
+          <p:nvPr/>
+        </p:nvSpPr>
+        <p:spPr>
+          <a:xfrm>
+            <a:off x="6682718" y="4608585"/>
+            <a:ext cx="1502334" cy="369332"/>
+          </a:xfrm>
+          <a:prstGeom prst="rect">
+            <a:avLst/>
+          </a:prstGeom>
+          <a:noFill/>
+        </p:spPr>
+        <p:txBody>
+          <a:bodyPr wrap="none" rtlCol="0">
+            <a:spAutoFit/>
+          </a:bodyPr>
+          <a:lstStyle/>
+          <a:p>
+            <a:r>
+              <a:rPr lang="en-US" altLang="zh-CN" b="1" dirty="0" err="1"/>
+              <a:t>alertQueue</a:t>
+            </a:r>
+            <a:r>
+              <a:rPr lang="en-US" altLang="zh-CN" b="1" dirty="0"/>
+              <a:t>()</a:t>
+            </a:r>
+            <a:endParaRPr lang="zh-CN" altLang="en-US" b="1" dirty="0"/>
+          </a:p>
+        </p:txBody>
+      </p:sp>
+      <p:sp>
+        <p:nvSpPr>
+          <p:cNvPr id="28" name="矩形 27">
+            <a:extLst>
+              <a:ext uri="{FF2B5EF4-FFF2-40B4-BE49-F238E27FC236}">
+                <a16:creationId xmlns:a16="http://schemas.microsoft.com/office/drawing/2014/main" id="{C87AF13B-579A-4474-9754-15631C9E5D81}"/>
+              </a:ext>
+            </a:extLst>
+          </p:cNvPr>
+          <p:cNvSpPr/>
+          <p:nvPr/>
+        </p:nvSpPr>
+        <p:spPr>
+          <a:xfrm>
+            <a:off x="6434583" y="2846824"/>
+            <a:ext cx="2007831" cy="535762"/>
+          </a:xfrm>
+          <a:prstGeom prst="rect">
+            <a:avLst/>
+          </a:prstGeom>
+        </p:spPr>
+        <p:style>
+          <a:lnRef idx="2">
+            <a:schemeClr val="accent1">
+              <a:shade val="50000"/>
+            </a:schemeClr>
+          </a:lnRef>
+          <a:fillRef idx="1">
+            <a:schemeClr val="accent1"/>
+          </a:fillRef>
+          <a:effectRef idx="0">
+            <a:schemeClr val="accent1"/>
+          </a:effectRef>
+          <a:fontRef idx="minor">
+            <a:schemeClr val="lt1"/>
+          </a:fontRef>
+        </p:style>
+        <p:txBody>
+          <a:bodyPr rtlCol="0" anchor="ctr"/>
+          <a:lstStyle/>
+          <a:p>
+            <a:pPr algn="ctr"/>
+            <a:r>
+              <a:rPr lang="en-US" altLang="zh-CN" dirty="0"/>
+              <a:t>Retriever</a:t>
+            </a:r>
+            <a:endParaRPr lang="zh-CN" altLang="en-US" dirty="0"/>
+          </a:p>
+        </p:txBody>
+      </p:sp>
+      <p:sp>
+        <p:nvSpPr>
+          <p:cNvPr id="29" name="箭头: 右 28">
+            <a:extLst>
+              <a:ext uri="{FF2B5EF4-FFF2-40B4-BE49-F238E27FC236}">
+                <a16:creationId xmlns:a16="http://schemas.microsoft.com/office/drawing/2014/main" id="{8D7E8B7B-2093-46DE-B8DA-4BE8DBFF8570}"/>
+              </a:ext>
+            </a:extLst>
+          </p:cNvPr>
+          <p:cNvSpPr/>
+          <p:nvPr/>
+        </p:nvSpPr>
+        <p:spPr>
+          <a:xfrm rot="5400000">
+            <a:off x="7101780" y="2487718"/>
+            <a:ext cx="673434" cy="470517"/>
+          </a:xfrm>
+          <a:prstGeom prst="rightArrow">
+            <a:avLst/>
+          </a:prstGeom>
+        </p:spPr>
+        <p:style>
+          <a:lnRef idx="2">
+            <a:schemeClr val="accent2">
+              <a:shade val="50000"/>
+            </a:schemeClr>
+          </a:lnRef>
+          <a:fillRef idx="1">
+            <a:schemeClr val="accent2"/>
+          </a:fillRef>
+          <a:effectRef idx="0">
+            <a:schemeClr val="accent2"/>
+          </a:effectRef>
+          <a:fontRef idx="minor">
+            <a:schemeClr val="lt1"/>
+          </a:fontRef>
+        </p:style>
+        <p:txBody>
+          <a:bodyPr rtlCol="0" anchor="ctr"/>
+          <a:lstStyle/>
+          <a:p>
+            <a:pPr algn="ctr"/>
+            <a:endParaRPr lang="zh-CN" altLang="en-US"/>
+          </a:p>
+        </p:txBody>
+      </p:sp>
+      <p:sp>
+        <p:nvSpPr>
+          <p:cNvPr id="9" name="箭头: 右 8">
+            <a:extLst>
+              <a:ext uri="{FF2B5EF4-FFF2-40B4-BE49-F238E27FC236}">
+                <a16:creationId xmlns:a16="http://schemas.microsoft.com/office/drawing/2014/main" id="{2F585151-A179-46E0-9CC1-346AE0024840}"/>
+              </a:ext>
+            </a:extLst>
+          </p:cNvPr>
+          <p:cNvSpPr/>
+          <p:nvPr/>
+        </p:nvSpPr>
+        <p:spPr>
+          <a:xfrm rot="7984879">
+            <a:off x="6235729" y="3444859"/>
+            <a:ext cx="673433" cy="470517"/>
+          </a:xfrm>
+          <a:prstGeom prst="rightArrow">
+            <a:avLst/>
+          </a:prstGeom>
+        </p:spPr>
+        <p:style>
+          <a:lnRef idx="2">
+            <a:schemeClr val="accent2">
+              <a:shade val="50000"/>
+            </a:schemeClr>
+          </a:lnRef>
+          <a:fillRef idx="1">
+            <a:schemeClr val="accent2"/>
+          </a:fillRef>
+          <a:effectRef idx="0">
+            <a:schemeClr val="accent2"/>
+          </a:effectRef>
+          <a:fontRef idx="minor">
+            <a:schemeClr val="lt1"/>
+          </a:fontRef>
+        </p:style>
+        <p:txBody>
+          <a:bodyPr rtlCol="0" anchor="ctr"/>
+          <a:lstStyle/>
+          <a:p>
+            <a:pPr algn="ctr"/>
+            <a:endParaRPr lang="zh-CN" altLang="en-US"/>
+          </a:p>
+        </p:txBody>
+      </p:sp>
+      <p:sp>
+        <p:nvSpPr>
+          <p:cNvPr id="18" name="箭头: 右 17">
+            <a:extLst>
+              <a:ext uri="{FF2B5EF4-FFF2-40B4-BE49-F238E27FC236}">
+                <a16:creationId xmlns:a16="http://schemas.microsoft.com/office/drawing/2014/main" id="{68D9F58D-2BD7-4D16-A8DE-B5BE44BC429C}"/>
+              </a:ext>
+            </a:extLst>
+          </p:cNvPr>
+          <p:cNvSpPr/>
+          <p:nvPr/>
+        </p:nvSpPr>
+        <p:spPr>
+          <a:xfrm rot="2477406">
+            <a:off x="7911239" y="3374291"/>
+            <a:ext cx="673433" cy="470517"/>
+          </a:xfrm>
+          <a:prstGeom prst="rightArrow">
+            <a:avLst/>
+          </a:prstGeom>
+        </p:spPr>
+        <p:style>
+          <a:lnRef idx="2">
+            <a:schemeClr val="accent2">
+              <a:shade val="50000"/>
+            </a:schemeClr>
+          </a:lnRef>
+          <a:fillRef idx="1">
+            <a:schemeClr val="accent2"/>
+          </a:fillRef>
+          <a:effectRef idx="0">
+            <a:schemeClr val="accent2"/>
+          </a:effectRef>
+          <a:fontRef idx="minor">
+            <a:schemeClr val="lt1"/>
+          </a:fontRef>
+        </p:style>
+        <p:txBody>
+          <a:bodyPr rtlCol="0" anchor="ctr"/>
+          <a:lstStyle/>
+          <a:p>
+            <a:pPr algn="ctr"/>
+            <a:endParaRPr lang="zh-CN" altLang="en-US"/>
+          </a:p>
+        </p:txBody>
+      </p:sp>
+    </p:spTree>
+    <p:extLst>
+      <p:ext uri="{BB962C8B-B14F-4D97-AF65-F5344CB8AC3E}">
+        <p14:creationId xmlns:p14="http://schemas.microsoft.com/office/powerpoint/2010/main" val="3880209501"/>
+      </p:ext>
+    </p:extLst>
+  </p:cSld>
+  <p:clrMapOvr>
+    <a:masterClrMapping/>
+  </p:clrMapOvr>
+</p:sld>
+</file>
+
+<file path=ppt/slides/slide5.xml><?xml version="1.0" encoding="utf-8"?>
+<p:sld xmlns:a="http://schemas.openxmlformats.org/drawingml/2006/main" xmlns:r="http://schemas.openxmlformats.org/officeDocument/2006/relationships" xmlns:p="http://schemas.openxmlformats.org/presentationml/2006/main">
+  <p:cSld>
+    <p:spTree>
+      <p:nvGrpSpPr>
+        <p:cNvPr id="1" name=""/>
+        <p:cNvGrpSpPr/>
+        <p:nvPr/>
+      </p:nvGrpSpPr>
+      <p:grpSpPr>
+        <a:xfrm>
+          <a:off x="0" y="0"/>
+          <a:ext cx="0" cy="0"/>
+          <a:chOff x="0" y="0"/>
+          <a:chExt cx="0" cy="0"/>
+        </a:xfrm>
+      </p:grpSpPr>
+      <p:sp>
+        <p:nvSpPr>
+          <p:cNvPr id="2" name="标题 1">
+            <a:extLst>
+              <a:ext uri="{FF2B5EF4-FFF2-40B4-BE49-F238E27FC236}">
                 <a16:creationId xmlns:a16="http://schemas.microsoft.com/office/drawing/2014/main" id="{81E92E78-51F9-428B-B8A5-C6258E7DE9A7}"/>
               </a:ext>
             </a:extLst>
@@ -4207,10 +5000,60 @@
           <a:lstStyle/>
           <a:p>
             <a:r>
-              <a:rPr lang="zh-CN" altLang="en-US"/>
-              <a:t>用户可以选择弹性扩容模式</a:t>
-            </a:r>
-            <a:endParaRPr lang="zh-CN" altLang="en-US" dirty="0"/>
+              <a:rPr lang="zh-CN" altLang="en-US" dirty="0"/>
+              <a:t>用户可以选择弹性扩容模式和故障恢复模式</a:t>
+            </a:r>
+            <a:endParaRPr lang="en-US" altLang="zh-CN" dirty="0"/>
+          </a:p>
+          <a:p>
+            <a:pPr lvl="1"/>
+            <a:r>
+              <a:rPr lang="en-US" altLang="zh-CN" dirty="0"/>
+              <a:t>Manual</a:t>
+            </a:r>
+            <a:r>
+              <a:rPr lang="zh-CN" altLang="en-US" dirty="0"/>
+              <a:t>，此时</a:t>
+            </a:r>
+            <a:r>
+              <a:rPr lang="en-US" altLang="zh-CN" dirty="0"/>
+              <a:t>Adaptive</a:t>
+            </a:r>
+            <a:r>
+              <a:rPr lang="zh-CN" altLang="en-US" dirty="0"/>
+              <a:t>忽略这个</a:t>
+            </a:r>
+            <a:r>
+              <a:rPr lang="en-US" altLang="zh-CN" dirty="0"/>
+              <a:t>SFC</a:t>
+            </a:r>
+          </a:p>
+          <a:p>
+            <a:pPr lvl="1"/>
+            <a:r>
+              <a:rPr lang="en-US" altLang="zh-CN" dirty="0"/>
+              <a:t>Auto</a:t>
+            </a:r>
+            <a:r>
+              <a:rPr lang="zh-CN" altLang="en-US" dirty="0"/>
+              <a:t>，</a:t>
+            </a:r>
+            <a:r>
+              <a:rPr lang="en-US" altLang="zh-CN" dirty="0"/>
+              <a:t>Adaptive</a:t>
+            </a:r>
+            <a:r>
+              <a:rPr lang="zh-CN" altLang="en-US" dirty="0"/>
+              <a:t>对这类</a:t>
+            </a:r>
+            <a:r>
+              <a:rPr lang="en-US" altLang="zh-CN" dirty="0"/>
+              <a:t>SFC</a:t>
+            </a:r>
+            <a:r>
+              <a:rPr lang="zh-CN" altLang="en-US" dirty="0"/>
+              <a:t>实行自动弹性扩缩容和自动故障恢复</a:t>
+            </a:r>
           </a:p>
         </p:txBody>
       </p:sp>
@@ -4218,6 +5061,419 @@
     <p:extLst>
       <p:ext uri="{BB962C8B-B14F-4D97-AF65-F5344CB8AC3E}">
         <p14:creationId xmlns:p14="http://schemas.microsoft.com/office/powerpoint/2010/main" val="3065987614"/>
+      </p:ext>
+    </p:extLst>
+  </p:cSld>
+  <p:clrMapOvr>
+    <a:masterClrMapping/>
+  </p:clrMapOvr>
+</p:sld>
+</file>
+
+<file path=ppt/slides/slide6.xml><?xml version="1.0" encoding="utf-8"?>
+<p:sld xmlns:a="http://schemas.openxmlformats.org/drawingml/2006/main" xmlns:r="http://schemas.openxmlformats.org/officeDocument/2006/relationships" xmlns:p="http://schemas.openxmlformats.org/presentationml/2006/main">
+  <p:cSld>
+    <p:spTree>
+      <p:nvGrpSpPr>
+        <p:cNvPr id="1" name=""/>
+        <p:cNvGrpSpPr/>
+        <p:nvPr/>
+      </p:nvGrpSpPr>
+      <p:grpSpPr>
+        <a:xfrm>
+          <a:off x="0" y="0"/>
+          <a:ext cx="0" cy="0"/>
+          <a:chOff x="0" y="0"/>
+          <a:chExt cx="0" cy="0"/>
+        </a:xfrm>
+      </p:grpSpPr>
+      <p:sp>
+        <p:nvSpPr>
+          <p:cNvPr id="2" name="标题 1">
+            <a:extLst>
+              <a:ext uri="{FF2B5EF4-FFF2-40B4-BE49-F238E27FC236}">
+                <a16:creationId xmlns:a16="http://schemas.microsoft.com/office/drawing/2014/main" id="{051A1879-E7DF-4A9A-A2C6-06E0A7D2EB38}"/>
+              </a:ext>
+            </a:extLst>
+          </p:cNvPr>
+          <p:cNvSpPr>
+            <a:spLocks noGrp="1"/>
+          </p:cNvSpPr>
+          <p:nvPr>
+            <p:ph type="title"/>
+          </p:nvPr>
+        </p:nvSpPr>
+        <p:spPr/>
+        <p:txBody>
+          <a:bodyPr/>
+          <a:lstStyle/>
+          <a:p>
+            <a:r>
+              <a:rPr lang="zh-CN" altLang="en-US" dirty="0"/>
+              <a:t>代码细节</a:t>
+            </a:r>
+          </a:p>
+        </p:txBody>
+      </p:sp>
+      <p:sp>
+        <p:nvSpPr>
+          <p:cNvPr id="3" name="内容占位符 2">
+            <a:extLst>
+              <a:ext uri="{FF2B5EF4-FFF2-40B4-BE49-F238E27FC236}">
+                <a16:creationId xmlns:a16="http://schemas.microsoft.com/office/drawing/2014/main" id="{B483854A-B5F8-4AF4-ACC6-33206905ABC4}"/>
+              </a:ext>
+            </a:extLst>
+          </p:cNvPr>
+          <p:cNvSpPr>
+            <a:spLocks noGrp="1"/>
+          </p:cNvSpPr>
+          <p:nvPr>
+            <p:ph idx="1"/>
+          </p:nvPr>
+        </p:nvSpPr>
+        <p:spPr/>
+        <p:txBody>
+          <a:bodyPr/>
+          <a:lstStyle/>
+          <a:p>
+            <a:r>
+              <a:rPr lang="en-US" altLang="zh-CN" dirty="0"/>
+              <a:t>If </a:t>
+            </a:r>
+            <a:r>
+              <a:rPr lang="en-US" altLang="zh-CN" dirty="0" err="1"/>
+              <a:t>canProtect</a:t>
+            </a:r>
+            <a:r>
+              <a:rPr lang="en-US" altLang="zh-CN" dirty="0"/>
+              <a:t>()</a:t>
+            </a:r>
+          </a:p>
+          <a:p>
+            <a:pPr lvl="1"/>
+            <a:r>
+              <a:rPr lang="en-US" altLang="zh-CN" dirty="0"/>
+              <a:t>Do </a:t>
+            </a:r>
+            <a:r>
+              <a:rPr lang="en-US" altLang="zh-CN" dirty="0" err="1"/>
+              <a:t>sth</a:t>
+            </a:r>
+            <a:r>
+              <a:rPr lang="en-US" altLang="zh-CN" dirty="0"/>
+              <a:t>.</a:t>
+            </a:r>
+          </a:p>
+          <a:p>
+            <a:pPr lvl="1"/>
+            <a:r>
+              <a:rPr lang="en-US" altLang="zh-CN" dirty="0"/>
+              <a:t>Set </a:t>
+            </a:r>
+            <a:r>
+              <a:rPr lang="en-US" altLang="zh-CN" dirty="0" err="1"/>
+              <a:t>sfci</a:t>
+            </a:r>
+            <a:r>
+              <a:rPr lang="en-US" altLang="zh-CN" dirty="0"/>
+              <a:t> state to STATE_PROTECTION_MODE</a:t>
+            </a:r>
+          </a:p>
+          <a:p>
+            <a:r>
+              <a:rPr lang="en-US" altLang="zh-CN" dirty="0" err="1"/>
+              <a:t>ElIf</a:t>
+            </a:r>
+            <a:r>
+              <a:rPr lang="en-US" altLang="zh-CN" dirty="0"/>
+              <a:t> </a:t>
+            </a:r>
+            <a:r>
+              <a:rPr lang="en-US" altLang="zh-CN" dirty="0" err="1"/>
+              <a:t>canRecovery</a:t>
+            </a:r>
+            <a:r>
+              <a:rPr lang="en-US" altLang="zh-CN" dirty="0"/>
+              <a:t>()</a:t>
+            </a:r>
+          </a:p>
+          <a:p>
+            <a:pPr lvl="1"/>
+            <a:r>
+              <a:rPr lang="en-US" altLang="zh-CN" dirty="0"/>
+              <a:t>Do </a:t>
+            </a:r>
+            <a:r>
+              <a:rPr lang="en-US" altLang="zh-CN" dirty="0" err="1"/>
+              <a:t>sth</a:t>
+            </a:r>
+            <a:r>
+              <a:rPr lang="en-US" altLang="zh-CN" dirty="0"/>
+              <a:t>.</a:t>
+            </a:r>
+          </a:p>
+          <a:p>
+            <a:pPr marL="457200" lvl="1" indent="0">
+              <a:buNone/>
+            </a:pPr>
+            <a:endParaRPr lang="en-US" altLang="zh-CN" dirty="0"/>
+          </a:p>
+          <a:p>
+            <a:r>
+              <a:rPr lang="en-US" altLang="zh-CN" dirty="0"/>
+              <a:t>Def </a:t>
+            </a:r>
+            <a:r>
+              <a:rPr lang="en-US" altLang="zh-CN" dirty="0" err="1"/>
+              <a:t>canProtect</a:t>
+            </a:r>
+            <a:r>
+              <a:rPr lang="en-US" altLang="zh-CN" dirty="0"/>
+              <a:t>()</a:t>
+            </a:r>
+          </a:p>
+          <a:p>
+            <a:pPr lvl="1"/>
+            <a:r>
+              <a:rPr lang="en-US" altLang="zh-CN" dirty="0"/>
+              <a:t>If </a:t>
+            </a:r>
+            <a:r>
+              <a:rPr lang="en-US" altLang="zh-CN" dirty="0" err="1"/>
+              <a:t>sfci</a:t>
+            </a:r>
+            <a:r>
+              <a:rPr lang="en-US" altLang="zh-CN" dirty="0"/>
+              <a:t> state is STATE_PROTECTION_MODE, can’t be protected again!</a:t>
+            </a:r>
+          </a:p>
+          <a:p>
+            <a:pPr lvl="2"/>
+            <a:r>
+              <a:rPr lang="en-US" altLang="zh-CN" dirty="0"/>
+              <a:t>Return false</a:t>
+            </a:r>
+          </a:p>
+        </p:txBody>
+      </p:sp>
+    </p:spTree>
+    <p:extLst>
+      <p:ext uri="{BB962C8B-B14F-4D97-AF65-F5344CB8AC3E}">
+        <p14:creationId xmlns:p14="http://schemas.microsoft.com/office/powerpoint/2010/main" val="745915393"/>
+      </p:ext>
+    </p:extLst>
+  </p:cSld>
+  <p:clrMapOvr>
+    <a:masterClrMapping/>
+  </p:clrMapOvr>
+</p:sld>
+</file>
+
+<file path=ppt/slides/slide7.xml><?xml version="1.0" encoding="utf-8"?>
+<p:sld xmlns:a="http://schemas.openxmlformats.org/drawingml/2006/main" xmlns:r="http://schemas.openxmlformats.org/officeDocument/2006/relationships" xmlns:p="http://schemas.openxmlformats.org/presentationml/2006/main">
+  <p:cSld>
+    <p:spTree>
+      <p:nvGrpSpPr>
+        <p:cNvPr id="1" name=""/>
+        <p:cNvGrpSpPr/>
+        <p:nvPr/>
+      </p:nvGrpSpPr>
+      <p:grpSpPr>
+        <a:xfrm>
+          <a:off x="0" y="0"/>
+          <a:ext cx="0" cy="0"/>
+          <a:chOff x="0" y="0"/>
+          <a:chExt cx="0" cy="0"/>
+        </a:xfrm>
+      </p:grpSpPr>
+      <p:sp>
+        <p:nvSpPr>
+          <p:cNvPr id="2" name="标题 1">
+            <a:extLst>
+              <a:ext uri="{FF2B5EF4-FFF2-40B4-BE49-F238E27FC236}">
+                <a16:creationId xmlns:a16="http://schemas.microsoft.com/office/drawing/2014/main" id="{92EF8300-7E94-432A-953A-885C15A01046}"/>
+              </a:ext>
+            </a:extLst>
+          </p:cNvPr>
+          <p:cNvSpPr>
+            <a:spLocks noGrp="1"/>
+          </p:cNvSpPr>
+          <p:nvPr>
+            <p:ph type="title"/>
+          </p:nvPr>
+        </p:nvSpPr>
+        <p:spPr/>
+        <p:txBody>
+          <a:bodyPr/>
+          <a:lstStyle/>
+          <a:p>
+            <a:r>
+              <a:rPr lang="zh-CN" altLang="en-US" dirty="0"/>
+              <a:t>代码细节</a:t>
+            </a:r>
+          </a:p>
+        </p:txBody>
+      </p:sp>
+      <p:sp>
+        <p:nvSpPr>
+          <p:cNvPr id="3" name="内容占位符 2">
+            <a:extLst>
+              <a:ext uri="{FF2B5EF4-FFF2-40B4-BE49-F238E27FC236}">
+                <a16:creationId xmlns:a16="http://schemas.microsoft.com/office/drawing/2014/main" id="{47F2C312-8292-4332-AE22-A7AA76CB1E36}"/>
+              </a:ext>
+            </a:extLst>
+          </p:cNvPr>
+          <p:cNvSpPr>
+            <a:spLocks noGrp="1"/>
+          </p:cNvSpPr>
+          <p:nvPr>
+            <p:ph idx="1"/>
+          </p:nvPr>
+        </p:nvSpPr>
+        <p:spPr/>
+        <p:txBody>
+          <a:bodyPr/>
+          <a:lstStyle/>
+          <a:p>
+            <a:r>
+              <a:rPr lang="en-US" altLang="zh-CN" dirty="0"/>
+              <a:t>Flow</a:t>
+            </a:r>
+            <a:r>
+              <a:rPr lang="zh-CN" altLang="en-US" dirty="0"/>
+              <a:t>和</a:t>
+            </a:r>
+            <a:r>
+              <a:rPr lang="en-US" altLang="zh-CN" dirty="0"/>
+              <a:t>SFCI</a:t>
+            </a:r>
+            <a:r>
+              <a:rPr lang="zh-CN" altLang="en-US" dirty="0"/>
+              <a:t>的映射器类</a:t>
+            </a:r>
+            <a:endParaRPr lang="en-US" altLang="zh-CN" dirty="0"/>
+          </a:p>
+          <a:p>
+            <a:r>
+              <a:rPr lang="en-US" altLang="zh-CN" dirty="0"/>
+              <a:t>Class </a:t>
+            </a:r>
+            <a:r>
+              <a:rPr lang="en-US" altLang="zh-CN" dirty="0" err="1"/>
+              <a:t>FlowSFCIMapper</a:t>
+            </a:r>
+            <a:r>
+              <a:rPr lang="en-US" altLang="zh-CN" dirty="0"/>
+              <a:t>(object)</a:t>
+            </a:r>
+          </a:p>
+          <a:p>
+            <a:pPr lvl="1"/>
+            <a:r>
+              <a:rPr lang="en-US" altLang="zh-CN" dirty="0"/>
+              <a:t>def </a:t>
+            </a:r>
+            <a:r>
+              <a:rPr lang="en-US" altLang="zh-CN" dirty="0" err="1"/>
+              <a:t>getSFCIByFlow</a:t>
+            </a:r>
+            <a:r>
+              <a:rPr lang="en-US" altLang="zh-CN" dirty="0"/>
+              <a:t>(self, </a:t>
+            </a:r>
+            <a:r>
+              <a:rPr lang="en-US" altLang="zh-CN" dirty="0" err="1"/>
+              <a:t>flowIdentifier</a:t>
+            </a:r>
+            <a:r>
+              <a:rPr lang="en-US" altLang="zh-CN" dirty="0"/>
+              <a:t>)</a:t>
+            </a:r>
+          </a:p>
+          <a:p>
+            <a:pPr lvl="2"/>
+            <a:r>
+              <a:rPr lang="en-US" altLang="zh-CN" dirty="0"/>
+              <a:t>#</a:t>
+            </a:r>
+            <a:r>
+              <a:rPr lang="zh-CN" altLang="en-US" dirty="0"/>
+              <a:t>根据</a:t>
+            </a:r>
+            <a:r>
+              <a:rPr lang="en-US" altLang="zh-CN" dirty="0"/>
+              <a:t>flow</a:t>
+            </a:r>
+            <a:r>
+              <a:rPr lang="zh-CN" altLang="en-US" dirty="0"/>
+              <a:t>的标识符，查找其对应的</a:t>
+            </a:r>
+            <a:r>
+              <a:rPr lang="en-US" altLang="zh-CN" dirty="0"/>
+              <a:t>SFCI</a:t>
+            </a:r>
+          </a:p>
+          <a:p>
+            <a:pPr lvl="1"/>
+            <a:r>
+              <a:rPr lang="en-US" altLang="zh-CN" dirty="0"/>
+              <a:t>def </a:t>
+            </a:r>
+            <a:r>
+              <a:rPr lang="en-US" altLang="zh-CN" dirty="0" err="1"/>
+              <a:t>getFlowBySFCI</a:t>
+            </a:r>
+            <a:r>
+              <a:rPr lang="en-US" altLang="zh-CN" dirty="0"/>
+              <a:t>(self, </a:t>
+            </a:r>
+            <a:r>
+              <a:rPr lang="en-US" altLang="zh-CN" dirty="0" err="1"/>
+              <a:t>sfciID</a:t>
+            </a:r>
+            <a:r>
+              <a:rPr lang="en-US" altLang="zh-CN" dirty="0"/>
+              <a:t>)</a:t>
+            </a:r>
+          </a:p>
+          <a:p>
+            <a:pPr lvl="2"/>
+            <a:r>
+              <a:rPr lang="en-US" altLang="zh-CN" dirty="0"/>
+              <a:t># </a:t>
+            </a:r>
+            <a:r>
+              <a:rPr lang="zh-CN" altLang="en-US" dirty="0"/>
+              <a:t>根据</a:t>
+            </a:r>
+            <a:r>
+              <a:rPr lang="en-US" altLang="zh-CN" dirty="0" err="1"/>
+              <a:t>sfciID</a:t>
+            </a:r>
+            <a:r>
+              <a:rPr lang="zh-CN" altLang="en-US" dirty="0"/>
+              <a:t>，查找该</a:t>
+            </a:r>
+            <a:r>
+              <a:rPr lang="en-US" altLang="zh-CN" dirty="0" err="1"/>
+              <a:t>sfci</a:t>
+            </a:r>
+            <a:r>
+              <a:rPr lang="zh-CN" altLang="en-US" dirty="0"/>
+              <a:t>的所有</a:t>
+            </a:r>
+            <a:r>
+              <a:rPr lang="en-US" altLang="zh-CN" dirty="0"/>
+              <a:t>flow identifier</a:t>
+            </a:r>
+            <a:endParaRPr lang="zh-CN" altLang="en-US" dirty="0"/>
+          </a:p>
+        </p:txBody>
+      </p:sp>
+    </p:spTree>
+    <p:extLst>
+      <p:ext uri="{BB962C8B-B14F-4D97-AF65-F5344CB8AC3E}">
+        <p14:creationId xmlns:p14="http://schemas.microsoft.com/office/powerpoint/2010/main" val="1351535658"/>
       </p:ext>
     </p:extLst>
   </p:cSld>

--- a/doc/SoftwareDesign/AdaptiveSystem/AdaptiveSystemDesign.pptx
+++ b/doc/SoftwareDesign/AdaptiveSystem/AdaptiveSystemDesign.pptx
@@ -4,6 +4,9 @@
   <p:sldMasterIdLst>
     <p:sldMasterId id="2147483648" r:id="rId1"/>
   </p:sldMasterIdLst>
+  <p:notesMasterIdLst>
+    <p:notesMasterId r:id="rId11"/>
+  </p:notesMasterIdLst>
   <p:sldIdLst>
     <p:sldId id="256" r:id="rId2"/>
     <p:sldId id="259" r:id="rId3"/>
@@ -12,6 +15,8 @@
     <p:sldId id="258" r:id="rId6"/>
     <p:sldId id="261" r:id="rId7"/>
     <p:sldId id="262" r:id="rId8"/>
+    <p:sldId id="263" r:id="rId9"/>
+    <p:sldId id="264" r:id="rId10"/>
   </p:sldIdLst>
   <p:sldSz cx="12192000" cy="6858000"/>
   <p:notesSz cx="6858000" cy="9144000"/>
@@ -118,6 +123,651 @@
 </p:presentation>
 </file>
 
+<file path=ppt/notesMasters/notesMaster1.xml><?xml version="1.0" encoding="utf-8"?>
+<p:notesMaster xmlns:a="http://schemas.openxmlformats.org/drawingml/2006/main" xmlns:r="http://schemas.openxmlformats.org/officeDocument/2006/relationships" xmlns:p="http://schemas.openxmlformats.org/presentationml/2006/main">
+  <p:cSld>
+    <p:bg>
+      <p:bgRef idx="1001">
+        <a:schemeClr val="bg1"/>
+      </p:bgRef>
+    </p:bg>
+    <p:spTree>
+      <p:nvGrpSpPr>
+        <p:cNvPr id="1" name=""/>
+        <p:cNvGrpSpPr/>
+        <p:nvPr/>
+      </p:nvGrpSpPr>
+      <p:grpSpPr>
+        <a:xfrm>
+          <a:off x="0" y="0"/>
+          <a:ext cx="0" cy="0"/>
+          <a:chOff x="0" y="0"/>
+          <a:chExt cx="0" cy="0"/>
+        </a:xfrm>
+      </p:grpSpPr>
+      <p:sp>
+        <p:nvSpPr>
+          <p:cNvPr id="2" name="页眉占位符 1"/>
+          <p:cNvSpPr>
+            <a:spLocks noGrp="1"/>
+          </p:cNvSpPr>
+          <p:nvPr>
+            <p:ph type="hdr" sz="quarter"/>
+          </p:nvPr>
+        </p:nvSpPr>
+        <p:spPr>
+          <a:xfrm>
+            <a:off x="0" y="0"/>
+            <a:ext cx="2971800" cy="458788"/>
+          </a:xfrm>
+          <a:prstGeom prst="rect">
+            <a:avLst/>
+          </a:prstGeom>
+        </p:spPr>
+        <p:txBody>
+          <a:bodyPr vert="horz" lIns="91440" tIns="45720" rIns="91440" bIns="45720" rtlCol="0"/>
+          <a:lstStyle>
+            <a:lvl1pPr algn="l">
+              <a:defRPr sz="1200"/>
+            </a:lvl1pPr>
+          </a:lstStyle>
+          <a:p>
+            <a:endParaRPr lang="zh-CN" altLang="en-US"/>
+          </a:p>
+        </p:txBody>
+      </p:sp>
+      <p:sp>
+        <p:nvSpPr>
+          <p:cNvPr id="3" name="日期占位符 2"/>
+          <p:cNvSpPr>
+            <a:spLocks noGrp="1"/>
+          </p:cNvSpPr>
+          <p:nvPr>
+            <p:ph type="dt" idx="1"/>
+          </p:nvPr>
+        </p:nvSpPr>
+        <p:spPr>
+          <a:xfrm>
+            <a:off x="3884613" y="0"/>
+            <a:ext cx="2971800" cy="458788"/>
+          </a:xfrm>
+          <a:prstGeom prst="rect">
+            <a:avLst/>
+          </a:prstGeom>
+        </p:spPr>
+        <p:txBody>
+          <a:bodyPr vert="horz" lIns="91440" tIns="45720" rIns="91440" bIns="45720" rtlCol="0"/>
+          <a:lstStyle>
+            <a:lvl1pPr algn="r">
+              <a:defRPr sz="1200"/>
+            </a:lvl1pPr>
+          </a:lstStyle>
+          <a:p>
+            <a:fld id="{4C69094F-B5B7-4691-98D6-7D8A9FCAA6E5}" type="datetimeFigureOut">
+              <a:rPr lang="zh-CN" altLang="en-US" smtClean="0"/>
+              <a:t>2022/07/26</a:t>
+            </a:fld>
+            <a:endParaRPr lang="zh-CN" altLang="en-US"/>
+          </a:p>
+        </p:txBody>
+      </p:sp>
+      <p:sp>
+        <p:nvSpPr>
+          <p:cNvPr id="4" name="幻灯片图像占位符 3"/>
+          <p:cNvSpPr>
+            <a:spLocks noGrp="1" noRot="1" noChangeAspect="1"/>
+          </p:cNvSpPr>
+          <p:nvPr>
+            <p:ph type="sldImg" idx="2"/>
+          </p:nvPr>
+        </p:nvSpPr>
+        <p:spPr>
+          <a:xfrm>
+            <a:off x="685800" y="1143000"/>
+            <a:ext cx="5486400" cy="3086100"/>
+          </a:xfrm>
+          <a:prstGeom prst="rect">
+            <a:avLst/>
+          </a:prstGeom>
+          <a:noFill/>
+          <a:ln w="12700">
+            <a:solidFill>
+              <a:prstClr val="black"/>
+            </a:solidFill>
+          </a:ln>
+        </p:spPr>
+        <p:txBody>
+          <a:bodyPr vert="horz" lIns="91440" tIns="45720" rIns="91440" bIns="45720" rtlCol="0" anchor="ctr"/>
+          <a:lstStyle/>
+          <a:p>
+            <a:endParaRPr lang="zh-CN" altLang="en-US"/>
+          </a:p>
+        </p:txBody>
+      </p:sp>
+      <p:sp>
+        <p:nvSpPr>
+          <p:cNvPr id="5" name="备注占位符 4"/>
+          <p:cNvSpPr>
+            <a:spLocks noGrp="1"/>
+          </p:cNvSpPr>
+          <p:nvPr>
+            <p:ph type="body" sz="quarter" idx="3"/>
+          </p:nvPr>
+        </p:nvSpPr>
+        <p:spPr>
+          <a:xfrm>
+            <a:off x="685800" y="4400550"/>
+            <a:ext cx="5486400" cy="3600450"/>
+          </a:xfrm>
+          <a:prstGeom prst="rect">
+            <a:avLst/>
+          </a:prstGeom>
+        </p:spPr>
+        <p:txBody>
+          <a:bodyPr vert="horz" lIns="91440" tIns="45720" rIns="91440" bIns="45720" rtlCol="0"/>
+          <a:lstStyle/>
+          <a:p>
+            <a:pPr lvl="0"/>
+            <a:r>
+              <a:rPr lang="zh-CN" altLang="en-US"/>
+              <a:t>单击此处编辑母版文本样式</a:t>
+            </a:r>
+          </a:p>
+          <a:p>
+            <a:pPr lvl="1"/>
+            <a:r>
+              <a:rPr lang="zh-CN" altLang="en-US"/>
+              <a:t>二级</a:t>
+            </a:r>
+          </a:p>
+          <a:p>
+            <a:pPr lvl="2"/>
+            <a:r>
+              <a:rPr lang="zh-CN" altLang="en-US"/>
+              <a:t>三级</a:t>
+            </a:r>
+          </a:p>
+          <a:p>
+            <a:pPr lvl="3"/>
+            <a:r>
+              <a:rPr lang="zh-CN" altLang="en-US"/>
+              <a:t>四级</a:t>
+            </a:r>
+          </a:p>
+          <a:p>
+            <a:pPr lvl="4"/>
+            <a:r>
+              <a:rPr lang="zh-CN" altLang="en-US"/>
+              <a:t>五级</a:t>
+            </a:r>
+          </a:p>
+        </p:txBody>
+      </p:sp>
+      <p:sp>
+        <p:nvSpPr>
+          <p:cNvPr id="6" name="页脚占位符 5"/>
+          <p:cNvSpPr>
+            <a:spLocks noGrp="1"/>
+          </p:cNvSpPr>
+          <p:nvPr>
+            <p:ph type="ftr" sz="quarter" idx="4"/>
+          </p:nvPr>
+        </p:nvSpPr>
+        <p:spPr>
+          <a:xfrm>
+            <a:off x="0" y="8685213"/>
+            <a:ext cx="2971800" cy="458787"/>
+          </a:xfrm>
+          <a:prstGeom prst="rect">
+            <a:avLst/>
+          </a:prstGeom>
+        </p:spPr>
+        <p:txBody>
+          <a:bodyPr vert="horz" lIns="91440" tIns="45720" rIns="91440" bIns="45720" rtlCol="0" anchor="b"/>
+          <a:lstStyle>
+            <a:lvl1pPr algn="l">
+              <a:defRPr sz="1200"/>
+            </a:lvl1pPr>
+          </a:lstStyle>
+          <a:p>
+            <a:endParaRPr lang="zh-CN" altLang="en-US"/>
+          </a:p>
+        </p:txBody>
+      </p:sp>
+      <p:sp>
+        <p:nvSpPr>
+          <p:cNvPr id="7" name="灯片编号占位符 6"/>
+          <p:cNvSpPr>
+            <a:spLocks noGrp="1"/>
+          </p:cNvSpPr>
+          <p:nvPr>
+            <p:ph type="sldNum" sz="quarter" idx="5"/>
+          </p:nvPr>
+        </p:nvSpPr>
+        <p:spPr>
+          <a:xfrm>
+            <a:off x="3884613" y="8685213"/>
+            <a:ext cx="2971800" cy="458787"/>
+          </a:xfrm>
+          <a:prstGeom prst="rect">
+            <a:avLst/>
+          </a:prstGeom>
+        </p:spPr>
+        <p:txBody>
+          <a:bodyPr vert="horz" lIns="91440" tIns="45720" rIns="91440" bIns="45720" rtlCol="0" anchor="b"/>
+          <a:lstStyle>
+            <a:lvl1pPr algn="r">
+              <a:defRPr sz="1200"/>
+            </a:lvl1pPr>
+          </a:lstStyle>
+          <a:p>
+            <a:fld id="{210A87E9-3A2A-415F-8571-2EC35604D2C7}" type="slidenum">
+              <a:rPr lang="zh-CN" altLang="en-US" smtClean="0"/>
+              <a:t>‹#›</a:t>
+            </a:fld>
+            <a:endParaRPr lang="zh-CN" altLang="en-US"/>
+          </a:p>
+        </p:txBody>
+      </p:sp>
+    </p:spTree>
+    <p:extLst>
+      <p:ext uri="{BB962C8B-B14F-4D97-AF65-F5344CB8AC3E}">
+        <p14:creationId xmlns:p14="http://schemas.microsoft.com/office/powerpoint/2010/main" val="905849090"/>
+      </p:ext>
+    </p:extLst>
+  </p:cSld>
+  <p:clrMap bg1="lt1" tx1="dk1" bg2="lt2" tx2="dk2" accent1="accent1" accent2="accent2" accent3="accent3" accent4="accent4" accent5="accent5" accent6="accent6" hlink="hlink" folHlink="folHlink"/>
+  <p:notesStyle>
+    <a:lvl1pPr marL="0" algn="l" defTabSz="914400" rtl="0" eaLnBrk="1" latinLnBrk="0" hangingPunct="1">
+      <a:defRPr sz="1200" kern="1200">
+        <a:solidFill>
+          <a:schemeClr val="tx1"/>
+        </a:solidFill>
+        <a:latin typeface="+mn-lt"/>
+        <a:ea typeface="+mn-ea"/>
+        <a:cs typeface="+mn-cs"/>
+      </a:defRPr>
+    </a:lvl1pPr>
+    <a:lvl2pPr marL="457200" algn="l" defTabSz="914400" rtl="0" eaLnBrk="1" latinLnBrk="0" hangingPunct="1">
+      <a:defRPr sz="1200" kern="1200">
+        <a:solidFill>
+          <a:schemeClr val="tx1"/>
+        </a:solidFill>
+        <a:latin typeface="+mn-lt"/>
+        <a:ea typeface="+mn-ea"/>
+        <a:cs typeface="+mn-cs"/>
+      </a:defRPr>
+    </a:lvl2pPr>
+    <a:lvl3pPr marL="914400" algn="l" defTabSz="914400" rtl="0" eaLnBrk="1" latinLnBrk="0" hangingPunct="1">
+      <a:defRPr sz="1200" kern="1200">
+        <a:solidFill>
+          <a:schemeClr val="tx1"/>
+        </a:solidFill>
+        <a:latin typeface="+mn-lt"/>
+        <a:ea typeface="+mn-ea"/>
+        <a:cs typeface="+mn-cs"/>
+      </a:defRPr>
+    </a:lvl3pPr>
+    <a:lvl4pPr marL="1371600" algn="l" defTabSz="914400" rtl="0" eaLnBrk="1" latinLnBrk="0" hangingPunct="1">
+      <a:defRPr sz="1200" kern="1200">
+        <a:solidFill>
+          <a:schemeClr val="tx1"/>
+        </a:solidFill>
+        <a:latin typeface="+mn-lt"/>
+        <a:ea typeface="+mn-ea"/>
+        <a:cs typeface="+mn-cs"/>
+      </a:defRPr>
+    </a:lvl4pPr>
+    <a:lvl5pPr marL="1828800" algn="l" defTabSz="914400" rtl="0" eaLnBrk="1" latinLnBrk="0" hangingPunct="1">
+      <a:defRPr sz="1200" kern="1200">
+        <a:solidFill>
+          <a:schemeClr val="tx1"/>
+        </a:solidFill>
+        <a:latin typeface="+mn-lt"/>
+        <a:ea typeface="+mn-ea"/>
+        <a:cs typeface="+mn-cs"/>
+      </a:defRPr>
+    </a:lvl5pPr>
+    <a:lvl6pPr marL="2286000" algn="l" defTabSz="914400" rtl="0" eaLnBrk="1" latinLnBrk="0" hangingPunct="1">
+      <a:defRPr sz="1200" kern="1200">
+        <a:solidFill>
+          <a:schemeClr val="tx1"/>
+        </a:solidFill>
+        <a:latin typeface="+mn-lt"/>
+        <a:ea typeface="+mn-ea"/>
+        <a:cs typeface="+mn-cs"/>
+      </a:defRPr>
+    </a:lvl6pPr>
+    <a:lvl7pPr marL="2743200" algn="l" defTabSz="914400" rtl="0" eaLnBrk="1" latinLnBrk="0" hangingPunct="1">
+      <a:defRPr sz="1200" kern="1200">
+        <a:solidFill>
+          <a:schemeClr val="tx1"/>
+        </a:solidFill>
+        <a:latin typeface="+mn-lt"/>
+        <a:ea typeface="+mn-ea"/>
+        <a:cs typeface="+mn-cs"/>
+      </a:defRPr>
+    </a:lvl7pPr>
+    <a:lvl8pPr marL="3200400" algn="l" defTabSz="914400" rtl="0" eaLnBrk="1" latinLnBrk="0" hangingPunct="1">
+      <a:defRPr sz="1200" kern="1200">
+        <a:solidFill>
+          <a:schemeClr val="tx1"/>
+        </a:solidFill>
+        <a:latin typeface="+mn-lt"/>
+        <a:ea typeface="+mn-ea"/>
+        <a:cs typeface="+mn-cs"/>
+      </a:defRPr>
+    </a:lvl8pPr>
+    <a:lvl9pPr marL="3657600" algn="l" defTabSz="914400" rtl="0" eaLnBrk="1" latinLnBrk="0" hangingPunct="1">
+      <a:defRPr sz="1200" kern="1200">
+        <a:solidFill>
+          <a:schemeClr val="tx1"/>
+        </a:solidFill>
+        <a:latin typeface="+mn-lt"/>
+        <a:ea typeface="+mn-ea"/>
+        <a:cs typeface="+mn-cs"/>
+      </a:defRPr>
+    </a:lvl9pPr>
+  </p:notesStyle>
+</p:notesMaster>
+</file>
+
+<file path=ppt/notesSlides/notesSlide1.xml><?xml version="1.0" encoding="utf-8"?>
+<p:notes xmlns:a="http://schemas.openxmlformats.org/drawingml/2006/main" xmlns:r="http://schemas.openxmlformats.org/officeDocument/2006/relationships" xmlns:p="http://schemas.openxmlformats.org/presentationml/2006/main">
+  <p:cSld>
+    <p:spTree>
+      <p:nvGrpSpPr>
+        <p:cNvPr id="1" name=""/>
+        <p:cNvGrpSpPr/>
+        <p:nvPr/>
+      </p:nvGrpSpPr>
+      <p:grpSpPr>
+        <a:xfrm>
+          <a:off x="0" y="0"/>
+          <a:ext cx="0" cy="0"/>
+          <a:chOff x="0" y="0"/>
+          <a:chExt cx="0" cy="0"/>
+        </a:xfrm>
+      </p:grpSpPr>
+      <p:sp>
+        <p:nvSpPr>
+          <p:cNvPr id="2" name="幻灯片图像占位符 1"/>
+          <p:cNvSpPr>
+            <a:spLocks noGrp="1" noRot="1" noChangeAspect="1"/>
+          </p:cNvSpPr>
+          <p:nvPr>
+            <p:ph type="sldImg"/>
+          </p:nvPr>
+        </p:nvSpPr>
+        <p:spPr/>
+      </p:sp>
+      <p:sp>
+        <p:nvSpPr>
+          <p:cNvPr id="3" name="备注占位符 2"/>
+          <p:cNvSpPr>
+            <a:spLocks noGrp="1"/>
+          </p:cNvSpPr>
+          <p:nvPr>
+            <p:ph type="body" idx="1"/>
+          </p:nvPr>
+        </p:nvSpPr>
+        <p:spPr/>
+        <p:txBody>
+          <a:bodyPr/>
+          <a:lstStyle/>
+          <a:p>
+            <a:r>
+              <a:rPr lang="zh-CN" altLang="en-US" dirty="0"/>
+              <a:t>删除</a:t>
+            </a:r>
+            <a:r>
+              <a:rPr lang="en-US" altLang="zh-CN" dirty="0"/>
+              <a:t>SFC</a:t>
+            </a:r>
+            <a:r>
+              <a:rPr lang="zh-CN" altLang="en-US" dirty="0"/>
+              <a:t>命令</a:t>
+            </a:r>
+            <a:endParaRPr lang="en-US" altLang="zh-CN" dirty="0"/>
+          </a:p>
+          <a:p>
+            <a:r>
+              <a:rPr lang="zh-CN" altLang="en-US" dirty="0"/>
+              <a:t>发送给</a:t>
+            </a:r>
+            <a:r>
+              <a:rPr lang="en-US" altLang="zh-CN" dirty="0"/>
+              <a:t>regulator</a:t>
+            </a:r>
+          </a:p>
+          <a:p>
+            <a:r>
+              <a:rPr lang="zh-CN" altLang="en-US" dirty="0"/>
+              <a:t>首先删除所有的</a:t>
+            </a:r>
+            <a:r>
+              <a:rPr lang="en-US" altLang="zh-CN" dirty="0"/>
+              <a:t>SFCI</a:t>
+            </a:r>
+          </a:p>
+          <a:p>
+            <a:r>
+              <a:rPr lang="zh-CN" altLang="en-US" dirty="0"/>
+              <a:t>判断所有的</a:t>
+            </a:r>
+            <a:r>
+              <a:rPr lang="en-US" altLang="zh-CN" dirty="0"/>
+              <a:t>SFCI</a:t>
+            </a:r>
+            <a:r>
+              <a:rPr lang="zh-CN" altLang="en-US" dirty="0"/>
+              <a:t>是否被删除</a:t>
+            </a:r>
+            <a:endParaRPr lang="en-US" altLang="zh-CN" dirty="0"/>
+          </a:p>
+          <a:p>
+            <a:r>
+              <a:rPr lang="zh-CN" altLang="en-US" dirty="0"/>
+              <a:t>如果都被删除，执行删除</a:t>
+            </a:r>
+            <a:r>
+              <a:rPr lang="en-US" altLang="zh-CN" dirty="0"/>
+              <a:t>SFC</a:t>
+            </a:r>
+            <a:r>
+              <a:rPr lang="zh-CN" altLang="en-US" dirty="0"/>
+              <a:t>命令</a:t>
+            </a:r>
+          </a:p>
+          <a:p>
+            <a:endParaRPr lang="zh-CN" altLang="en-US" dirty="0"/>
+          </a:p>
+        </p:txBody>
+      </p:sp>
+      <p:sp>
+        <p:nvSpPr>
+          <p:cNvPr id="4" name="灯片编号占位符 3"/>
+          <p:cNvSpPr>
+            <a:spLocks noGrp="1"/>
+          </p:cNvSpPr>
+          <p:nvPr>
+            <p:ph type="sldNum" sz="quarter" idx="5"/>
+          </p:nvPr>
+        </p:nvSpPr>
+        <p:spPr/>
+        <p:txBody>
+          <a:bodyPr/>
+          <a:lstStyle/>
+          <a:p>
+            <a:fld id="{210A87E9-3A2A-415F-8571-2EC35604D2C7}" type="slidenum">
+              <a:rPr lang="zh-CN" altLang="en-US" smtClean="0"/>
+              <a:t>8</a:t>
+            </a:fld>
+            <a:endParaRPr lang="zh-CN" altLang="en-US"/>
+          </a:p>
+        </p:txBody>
+      </p:sp>
+    </p:spTree>
+    <p:extLst>
+      <p:ext uri="{BB962C8B-B14F-4D97-AF65-F5344CB8AC3E}">
+        <p14:creationId xmlns:p14="http://schemas.microsoft.com/office/powerpoint/2010/main" val="1105718206"/>
+      </p:ext>
+    </p:extLst>
+  </p:cSld>
+  <p:clrMapOvr>
+    <a:masterClrMapping/>
+  </p:clrMapOvr>
+</p:notes>
+</file>
+
+<file path=ppt/notesSlides/notesSlide2.xml><?xml version="1.0" encoding="utf-8"?>
+<p:notes xmlns:a="http://schemas.openxmlformats.org/drawingml/2006/main" xmlns:r="http://schemas.openxmlformats.org/officeDocument/2006/relationships" xmlns:p="http://schemas.openxmlformats.org/presentationml/2006/main">
+  <p:cSld>
+    <p:spTree>
+      <p:nvGrpSpPr>
+        <p:cNvPr id="1" name=""/>
+        <p:cNvGrpSpPr/>
+        <p:nvPr/>
+      </p:nvGrpSpPr>
+      <p:grpSpPr>
+        <a:xfrm>
+          <a:off x="0" y="0"/>
+          <a:ext cx="0" cy="0"/>
+          <a:chOff x="0" y="0"/>
+          <a:chExt cx="0" cy="0"/>
+        </a:xfrm>
+      </p:grpSpPr>
+      <p:sp>
+        <p:nvSpPr>
+          <p:cNvPr id="2" name="幻灯片图像占位符 1"/>
+          <p:cNvSpPr>
+            <a:spLocks noGrp="1" noRot="1" noChangeAspect="1"/>
+          </p:cNvSpPr>
+          <p:nvPr>
+            <p:ph type="sldImg"/>
+          </p:nvPr>
+        </p:nvSpPr>
+        <p:spPr/>
+      </p:sp>
+      <p:sp>
+        <p:nvSpPr>
+          <p:cNvPr id="3" name="备注占位符 2"/>
+          <p:cNvSpPr>
+            <a:spLocks noGrp="1"/>
+          </p:cNvSpPr>
+          <p:nvPr>
+            <p:ph type="body" idx="1"/>
+          </p:nvPr>
+        </p:nvSpPr>
+        <p:spPr/>
+        <p:txBody>
+          <a:bodyPr/>
+          <a:lstStyle/>
+          <a:p>
+            <a:r>
+              <a:rPr lang="zh-CN" altLang="en-US" dirty="0"/>
+              <a:t>删除</a:t>
+            </a:r>
+            <a:r>
+              <a:rPr lang="en-US" altLang="zh-CN" dirty="0"/>
+              <a:t>SFC</a:t>
+            </a:r>
+            <a:r>
+              <a:rPr lang="zh-CN" altLang="en-US" dirty="0"/>
+              <a:t>命令</a:t>
+            </a:r>
+            <a:endParaRPr lang="en-US" altLang="zh-CN" dirty="0"/>
+          </a:p>
+          <a:p>
+            <a:r>
+              <a:rPr lang="zh-CN" altLang="en-US" dirty="0"/>
+              <a:t>发送给</a:t>
+            </a:r>
+            <a:r>
+              <a:rPr lang="en-US" altLang="zh-CN" dirty="0"/>
+              <a:t>regulator</a:t>
+            </a:r>
+          </a:p>
+          <a:p>
+            <a:r>
+              <a:rPr lang="zh-CN" altLang="en-US" dirty="0"/>
+              <a:t>首先删除所有的</a:t>
+            </a:r>
+            <a:r>
+              <a:rPr lang="en-US" altLang="zh-CN" dirty="0"/>
+              <a:t>SFCI</a:t>
+            </a:r>
+          </a:p>
+          <a:p>
+            <a:r>
+              <a:rPr lang="zh-CN" altLang="en-US" dirty="0"/>
+              <a:t>判断所有的</a:t>
+            </a:r>
+            <a:r>
+              <a:rPr lang="en-US" altLang="zh-CN" dirty="0"/>
+              <a:t>SFCI</a:t>
+            </a:r>
+            <a:r>
+              <a:rPr lang="zh-CN" altLang="en-US" dirty="0"/>
+              <a:t>是否被删除</a:t>
+            </a:r>
+            <a:endParaRPr lang="en-US" altLang="zh-CN" dirty="0"/>
+          </a:p>
+          <a:p>
+            <a:r>
+              <a:rPr lang="zh-CN" altLang="en-US" dirty="0"/>
+              <a:t>如果都被删除，执行删除</a:t>
+            </a:r>
+            <a:r>
+              <a:rPr lang="en-US" altLang="zh-CN" dirty="0"/>
+              <a:t>SFC</a:t>
+            </a:r>
+            <a:r>
+              <a:rPr lang="zh-CN" altLang="en-US" dirty="0"/>
+              <a:t>命令</a:t>
+            </a:r>
+          </a:p>
+          <a:p>
+            <a:endParaRPr lang="zh-CN" altLang="en-US" dirty="0"/>
+          </a:p>
+        </p:txBody>
+      </p:sp>
+      <p:sp>
+        <p:nvSpPr>
+          <p:cNvPr id="4" name="灯片编号占位符 3"/>
+          <p:cNvSpPr>
+            <a:spLocks noGrp="1"/>
+          </p:cNvSpPr>
+          <p:nvPr>
+            <p:ph type="sldNum" sz="quarter" idx="5"/>
+          </p:nvPr>
+        </p:nvSpPr>
+        <p:spPr/>
+        <p:txBody>
+          <a:bodyPr/>
+          <a:lstStyle/>
+          <a:p>
+            <a:fld id="{210A87E9-3A2A-415F-8571-2EC35604D2C7}" type="slidenum">
+              <a:rPr lang="zh-CN" altLang="en-US" smtClean="0"/>
+              <a:t>9</a:t>
+            </a:fld>
+            <a:endParaRPr lang="zh-CN" altLang="en-US"/>
+          </a:p>
+        </p:txBody>
+      </p:sp>
+    </p:spTree>
+    <p:extLst>
+      <p:ext uri="{BB962C8B-B14F-4D97-AF65-F5344CB8AC3E}">
+        <p14:creationId xmlns:p14="http://schemas.microsoft.com/office/powerpoint/2010/main" val="749146150"/>
+      </p:ext>
+    </p:extLst>
+  </p:cSld>
+  <p:clrMapOvr>
+    <a:masterClrMapping/>
+  </p:clrMapOvr>
+</p:notes>
+</file>
+
 <file path=ppt/slideLayouts/slideLayout1.xml><?xml version="1.0" encoding="utf-8"?>
 <p:sldLayout xmlns:a="http://schemas.openxmlformats.org/drawingml/2006/main" xmlns:r="http://schemas.openxmlformats.org/officeDocument/2006/relationships" xmlns:p="http://schemas.openxmlformats.org/presentationml/2006/main" type="title" preserve="1">
   <p:cSld name="标题幻灯片">
@@ -265,7 +915,7 @@
           <a:p>
             <a:fld id="{C64A47DC-23B0-47B4-A278-C88751767FBE}" type="datetimeFigureOut">
               <a:rPr lang="zh-CN" altLang="en-US" smtClean="0"/>
-              <a:t>2021/01/24</a:t>
+              <a:t>2022/07/26</a:t>
             </a:fld>
             <a:endParaRPr lang="zh-CN" altLang="en-US"/>
           </a:p>
@@ -463,7 +1113,7 @@
           <a:p>
             <a:fld id="{C64A47DC-23B0-47B4-A278-C88751767FBE}" type="datetimeFigureOut">
               <a:rPr lang="zh-CN" altLang="en-US" smtClean="0"/>
-              <a:t>2021/01/24</a:t>
+              <a:t>2022/07/26</a:t>
             </a:fld>
             <a:endParaRPr lang="zh-CN" altLang="en-US"/>
           </a:p>
@@ -671,7 +1321,7 @@
           <a:p>
             <a:fld id="{C64A47DC-23B0-47B4-A278-C88751767FBE}" type="datetimeFigureOut">
               <a:rPr lang="zh-CN" altLang="en-US" smtClean="0"/>
-              <a:t>2021/01/24</a:t>
+              <a:t>2022/07/26</a:t>
             </a:fld>
             <a:endParaRPr lang="zh-CN" altLang="en-US"/>
           </a:p>
@@ -869,7 +1519,7 @@
           <a:p>
             <a:fld id="{C64A47DC-23B0-47B4-A278-C88751767FBE}" type="datetimeFigureOut">
               <a:rPr lang="zh-CN" altLang="en-US" smtClean="0"/>
-              <a:t>2021/01/24</a:t>
+              <a:t>2022/07/26</a:t>
             </a:fld>
             <a:endParaRPr lang="zh-CN" altLang="en-US"/>
           </a:p>
@@ -1144,7 +1794,7 @@
           <a:p>
             <a:fld id="{C64A47DC-23B0-47B4-A278-C88751767FBE}" type="datetimeFigureOut">
               <a:rPr lang="zh-CN" altLang="en-US" smtClean="0"/>
-              <a:t>2021/01/24</a:t>
+              <a:t>2022/07/26</a:t>
             </a:fld>
             <a:endParaRPr lang="zh-CN" altLang="en-US"/>
           </a:p>
@@ -1409,7 +2059,7 @@
           <a:p>
             <a:fld id="{C64A47DC-23B0-47B4-A278-C88751767FBE}" type="datetimeFigureOut">
               <a:rPr lang="zh-CN" altLang="en-US" smtClean="0"/>
-              <a:t>2021/01/24</a:t>
+              <a:t>2022/07/26</a:t>
             </a:fld>
             <a:endParaRPr lang="zh-CN" altLang="en-US"/>
           </a:p>
@@ -1821,7 +2471,7 @@
           <a:p>
             <a:fld id="{C64A47DC-23B0-47B4-A278-C88751767FBE}" type="datetimeFigureOut">
               <a:rPr lang="zh-CN" altLang="en-US" smtClean="0"/>
-              <a:t>2021/01/24</a:t>
+              <a:t>2022/07/26</a:t>
             </a:fld>
             <a:endParaRPr lang="zh-CN" altLang="en-US"/>
           </a:p>
@@ -1962,7 +2612,7 @@
           <a:p>
             <a:fld id="{C64A47DC-23B0-47B4-A278-C88751767FBE}" type="datetimeFigureOut">
               <a:rPr lang="zh-CN" altLang="en-US" smtClean="0"/>
-              <a:t>2021/01/24</a:t>
+              <a:t>2022/07/26</a:t>
             </a:fld>
             <a:endParaRPr lang="zh-CN" altLang="en-US"/>
           </a:p>
@@ -2075,7 +2725,7 @@
           <a:p>
             <a:fld id="{C64A47DC-23B0-47B4-A278-C88751767FBE}" type="datetimeFigureOut">
               <a:rPr lang="zh-CN" altLang="en-US" smtClean="0"/>
-              <a:t>2021/01/24</a:t>
+              <a:t>2022/07/26</a:t>
             </a:fld>
             <a:endParaRPr lang="zh-CN" altLang="en-US"/>
           </a:p>
@@ -2386,7 +3036,7 @@
           <a:p>
             <a:fld id="{C64A47DC-23B0-47B4-A278-C88751767FBE}" type="datetimeFigureOut">
               <a:rPr lang="zh-CN" altLang="en-US" smtClean="0"/>
-              <a:t>2021/01/24</a:t>
+              <a:t>2022/07/26</a:t>
             </a:fld>
             <a:endParaRPr lang="zh-CN" altLang="en-US"/>
           </a:p>
@@ -2674,7 +3324,7 @@
           <a:p>
             <a:fld id="{C64A47DC-23B0-47B4-A278-C88751767FBE}" type="datetimeFigureOut">
               <a:rPr lang="zh-CN" altLang="en-US" smtClean="0"/>
-              <a:t>2021/01/24</a:t>
+              <a:t>2022/07/26</a:t>
             </a:fld>
             <a:endParaRPr lang="zh-CN" altLang="en-US"/>
           </a:p>
@@ -2915,7 +3565,7 @@
           <a:p>
             <a:fld id="{C64A47DC-23B0-47B4-A278-C88751767FBE}" type="datetimeFigureOut">
               <a:rPr lang="zh-CN" altLang="en-US" smtClean="0"/>
-              <a:t>2021/01/24</a:t>
+              <a:t>2022/07/26</a:t>
             </a:fld>
             <a:endParaRPr lang="zh-CN" altLang="en-US"/>
           </a:p>
@@ -5483,6 +6133,3870 @@
 </p:sld>
 </file>
 
+<file path=ppt/slides/slide8.xml><?xml version="1.0" encoding="utf-8"?>
+<p:sld xmlns:a="http://schemas.openxmlformats.org/drawingml/2006/main" xmlns:r="http://schemas.openxmlformats.org/officeDocument/2006/relationships" xmlns:p="http://schemas.openxmlformats.org/presentationml/2006/main">
+  <p:cSld>
+    <p:spTree>
+      <p:nvGrpSpPr>
+        <p:cNvPr id="1" name=""/>
+        <p:cNvGrpSpPr/>
+        <p:nvPr/>
+      </p:nvGrpSpPr>
+      <p:grpSpPr>
+        <a:xfrm>
+          <a:off x="0" y="0"/>
+          <a:ext cx="0" cy="0"/>
+          <a:chOff x="0" y="0"/>
+          <a:chExt cx="0" cy="0"/>
+        </a:xfrm>
+      </p:grpSpPr>
+      <p:sp>
+        <p:nvSpPr>
+          <p:cNvPr id="2" name="标题 1">
+            <a:extLst>
+              <a:ext uri="{FF2B5EF4-FFF2-40B4-BE49-F238E27FC236}">
+                <a16:creationId xmlns:a16="http://schemas.microsoft.com/office/drawing/2014/main" id="{BB2515AA-0C0E-4CC1-84B9-12D29004D356}"/>
+              </a:ext>
+            </a:extLst>
+          </p:cNvPr>
+          <p:cNvSpPr>
+            <a:spLocks noGrp="1"/>
+          </p:cNvSpPr>
+          <p:nvPr>
+            <p:ph type="title"/>
+          </p:nvPr>
+        </p:nvSpPr>
+        <p:spPr>
+          <a:xfrm>
+            <a:off x="195152" y="164596"/>
+            <a:ext cx="10515600" cy="1325563"/>
+          </a:xfrm>
+        </p:spPr>
+        <p:txBody>
+          <a:bodyPr/>
+          <a:lstStyle/>
+          <a:p>
+            <a:r>
+              <a:rPr lang="en-US" altLang="zh-CN" dirty="0"/>
+              <a:t>SFC</a:t>
+            </a:r>
+            <a:r>
+              <a:rPr lang="zh-CN" altLang="en-US" dirty="0"/>
+              <a:t>状态机</a:t>
+            </a:r>
+          </a:p>
+        </p:txBody>
+      </p:sp>
+      <p:sp>
+        <p:nvSpPr>
+          <p:cNvPr id="4" name="椭圆 3">
+            <a:extLst>
+              <a:ext uri="{FF2B5EF4-FFF2-40B4-BE49-F238E27FC236}">
+                <a16:creationId xmlns:a16="http://schemas.microsoft.com/office/drawing/2014/main" id="{4BBA8800-5FB9-4415-BA25-8A2F6E5FD99A}"/>
+              </a:ext>
+            </a:extLst>
+          </p:cNvPr>
+          <p:cNvSpPr/>
+          <p:nvPr/>
+        </p:nvSpPr>
+        <p:spPr>
+          <a:xfrm>
+            <a:off x="2623391" y="3234270"/>
+            <a:ext cx="1464733" cy="1464733"/>
+          </a:xfrm>
+          <a:prstGeom prst="ellipse">
+            <a:avLst/>
+          </a:prstGeom>
+          <a:solidFill>
+            <a:schemeClr val="bg1">
+              <a:lumMod val="85000"/>
+            </a:schemeClr>
+          </a:solidFill>
+        </p:spPr>
+        <p:style>
+          <a:lnRef idx="2">
+            <a:schemeClr val="dk1"/>
+          </a:lnRef>
+          <a:fillRef idx="1">
+            <a:schemeClr val="lt1"/>
+          </a:fillRef>
+          <a:effectRef idx="0">
+            <a:schemeClr val="dk1"/>
+          </a:effectRef>
+          <a:fontRef idx="minor">
+            <a:schemeClr val="dk1"/>
+          </a:fontRef>
+        </p:style>
+        <p:txBody>
+          <a:bodyPr rtlCol="0" anchor="ctr"/>
+          <a:lstStyle/>
+          <a:p>
+            <a:r>
+              <a:rPr lang="en-US" altLang="zh-CN" dirty="0">
+                <a:solidFill>
+                  <a:srgbClr val="4FC1FF"/>
+                </a:solidFill>
+                <a:latin typeface="Consolas" panose="020B0609020204030204" pitchFamily="49" charset="0"/>
+              </a:rPr>
+              <a:t>STATE_</a:t>
+            </a:r>
+          </a:p>
+          <a:p>
+            <a:r>
+              <a:rPr lang="en-US" altLang="zh-CN" dirty="0">
+                <a:solidFill>
+                  <a:srgbClr val="4FC1FF"/>
+                </a:solidFill>
+                <a:latin typeface="Consolas" panose="020B0609020204030204" pitchFamily="49" charset="0"/>
+              </a:rPr>
+              <a:t>IN_</a:t>
+            </a:r>
+          </a:p>
+          <a:p>
+            <a:r>
+              <a:rPr lang="en-US" altLang="zh-CN" dirty="0">
+                <a:solidFill>
+                  <a:srgbClr val="4FC1FF"/>
+                </a:solidFill>
+                <a:latin typeface="Consolas" panose="020B0609020204030204" pitchFamily="49" charset="0"/>
+              </a:rPr>
+              <a:t>PROCESSING</a:t>
+            </a:r>
+          </a:p>
+        </p:txBody>
+      </p:sp>
+      <p:sp>
+        <p:nvSpPr>
+          <p:cNvPr id="5" name="椭圆 4">
+            <a:extLst>
+              <a:ext uri="{FF2B5EF4-FFF2-40B4-BE49-F238E27FC236}">
+                <a16:creationId xmlns:a16="http://schemas.microsoft.com/office/drawing/2014/main" id="{8F38F07E-81EF-4B2F-A01A-D898F39844AA}"/>
+              </a:ext>
+            </a:extLst>
+          </p:cNvPr>
+          <p:cNvSpPr/>
+          <p:nvPr/>
+        </p:nvSpPr>
+        <p:spPr>
+          <a:xfrm>
+            <a:off x="5375063" y="3234270"/>
+            <a:ext cx="1464733" cy="1464733"/>
+          </a:xfrm>
+          <a:prstGeom prst="ellipse">
+            <a:avLst/>
+          </a:prstGeom>
+        </p:spPr>
+        <p:style>
+          <a:lnRef idx="2">
+            <a:schemeClr val="dk1"/>
+          </a:lnRef>
+          <a:fillRef idx="1">
+            <a:schemeClr val="lt1"/>
+          </a:fillRef>
+          <a:effectRef idx="0">
+            <a:schemeClr val="dk1"/>
+          </a:effectRef>
+          <a:fontRef idx="minor">
+            <a:schemeClr val="dk1"/>
+          </a:fontRef>
+        </p:style>
+        <p:txBody>
+          <a:bodyPr rtlCol="0" anchor="ctr"/>
+          <a:lstStyle/>
+          <a:p>
+            <a:r>
+              <a:rPr lang="en-US" altLang="zh-CN" b="0" dirty="0">
+                <a:solidFill>
+                  <a:srgbClr val="4FC1FF"/>
+                </a:solidFill>
+                <a:effectLst/>
+                <a:latin typeface="Consolas" panose="020B0609020204030204" pitchFamily="49" charset="0"/>
+              </a:rPr>
+              <a:t>STATE_ACTIVE</a:t>
+            </a:r>
+            <a:endParaRPr lang="en-US" altLang="zh-CN" b="0" dirty="0">
+              <a:solidFill>
+                <a:srgbClr val="D4D4D4"/>
+              </a:solidFill>
+              <a:effectLst/>
+              <a:latin typeface="Consolas" panose="020B0609020204030204" pitchFamily="49" charset="0"/>
+            </a:endParaRPr>
+          </a:p>
+        </p:txBody>
+      </p:sp>
+      <p:sp>
+        <p:nvSpPr>
+          <p:cNvPr id="6" name="椭圆 5">
+            <a:extLst>
+              <a:ext uri="{FF2B5EF4-FFF2-40B4-BE49-F238E27FC236}">
+                <a16:creationId xmlns:a16="http://schemas.microsoft.com/office/drawing/2014/main" id="{7ECF211A-820F-491C-84E6-4F8EF30BDD84}"/>
+              </a:ext>
+            </a:extLst>
+          </p:cNvPr>
+          <p:cNvSpPr/>
+          <p:nvPr/>
+        </p:nvSpPr>
+        <p:spPr>
+          <a:xfrm>
+            <a:off x="2614914" y="1091866"/>
+            <a:ext cx="1464733" cy="1464733"/>
+          </a:xfrm>
+          <a:prstGeom prst="ellipse">
+            <a:avLst/>
+          </a:prstGeom>
+        </p:spPr>
+        <p:style>
+          <a:lnRef idx="2">
+            <a:schemeClr val="dk1"/>
+          </a:lnRef>
+          <a:fillRef idx="1">
+            <a:schemeClr val="lt1"/>
+          </a:fillRef>
+          <a:effectRef idx="0">
+            <a:schemeClr val="dk1"/>
+          </a:effectRef>
+          <a:fontRef idx="minor">
+            <a:schemeClr val="dk1"/>
+          </a:fontRef>
+        </p:style>
+        <p:txBody>
+          <a:bodyPr rtlCol="0" anchor="ctr"/>
+          <a:lstStyle/>
+          <a:p>
+            <a:r>
+              <a:rPr lang="en-US" altLang="zh-CN" b="0" dirty="0">
+                <a:solidFill>
+                  <a:srgbClr val="4FC1FF"/>
+                </a:solidFill>
+                <a:effectLst/>
+                <a:latin typeface="Consolas" panose="020B0609020204030204" pitchFamily="49" charset="0"/>
+              </a:rPr>
+              <a:t>STATE_INIT_FAILED</a:t>
+            </a:r>
+            <a:endParaRPr lang="en-US" altLang="zh-CN" b="0" dirty="0">
+              <a:solidFill>
+                <a:srgbClr val="D4D4D4"/>
+              </a:solidFill>
+              <a:effectLst/>
+              <a:latin typeface="Consolas" panose="020B0609020204030204" pitchFamily="49" charset="0"/>
+            </a:endParaRPr>
+          </a:p>
+        </p:txBody>
+      </p:sp>
+      <p:sp>
+        <p:nvSpPr>
+          <p:cNvPr id="7" name="椭圆 6">
+            <a:extLst>
+              <a:ext uri="{FF2B5EF4-FFF2-40B4-BE49-F238E27FC236}">
+                <a16:creationId xmlns:a16="http://schemas.microsoft.com/office/drawing/2014/main" id="{CAB8989C-C5E0-4ABE-9FE3-98476699A311}"/>
+              </a:ext>
+            </a:extLst>
+          </p:cNvPr>
+          <p:cNvSpPr/>
+          <p:nvPr/>
+        </p:nvSpPr>
+        <p:spPr>
+          <a:xfrm>
+            <a:off x="5375063" y="5325531"/>
+            <a:ext cx="1464733" cy="1464733"/>
+          </a:xfrm>
+          <a:prstGeom prst="ellipse">
+            <a:avLst/>
+          </a:prstGeom>
+        </p:spPr>
+        <p:style>
+          <a:lnRef idx="2">
+            <a:schemeClr val="dk1"/>
+          </a:lnRef>
+          <a:fillRef idx="1">
+            <a:schemeClr val="lt1"/>
+          </a:fillRef>
+          <a:effectRef idx="0">
+            <a:schemeClr val="dk1"/>
+          </a:effectRef>
+          <a:fontRef idx="minor">
+            <a:schemeClr val="dk1"/>
+          </a:fontRef>
+        </p:style>
+        <p:txBody>
+          <a:bodyPr rtlCol="0" anchor="ctr"/>
+          <a:lstStyle/>
+          <a:p>
+            <a:r>
+              <a:rPr lang="en-US" altLang="zh-CN" b="0" dirty="0">
+                <a:solidFill>
+                  <a:srgbClr val="4FC1FF"/>
+                </a:solidFill>
+                <a:effectLst/>
+                <a:latin typeface="Consolas" panose="020B0609020204030204" pitchFamily="49" charset="0"/>
+              </a:rPr>
+              <a:t>STATE_DELETED</a:t>
+            </a:r>
+            <a:endParaRPr lang="en-US" altLang="zh-CN" b="0" dirty="0">
+              <a:solidFill>
+                <a:srgbClr val="D4D4D4"/>
+              </a:solidFill>
+              <a:effectLst/>
+              <a:latin typeface="Consolas" panose="020B0609020204030204" pitchFamily="49" charset="0"/>
+            </a:endParaRPr>
+          </a:p>
+        </p:txBody>
+      </p:sp>
+      <p:sp>
+        <p:nvSpPr>
+          <p:cNvPr id="8" name="椭圆 7">
+            <a:extLst>
+              <a:ext uri="{FF2B5EF4-FFF2-40B4-BE49-F238E27FC236}">
+                <a16:creationId xmlns:a16="http://schemas.microsoft.com/office/drawing/2014/main" id="{1C647526-0AE2-4E62-943A-83D401CB99E9}"/>
+              </a:ext>
+            </a:extLst>
+          </p:cNvPr>
+          <p:cNvSpPr/>
+          <p:nvPr/>
+        </p:nvSpPr>
+        <p:spPr>
+          <a:xfrm>
+            <a:off x="8262546" y="5325531"/>
+            <a:ext cx="1464733" cy="1464733"/>
+          </a:xfrm>
+          <a:prstGeom prst="ellipse">
+            <a:avLst/>
+          </a:prstGeom>
+        </p:spPr>
+        <p:style>
+          <a:lnRef idx="2">
+            <a:schemeClr val="dk1"/>
+          </a:lnRef>
+          <a:fillRef idx="1">
+            <a:schemeClr val="lt1"/>
+          </a:fillRef>
+          <a:effectRef idx="0">
+            <a:schemeClr val="dk1"/>
+          </a:effectRef>
+          <a:fontRef idx="minor">
+            <a:schemeClr val="dk1"/>
+          </a:fontRef>
+        </p:style>
+        <p:txBody>
+          <a:bodyPr rtlCol="0" anchor="ctr"/>
+          <a:lstStyle/>
+          <a:p>
+            <a:r>
+              <a:rPr lang="en-US" altLang="zh-CN" b="0" dirty="0">
+                <a:solidFill>
+                  <a:srgbClr val="4FC1FF"/>
+                </a:solidFill>
+                <a:effectLst/>
+                <a:latin typeface="Consolas" panose="020B0609020204030204" pitchFamily="49" charset="0"/>
+              </a:rPr>
+              <a:t>STATE_RECOVER_MODE</a:t>
+            </a:r>
+            <a:endParaRPr lang="en-US" altLang="zh-CN" b="0" dirty="0">
+              <a:solidFill>
+                <a:srgbClr val="D4D4D4"/>
+              </a:solidFill>
+              <a:effectLst/>
+              <a:latin typeface="Consolas" panose="020B0609020204030204" pitchFamily="49" charset="0"/>
+            </a:endParaRPr>
+          </a:p>
+        </p:txBody>
+      </p:sp>
+      <p:sp>
+        <p:nvSpPr>
+          <p:cNvPr id="9" name="椭圆 8">
+            <a:extLst>
+              <a:ext uri="{FF2B5EF4-FFF2-40B4-BE49-F238E27FC236}">
+                <a16:creationId xmlns:a16="http://schemas.microsoft.com/office/drawing/2014/main" id="{5F31E221-6207-4743-8442-3D15FD419066}"/>
+              </a:ext>
+            </a:extLst>
+          </p:cNvPr>
+          <p:cNvSpPr/>
+          <p:nvPr/>
+        </p:nvSpPr>
+        <p:spPr>
+          <a:xfrm>
+            <a:off x="8212667" y="3242868"/>
+            <a:ext cx="1464733" cy="1464733"/>
+          </a:xfrm>
+          <a:prstGeom prst="ellipse">
+            <a:avLst/>
+          </a:prstGeom>
+        </p:spPr>
+        <p:style>
+          <a:lnRef idx="2">
+            <a:schemeClr val="dk1"/>
+          </a:lnRef>
+          <a:fillRef idx="1">
+            <a:schemeClr val="lt1"/>
+          </a:fillRef>
+          <a:effectRef idx="0">
+            <a:schemeClr val="dk1"/>
+          </a:effectRef>
+          <a:fontRef idx="minor">
+            <a:schemeClr val="dk1"/>
+          </a:fontRef>
+        </p:style>
+        <p:txBody>
+          <a:bodyPr rtlCol="0" anchor="ctr"/>
+          <a:lstStyle/>
+          <a:p>
+            <a:r>
+              <a:rPr lang="en-US" altLang="zh-CN" b="0" dirty="0">
+                <a:solidFill>
+                  <a:srgbClr val="4FC1FF"/>
+                </a:solidFill>
+                <a:effectLst/>
+                <a:latin typeface="Consolas" panose="020B0609020204030204" pitchFamily="49" charset="0"/>
+              </a:rPr>
+              <a:t>STATE_SCALING_OUT_MODE</a:t>
+            </a:r>
+            <a:endParaRPr lang="en-US" altLang="zh-CN" b="0" dirty="0">
+              <a:solidFill>
+                <a:srgbClr val="D4D4D4"/>
+              </a:solidFill>
+              <a:effectLst/>
+              <a:latin typeface="Consolas" panose="020B0609020204030204" pitchFamily="49" charset="0"/>
+            </a:endParaRPr>
+          </a:p>
+        </p:txBody>
+      </p:sp>
+      <p:cxnSp>
+        <p:nvCxnSpPr>
+          <p:cNvPr id="11" name="直接箭头连接符 10">
+            <a:extLst>
+              <a:ext uri="{FF2B5EF4-FFF2-40B4-BE49-F238E27FC236}">
+                <a16:creationId xmlns:a16="http://schemas.microsoft.com/office/drawing/2014/main" id="{AE89BBB0-73CD-4C61-8141-CF72C4A5B5AE}"/>
+              </a:ext>
+            </a:extLst>
+          </p:cNvPr>
+          <p:cNvCxnSpPr>
+            <a:stCxn id="4" idx="6"/>
+            <a:endCxn id="5" idx="2"/>
+          </p:cNvCxnSpPr>
+          <p:nvPr/>
+        </p:nvCxnSpPr>
+        <p:spPr>
+          <a:xfrm>
+            <a:off x="4088124" y="3966637"/>
+            <a:ext cx="1286939" cy="0"/>
+          </a:xfrm>
+          <a:prstGeom prst="straightConnector1">
+            <a:avLst/>
+          </a:prstGeom>
+          <a:ln>
+            <a:tailEnd type="triangle"/>
+          </a:ln>
+        </p:spPr>
+        <p:style>
+          <a:lnRef idx="1">
+            <a:schemeClr val="accent1"/>
+          </a:lnRef>
+          <a:fillRef idx="0">
+            <a:schemeClr val="accent1"/>
+          </a:fillRef>
+          <a:effectRef idx="0">
+            <a:schemeClr val="accent1"/>
+          </a:effectRef>
+          <a:fontRef idx="minor">
+            <a:schemeClr val="tx1"/>
+          </a:fontRef>
+        </p:style>
+      </p:cxnSp>
+      <p:cxnSp>
+        <p:nvCxnSpPr>
+          <p:cNvPr id="12" name="直接箭头连接符 11">
+            <a:extLst>
+              <a:ext uri="{FF2B5EF4-FFF2-40B4-BE49-F238E27FC236}">
+                <a16:creationId xmlns:a16="http://schemas.microsoft.com/office/drawing/2014/main" id="{A8A2D96E-4CA1-4CAD-BB1B-AD659CF1FA7A}"/>
+              </a:ext>
+            </a:extLst>
+          </p:cNvPr>
+          <p:cNvCxnSpPr>
+            <a:cxnSpLocks/>
+            <a:stCxn id="4" idx="0"/>
+            <a:endCxn id="6" idx="4"/>
+          </p:cNvCxnSpPr>
+          <p:nvPr/>
+        </p:nvCxnSpPr>
+        <p:spPr>
+          <a:xfrm flipH="1" flipV="1">
+            <a:off x="3347281" y="2556599"/>
+            <a:ext cx="8477" cy="677671"/>
+          </a:xfrm>
+          <a:prstGeom prst="straightConnector1">
+            <a:avLst/>
+          </a:prstGeom>
+          <a:ln>
+            <a:tailEnd type="triangle"/>
+          </a:ln>
+        </p:spPr>
+        <p:style>
+          <a:lnRef idx="1">
+            <a:schemeClr val="accent1"/>
+          </a:lnRef>
+          <a:fillRef idx="0">
+            <a:schemeClr val="accent1"/>
+          </a:fillRef>
+          <a:effectRef idx="0">
+            <a:schemeClr val="accent1"/>
+          </a:effectRef>
+          <a:fontRef idx="minor">
+            <a:schemeClr val="tx1"/>
+          </a:fontRef>
+        </p:style>
+      </p:cxnSp>
+      <p:sp>
+        <p:nvSpPr>
+          <p:cNvPr id="18" name="文本框 17">
+            <a:extLst>
+              <a:ext uri="{FF2B5EF4-FFF2-40B4-BE49-F238E27FC236}">
+                <a16:creationId xmlns:a16="http://schemas.microsoft.com/office/drawing/2014/main" id="{3377D325-DF26-4168-AA5C-DB3B9057AAE3}"/>
+              </a:ext>
+            </a:extLst>
+          </p:cNvPr>
+          <p:cNvSpPr txBox="1"/>
+          <p:nvPr/>
+        </p:nvSpPr>
+        <p:spPr>
+          <a:xfrm flipH="1">
+            <a:off x="2726041" y="2796063"/>
+            <a:ext cx="1605281" cy="307777"/>
+          </a:xfrm>
+          <a:prstGeom prst="rect">
+            <a:avLst/>
+          </a:prstGeom>
+          <a:noFill/>
+        </p:spPr>
+        <p:txBody>
+          <a:bodyPr wrap="square" rtlCol="0">
+            <a:spAutoFit/>
+          </a:bodyPr>
+          <a:lstStyle/>
+          <a:p>
+            <a:r>
+              <a:rPr lang="zh-CN" altLang="en-US" sz="1400" dirty="0"/>
+              <a:t>添加</a:t>
+            </a:r>
+            <a:r>
+              <a:rPr lang="en-US" altLang="zh-CN" sz="1400" dirty="0"/>
+              <a:t>SFC:</a:t>
+            </a:r>
+            <a:r>
+              <a:rPr lang="zh-CN" altLang="en-US" sz="1400" dirty="0"/>
+              <a:t>失败</a:t>
+            </a:r>
+            <a:endParaRPr lang="en-US" altLang="zh-CN" sz="1400" dirty="0"/>
+          </a:p>
+        </p:txBody>
+      </p:sp>
+      <p:sp>
+        <p:nvSpPr>
+          <p:cNvPr id="19" name="文本框 18">
+            <a:extLst>
+              <a:ext uri="{FF2B5EF4-FFF2-40B4-BE49-F238E27FC236}">
+                <a16:creationId xmlns:a16="http://schemas.microsoft.com/office/drawing/2014/main" id="{8FE4C84A-E310-4474-95B7-BDA2BA11A944}"/>
+              </a:ext>
+            </a:extLst>
+          </p:cNvPr>
+          <p:cNvSpPr txBox="1"/>
+          <p:nvPr/>
+        </p:nvSpPr>
+        <p:spPr>
+          <a:xfrm flipH="1">
+            <a:off x="4040711" y="3551772"/>
+            <a:ext cx="1605281" cy="307777"/>
+          </a:xfrm>
+          <a:prstGeom prst="rect">
+            <a:avLst/>
+          </a:prstGeom>
+          <a:noFill/>
+        </p:spPr>
+        <p:txBody>
+          <a:bodyPr wrap="square" rtlCol="0">
+            <a:spAutoFit/>
+          </a:bodyPr>
+          <a:lstStyle/>
+          <a:p>
+            <a:r>
+              <a:rPr lang="zh-CN" altLang="en-US" sz="1400" dirty="0"/>
+              <a:t>添加</a:t>
+            </a:r>
+            <a:r>
+              <a:rPr lang="en-US" altLang="zh-CN" sz="1400" dirty="0"/>
+              <a:t>SFC:</a:t>
+            </a:r>
+            <a:r>
+              <a:rPr lang="zh-CN" altLang="en-US" sz="1400" dirty="0"/>
+              <a:t>成功</a:t>
+            </a:r>
+          </a:p>
+        </p:txBody>
+      </p:sp>
+      <p:sp>
+        <p:nvSpPr>
+          <p:cNvPr id="20" name="文本框 19">
+            <a:extLst>
+              <a:ext uri="{FF2B5EF4-FFF2-40B4-BE49-F238E27FC236}">
+                <a16:creationId xmlns:a16="http://schemas.microsoft.com/office/drawing/2014/main" id="{DD4F8190-5671-4875-A4C4-37E51C599685}"/>
+              </a:ext>
+            </a:extLst>
+          </p:cNvPr>
+          <p:cNvSpPr txBox="1"/>
+          <p:nvPr/>
+        </p:nvSpPr>
+        <p:spPr>
+          <a:xfrm flipH="1">
+            <a:off x="5299494" y="4776587"/>
+            <a:ext cx="1890370" cy="738664"/>
+          </a:xfrm>
+          <a:prstGeom prst="rect">
+            <a:avLst/>
+          </a:prstGeom>
+          <a:noFill/>
+        </p:spPr>
+        <p:txBody>
+          <a:bodyPr wrap="square" rtlCol="0">
+            <a:spAutoFit/>
+          </a:bodyPr>
+          <a:lstStyle/>
+          <a:p>
+            <a:r>
+              <a:rPr lang="zh-CN" altLang="en-US" sz="1400" dirty="0"/>
+              <a:t>删除</a:t>
+            </a:r>
+            <a:r>
+              <a:rPr lang="en-US" altLang="zh-CN" sz="1400" dirty="0"/>
+              <a:t>SFC:</a:t>
+            </a:r>
+            <a:r>
+              <a:rPr lang="zh-CN" altLang="en-US" sz="1400" dirty="0"/>
+              <a:t>成功</a:t>
+            </a:r>
+            <a:endParaRPr lang="en-US" altLang="zh-CN" sz="1400" dirty="0"/>
+          </a:p>
+          <a:p>
+            <a:r>
+              <a:rPr lang="zh-CN" altLang="en-US" sz="1400" dirty="0"/>
+              <a:t>（所有的</a:t>
+            </a:r>
+            <a:r>
+              <a:rPr lang="en-US" altLang="zh-CN" sz="1400" dirty="0"/>
+              <a:t>SFCI</a:t>
+            </a:r>
+            <a:r>
+              <a:rPr lang="zh-CN" altLang="en-US" sz="1400" dirty="0"/>
+              <a:t>的状态为</a:t>
+            </a:r>
+            <a:r>
+              <a:rPr lang="en-US" altLang="zh-CN" sz="1400" b="0" dirty="0">
+                <a:solidFill>
+                  <a:srgbClr val="4FC1FF"/>
+                </a:solidFill>
+                <a:effectLst/>
+                <a:latin typeface="Consolas" panose="020B0609020204030204" pitchFamily="49" charset="0"/>
+              </a:rPr>
+              <a:t>STATE_DELETED</a:t>
+            </a:r>
+            <a:r>
+              <a:rPr lang="zh-CN" altLang="en-US" sz="1400" dirty="0"/>
+              <a:t>）</a:t>
+            </a:r>
+          </a:p>
+        </p:txBody>
+      </p:sp>
+      <p:cxnSp>
+        <p:nvCxnSpPr>
+          <p:cNvPr id="21" name="直接箭头连接符 20">
+            <a:extLst>
+              <a:ext uri="{FF2B5EF4-FFF2-40B4-BE49-F238E27FC236}">
+                <a16:creationId xmlns:a16="http://schemas.microsoft.com/office/drawing/2014/main" id="{A89DB291-B593-40A2-AA5B-320873FB5697}"/>
+              </a:ext>
+            </a:extLst>
+          </p:cNvPr>
+          <p:cNvCxnSpPr>
+            <a:cxnSpLocks/>
+            <a:stCxn id="5" idx="4"/>
+            <a:endCxn id="7" idx="0"/>
+          </p:cNvCxnSpPr>
+          <p:nvPr/>
+        </p:nvCxnSpPr>
+        <p:spPr>
+          <a:xfrm>
+            <a:off x="6107430" y="4699003"/>
+            <a:ext cx="0" cy="626528"/>
+          </a:xfrm>
+          <a:prstGeom prst="straightConnector1">
+            <a:avLst/>
+          </a:prstGeom>
+          <a:ln>
+            <a:tailEnd type="triangle"/>
+          </a:ln>
+        </p:spPr>
+        <p:style>
+          <a:lnRef idx="1">
+            <a:schemeClr val="accent1"/>
+          </a:lnRef>
+          <a:fillRef idx="0">
+            <a:schemeClr val="accent1"/>
+          </a:fillRef>
+          <a:effectRef idx="0">
+            <a:schemeClr val="accent1"/>
+          </a:effectRef>
+          <a:fontRef idx="minor">
+            <a:schemeClr val="tx1"/>
+          </a:fontRef>
+        </p:style>
+      </p:cxnSp>
+      <p:sp>
+        <p:nvSpPr>
+          <p:cNvPr id="26" name="椭圆 25">
+            <a:extLst>
+              <a:ext uri="{FF2B5EF4-FFF2-40B4-BE49-F238E27FC236}">
+                <a16:creationId xmlns:a16="http://schemas.microsoft.com/office/drawing/2014/main" id="{8FBE831B-B202-4633-9B5F-C4400CEEB11E}"/>
+              </a:ext>
+            </a:extLst>
+          </p:cNvPr>
+          <p:cNvSpPr/>
+          <p:nvPr/>
+        </p:nvSpPr>
+        <p:spPr>
+          <a:xfrm>
+            <a:off x="8300292" y="1022492"/>
+            <a:ext cx="1464733" cy="1464733"/>
+          </a:xfrm>
+          <a:prstGeom prst="ellipse">
+            <a:avLst/>
+          </a:prstGeom>
+        </p:spPr>
+        <p:style>
+          <a:lnRef idx="2">
+            <a:schemeClr val="dk1"/>
+          </a:lnRef>
+          <a:fillRef idx="1">
+            <a:schemeClr val="lt1"/>
+          </a:fillRef>
+          <a:effectRef idx="0">
+            <a:schemeClr val="dk1"/>
+          </a:effectRef>
+          <a:fontRef idx="minor">
+            <a:schemeClr val="dk1"/>
+          </a:fontRef>
+        </p:style>
+        <p:txBody>
+          <a:bodyPr rtlCol="0" anchor="ctr"/>
+          <a:lstStyle/>
+          <a:p>
+            <a:r>
+              <a:rPr lang="en-US" altLang="zh-CN" b="0" dirty="0">
+                <a:solidFill>
+                  <a:srgbClr val="4FC1FF"/>
+                </a:solidFill>
+                <a:effectLst/>
+                <a:latin typeface="Consolas" panose="020B0609020204030204" pitchFamily="49" charset="0"/>
+              </a:rPr>
+              <a:t>STATE_SCALING_IN_MODE</a:t>
+            </a:r>
+            <a:endParaRPr lang="en-US" altLang="zh-CN" b="0" dirty="0">
+              <a:solidFill>
+                <a:srgbClr val="D4D4D4"/>
+              </a:solidFill>
+              <a:effectLst/>
+              <a:latin typeface="Consolas" panose="020B0609020204030204" pitchFamily="49" charset="0"/>
+            </a:endParaRPr>
+          </a:p>
+        </p:txBody>
+      </p:sp>
+      <p:cxnSp>
+        <p:nvCxnSpPr>
+          <p:cNvPr id="27" name="直接箭头连接符 26">
+            <a:extLst>
+              <a:ext uri="{FF2B5EF4-FFF2-40B4-BE49-F238E27FC236}">
+                <a16:creationId xmlns:a16="http://schemas.microsoft.com/office/drawing/2014/main" id="{715B9942-FA6F-4657-B15C-98C4953EA504}"/>
+              </a:ext>
+            </a:extLst>
+          </p:cNvPr>
+          <p:cNvCxnSpPr>
+            <a:cxnSpLocks/>
+            <a:stCxn id="5" idx="6"/>
+            <a:endCxn id="9" idx="2"/>
+          </p:cNvCxnSpPr>
+          <p:nvPr/>
+        </p:nvCxnSpPr>
+        <p:spPr>
+          <a:xfrm>
+            <a:off x="6839796" y="3966637"/>
+            <a:ext cx="1372871" cy="8598"/>
+          </a:xfrm>
+          <a:prstGeom prst="straightConnector1">
+            <a:avLst/>
+          </a:prstGeom>
+          <a:ln>
+            <a:tailEnd type="triangle"/>
+          </a:ln>
+        </p:spPr>
+        <p:style>
+          <a:lnRef idx="1">
+            <a:schemeClr val="accent1"/>
+          </a:lnRef>
+          <a:fillRef idx="0">
+            <a:schemeClr val="accent1"/>
+          </a:fillRef>
+          <a:effectRef idx="0">
+            <a:schemeClr val="accent1"/>
+          </a:effectRef>
+          <a:fontRef idx="minor">
+            <a:schemeClr val="tx1"/>
+          </a:fontRef>
+        </p:style>
+      </p:cxnSp>
+      <p:cxnSp>
+        <p:nvCxnSpPr>
+          <p:cNvPr id="31" name="直接箭头连接符 30">
+            <a:extLst>
+              <a:ext uri="{FF2B5EF4-FFF2-40B4-BE49-F238E27FC236}">
+                <a16:creationId xmlns:a16="http://schemas.microsoft.com/office/drawing/2014/main" id="{78FCBA7A-2E66-4945-A7BF-EBA54439401A}"/>
+              </a:ext>
+            </a:extLst>
+          </p:cNvPr>
+          <p:cNvCxnSpPr>
+            <a:cxnSpLocks/>
+            <a:stCxn id="5" idx="7"/>
+            <a:endCxn id="26" idx="2"/>
+          </p:cNvCxnSpPr>
+          <p:nvPr/>
+        </p:nvCxnSpPr>
+        <p:spPr>
+          <a:xfrm flipV="1">
+            <a:off x="6625291" y="1754859"/>
+            <a:ext cx="1675001" cy="1693916"/>
+          </a:xfrm>
+          <a:prstGeom prst="straightConnector1">
+            <a:avLst/>
+          </a:prstGeom>
+          <a:ln>
+            <a:tailEnd type="triangle"/>
+          </a:ln>
+        </p:spPr>
+        <p:style>
+          <a:lnRef idx="1">
+            <a:schemeClr val="accent1"/>
+          </a:lnRef>
+          <a:fillRef idx="0">
+            <a:schemeClr val="accent1"/>
+          </a:fillRef>
+          <a:effectRef idx="0">
+            <a:schemeClr val="accent1"/>
+          </a:effectRef>
+          <a:fontRef idx="minor">
+            <a:schemeClr val="tx1"/>
+          </a:fontRef>
+        </p:style>
+      </p:cxnSp>
+      <p:sp>
+        <p:nvSpPr>
+          <p:cNvPr id="34" name="文本框 33">
+            <a:extLst>
+              <a:ext uri="{FF2B5EF4-FFF2-40B4-BE49-F238E27FC236}">
+                <a16:creationId xmlns:a16="http://schemas.microsoft.com/office/drawing/2014/main" id="{BA6B255A-96B3-4BD5-ACE7-27BD166A5A69}"/>
+              </a:ext>
+            </a:extLst>
+          </p:cNvPr>
+          <p:cNvSpPr txBox="1"/>
+          <p:nvPr/>
+        </p:nvSpPr>
+        <p:spPr>
+          <a:xfrm flipH="1">
+            <a:off x="7147559" y="3576414"/>
+            <a:ext cx="1605281" cy="307777"/>
+          </a:xfrm>
+          <a:prstGeom prst="rect">
+            <a:avLst/>
+          </a:prstGeom>
+          <a:noFill/>
+        </p:spPr>
+        <p:txBody>
+          <a:bodyPr wrap="square" rtlCol="0">
+            <a:spAutoFit/>
+          </a:bodyPr>
+          <a:lstStyle/>
+          <a:p>
+            <a:r>
+              <a:rPr lang="zh-CN" altLang="en-US" sz="1400" dirty="0"/>
+              <a:t>扩容</a:t>
+            </a:r>
+            <a:r>
+              <a:rPr lang="en-US" altLang="zh-CN" sz="1400" dirty="0"/>
+              <a:t>SFC:</a:t>
+            </a:r>
+            <a:endParaRPr lang="zh-CN" altLang="en-US" sz="1400" dirty="0"/>
+          </a:p>
+        </p:txBody>
+      </p:sp>
+      <p:sp>
+        <p:nvSpPr>
+          <p:cNvPr id="35" name="文本框 34">
+            <a:extLst>
+              <a:ext uri="{FF2B5EF4-FFF2-40B4-BE49-F238E27FC236}">
+                <a16:creationId xmlns:a16="http://schemas.microsoft.com/office/drawing/2014/main" id="{AB3C4D14-9F9D-4D62-995A-4767901183AF}"/>
+              </a:ext>
+            </a:extLst>
+          </p:cNvPr>
+          <p:cNvSpPr txBox="1"/>
+          <p:nvPr/>
+        </p:nvSpPr>
+        <p:spPr>
+          <a:xfrm flipH="1">
+            <a:off x="7427377" y="2101160"/>
+            <a:ext cx="1605281" cy="307777"/>
+          </a:xfrm>
+          <a:prstGeom prst="rect">
+            <a:avLst/>
+          </a:prstGeom>
+          <a:noFill/>
+        </p:spPr>
+        <p:txBody>
+          <a:bodyPr wrap="square" rtlCol="0">
+            <a:spAutoFit/>
+          </a:bodyPr>
+          <a:lstStyle/>
+          <a:p>
+            <a:r>
+              <a:rPr lang="zh-CN" altLang="en-US" sz="1400" dirty="0"/>
+              <a:t>缩容</a:t>
+            </a:r>
+            <a:r>
+              <a:rPr lang="en-US" altLang="zh-CN" sz="1400" dirty="0"/>
+              <a:t>SFC:</a:t>
+            </a:r>
+            <a:endParaRPr lang="zh-CN" altLang="en-US" sz="1400" dirty="0"/>
+          </a:p>
+        </p:txBody>
+      </p:sp>
+      <p:sp>
+        <p:nvSpPr>
+          <p:cNvPr id="39" name="弧形 38">
+            <a:extLst>
+              <a:ext uri="{FF2B5EF4-FFF2-40B4-BE49-F238E27FC236}">
+                <a16:creationId xmlns:a16="http://schemas.microsoft.com/office/drawing/2014/main" id="{1C65FEDD-04E4-40B8-B3A7-0B879A79690E}"/>
+              </a:ext>
+            </a:extLst>
+          </p:cNvPr>
+          <p:cNvSpPr/>
+          <p:nvPr/>
+        </p:nvSpPr>
+        <p:spPr>
+          <a:xfrm>
+            <a:off x="6107429" y="2780387"/>
+            <a:ext cx="2925230" cy="893088"/>
+          </a:xfrm>
+          <a:prstGeom prst="arc">
+            <a:avLst>
+              <a:gd name="adj1" fmla="val 10854140"/>
+              <a:gd name="adj2" fmla="val 0"/>
+            </a:avLst>
+          </a:prstGeom>
+          <a:ln>
+            <a:headEnd type="triangle"/>
+          </a:ln>
+        </p:spPr>
+        <p:style>
+          <a:lnRef idx="1">
+            <a:schemeClr val="accent1"/>
+          </a:lnRef>
+          <a:fillRef idx="0">
+            <a:schemeClr val="accent1"/>
+          </a:fillRef>
+          <a:effectRef idx="0">
+            <a:schemeClr val="accent1"/>
+          </a:effectRef>
+          <a:fontRef idx="minor">
+            <a:schemeClr val="tx1"/>
+          </a:fontRef>
+        </p:style>
+        <p:txBody>
+          <a:bodyPr rtlCol="0" anchor="ctr"/>
+          <a:lstStyle/>
+          <a:p>
+            <a:pPr algn="ctr"/>
+            <a:endParaRPr lang="zh-CN" altLang="en-US"/>
+          </a:p>
+        </p:txBody>
+      </p:sp>
+      <p:sp>
+        <p:nvSpPr>
+          <p:cNvPr id="42" name="弧形 41">
+            <a:extLst>
+              <a:ext uri="{FF2B5EF4-FFF2-40B4-BE49-F238E27FC236}">
+                <a16:creationId xmlns:a16="http://schemas.microsoft.com/office/drawing/2014/main" id="{8207CE0F-FFA6-4E2F-B12A-4C402E19BEDA}"/>
+              </a:ext>
+            </a:extLst>
+          </p:cNvPr>
+          <p:cNvSpPr/>
+          <p:nvPr/>
+        </p:nvSpPr>
+        <p:spPr>
+          <a:xfrm rot="19723631">
+            <a:off x="5917344" y="2077605"/>
+            <a:ext cx="2627643" cy="932912"/>
+          </a:xfrm>
+          <a:prstGeom prst="arc">
+            <a:avLst>
+              <a:gd name="adj1" fmla="val 10854140"/>
+              <a:gd name="adj2" fmla="val 21400841"/>
+            </a:avLst>
+          </a:prstGeom>
+          <a:ln>
+            <a:headEnd type="triangle"/>
+          </a:ln>
+        </p:spPr>
+        <p:style>
+          <a:lnRef idx="1">
+            <a:schemeClr val="accent1"/>
+          </a:lnRef>
+          <a:fillRef idx="0">
+            <a:schemeClr val="accent1"/>
+          </a:fillRef>
+          <a:effectRef idx="0">
+            <a:schemeClr val="accent1"/>
+          </a:effectRef>
+          <a:fontRef idx="minor">
+            <a:schemeClr val="tx1"/>
+          </a:fontRef>
+        </p:style>
+        <p:txBody>
+          <a:bodyPr rtlCol="0" anchor="ctr"/>
+          <a:lstStyle/>
+          <a:p>
+            <a:pPr algn="ctr"/>
+            <a:endParaRPr lang="zh-CN" altLang="en-US" dirty="0"/>
+          </a:p>
+        </p:txBody>
+      </p:sp>
+      <p:sp>
+        <p:nvSpPr>
+          <p:cNvPr id="43" name="文本框 42">
+            <a:extLst>
+              <a:ext uri="{FF2B5EF4-FFF2-40B4-BE49-F238E27FC236}">
+                <a16:creationId xmlns:a16="http://schemas.microsoft.com/office/drawing/2014/main" id="{9D1723D0-054C-4407-801C-B1FBA0D0BFF7}"/>
+              </a:ext>
+            </a:extLst>
+          </p:cNvPr>
+          <p:cNvSpPr txBox="1"/>
+          <p:nvPr/>
+        </p:nvSpPr>
+        <p:spPr>
+          <a:xfrm flipH="1">
+            <a:off x="7906954" y="2564802"/>
+            <a:ext cx="2910015" cy="738664"/>
+          </a:xfrm>
+          <a:prstGeom prst="rect">
+            <a:avLst/>
+          </a:prstGeom>
+          <a:noFill/>
+        </p:spPr>
+        <p:txBody>
+          <a:bodyPr wrap="square" rtlCol="0">
+            <a:spAutoFit/>
+          </a:bodyPr>
+          <a:lstStyle/>
+          <a:p>
+            <a:r>
+              <a:rPr lang="zh-CN" altLang="en-US" sz="1400" dirty="0"/>
+              <a:t>扩容</a:t>
+            </a:r>
+            <a:r>
+              <a:rPr lang="en-US" altLang="zh-CN" sz="1400" dirty="0"/>
+              <a:t>SFC:</a:t>
+            </a:r>
+            <a:r>
+              <a:rPr lang="zh-CN" altLang="en-US" sz="1400" dirty="0"/>
+              <a:t>成功</a:t>
+            </a:r>
+            <a:endParaRPr lang="en-US" altLang="zh-CN" sz="1400" dirty="0"/>
+          </a:p>
+          <a:p>
+            <a:r>
+              <a:rPr lang="zh-CN" altLang="en-US" sz="1400" dirty="0"/>
+              <a:t>（不会失败，最多卡在原状态；指定的</a:t>
+            </a:r>
+            <a:r>
+              <a:rPr lang="en-US" altLang="zh-CN" sz="1400" dirty="0"/>
+              <a:t>SFCI</a:t>
+            </a:r>
+            <a:r>
+              <a:rPr lang="zh-CN" altLang="en-US" sz="1400" dirty="0"/>
+              <a:t>的状态为</a:t>
+            </a:r>
+            <a:r>
+              <a:rPr lang="en-US" altLang="zh-CN" sz="1400" dirty="0">
+                <a:solidFill>
+                  <a:srgbClr val="4FC1FF"/>
+                </a:solidFill>
+                <a:latin typeface="Consolas" panose="020B0609020204030204" pitchFamily="49" charset="0"/>
+              </a:rPr>
+              <a:t>STATE_ACTIVE</a:t>
+            </a:r>
+            <a:r>
+              <a:rPr lang="zh-CN" altLang="en-US" sz="1400" dirty="0"/>
+              <a:t>）</a:t>
+            </a:r>
+          </a:p>
+        </p:txBody>
+      </p:sp>
+      <p:sp>
+        <p:nvSpPr>
+          <p:cNvPr id="45" name="文本框 44">
+            <a:extLst>
+              <a:ext uri="{FF2B5EF4-FFF2-40B4-BE49-F238E27FC236}">
+                <a16:creationId xmlns:a16="http://schemas.microsoft.com/office/drawing/2014/main" id="{F2404555-1D67-4668-B372-99E4634DA898}"/>
+              </a:ext>
+            </a:extLst>
+          </p:cNvPr>
+          <p:cNvSpPr txBox="1"/>
+          <p:nvPr/>
+        </p:nvSpPr>
+        <p:spPr>
+          <a:xfrm flipH="1">
+            <a:off x="6567859" y="769263"/>
+            <a:ext cx="1678423" cy="1169551"/>
+          </a:xfrm>
+          <a:prstGeom prst="rect">
+            <a:avLst/>
+          </a:prstGeom>
+          <a:noFill/>
+        </p:spPr>
+        <p:txBody>
+          <a:bodyPr wrap="square" rtlCol="0">
+            <a:spAutoFit/>
+          </a:bodyPr>
+          <a:lstStyle/>
+          <a:p>
+            <a:r>
+              <a:rPr lang="zh-CN" altLang="en-US" sz="1400" dirty="0"/>
+              <a:t>缩容</a:t>
+            </a:r>
+            <a:r>
+              <a:rPr lang="en-US" altLang="zh-CN" sz="1400" dirty="0"/>
+              <a:t>SFC:</a:t>
+            </a:r>
+            <a:r>
+              <a:rPr lang="zh-CN" altLang="en-US" sz="1400" dirty="0"/>
+              <a:t>成功</a:t>
+            </a:r>
+            <a:endParaRPr lang="en-US" altLang="zh-CN" sz="1400" dirty="0"/>
+          </a:p>
+          <a:p>
+            <a:r>
+              <a:rPr lang="zh-CN" altLang="en-US" sz="1400" dirty="0"/>
+              <a:t>（不会失败，最多卡在原状态；指定的</a:t>
+            </a:r>
+            <a:r>
+              <a:rPr lang="en-US" altLang="zh-CN" sz="1400" dirty="0"/>
+              <a:t>SFCI</a:t>
+            </a:r>
+            <a:r>
+              <a:rPr lang="zh-CN" altLang="en-US" sz="1400" dirty="0"/>
+              <a:t>的状态为</a:t>
+            </a:r>
+            <a:r>
+              <a:rPr lang="en-US" altLang="zh-CN" sz="1400" dirty="0">
+                <a:solidFill>
+                  <a:srgbClr val="4FC1FF"/>
+                </a:solidFill>
+                <a:latin typeface="Consolas" panose="020B0609020204030204" pitchFamily="49" charset="0"/>
+              </a:rPr>
+              <a:t>STATE_DELETED</a:t>
+            </a:r>
+            <a:r>
+              <a:rPr lang="zh-CN" altLang="en-US" sz="1400" dirty="0"/>
+              <a:t>）</a:t>
+            </a:r>
+          </a:p>
+        </p:txBody>
+      </p:sp>
+      <p:cxnSp>
+        <p:nvCxnSpPr>
+          <p:cNvPr id="46" name="直接箭头连接符 45">
+            <a:extLst>
+              <a:ext uri="{FF2B5EF4-FFF2-40B4-BE49-F238E27FC236}">
+                <a16:creationId xmlns:a16="http://schemas.microsoft.com/office/drawing/2014/main" id="{83B68543-17C1-4B39-8F4E-00A1669DD104}"/>
+              </a:ext>
+            </a:extLst>
+          </p:cNvPr>
+          <p:cNvCxnSpPr>
+            <a:cxnSpLocks/>
+            <a:stCxn id="5" idx="5"/>
+            <a:endCxn id="8" idx="1"/>
+          </p:cNvCxnSpPr>
+          <p:nvPr/>
+        </p:nvCxnSpPr>
+        <p:spPr>
+          <a:xfrm>
+            <a:off x="6625291" y="4484498"/>
+            <a:ext cx="1851760" cy="1055538"/>
+          </a:xfrm>
+          <a:prstGeom prst="straightConnector1">
+            <a:avLst/>
+          </a:prstGeom>
+          <a:ln>
+            <a:tailEnd type="triangle"/>
+          </a:ln>
+        </p:spPr>
+        <p:style>
+          <a:lnRef idx="1">
+            <a:schemeClr val="accent1"/>
+          </a:lnRef>
+          <a:fillRef idx="0">
+            <a:schemeClr val="accent1"/>
+          </a:fillRef>
+          <a:effectRef idx="0">
+            <a:schemeClr val="accent1"/>
+          </a:effectRef>
+          <a:fontRef idx="minor">
+            <a:schemeClr val="tx1"/>
+          </a:fontRef>
+        </p:style>
+      </p:cxnSp>
+      <p:sp>
+        <p:nvSpPr>
+          <p:cNvPr id="49" name="文本框 48">
+            <a:extLst>
+              <a:ext uri="{FF2B5EF4-FFF2-40B4-BE49-F238E27FC236}">
+                <a16:creationId xmlns:a16="http://schemas.microsoft.com/office/drawing/2014/main" id="{E1FC0ED6-C36F-4B3E-85E3-B77FEB321BB9}"/>
+              </a:ext>
+            </a:extLst>
+          </p:cNvPr>
+          <p:cNvSpPr txBox="1"/>
+          <p:nvPr/>
+        </p:nvSpPr>
+        <p:spPr>
+          <a:xfrm flipH="1">
+            <a:off x="7612364" y="5301455"/>
+            <a:ext cx="1605281" cy="307777"/>
+          </a:xfrm>
+          <a:prstGeom prst="rect">
+            <a:avLst/>
+          </a:prstGeom>
+          <a:noFill/>
+        </p:spPr>
+        <p:txBody>
+          <a:bodyPr wrap="square" rtlCol="0">
+            <a:spAutoFit/>
+          </a:bodyPr>
+          <a:lstStyle/>
+          <a:p>
+            <a:r>
+              <a:rPr lang="zh-CN" altLang="en-US" sz="1400" dirty="0"/>
+              <a:t>恢复</a:t>
+            </a:r>
+            <a:r>
+              <a:rPr lang="en-US" altLang="zh-CN" sz="1400" dirty="0"/>
+              <a:t>SFC:</a:t>
+            </a:r>
+            <a:endParaRPr lang="zh-CN" altLang="en-US" sz="1400" dirty="0"/>
+          </a:p>
+        </p:txBody>
+      </p:sp>
+      <p:sp>
+        <p:nvSpPr>
+          <p:cNvPr id="50" name="弧形 49">
+            <a:extLst>
+              <a:ext uri="{FF2B5EF4-FFF2-40B4-BE49-F238E27FC236}">
+                <a16:creationId xmlns:a16="http://schemas.microsoft.com/office/drawing/2014/main" id="{03BC1FC0-3F10-46B8-9F1B-01C0AECAC365}"/>
+              </a:ext>
+            </a:extLst>
+          </p:cNvPr>
+          <p:cNvSpPr/>
+          <p:nvPr/>
+        </p:nvSpPr>
+        <p:spPr>
+          <a:xfrm rot="1707191">
+            <a:off x="6523416" y="4482157"/>
+            <a:ext cx="2110948" cy="1025620"/>
+          </a:xfrm>
+          <a:prstGeom prst="arc">
+            <a:avLst>
+              <a:gd name="adj1" fmla="val 10854140"/>
+              <a:gd name="adj2" fmla="val 0"/>
+            </a:avLst>
+          </a:prstGeom>
+          <a:ln>
+            <a:headEnd type="triangle"/>
+          </a:ln>
+        </p:spPr>
+        <p:style>
+          <a:lnRef idx="1">
+            <a:schemeClr val="accent1"/>
+          </a:lnRef>
+          <a:fillRef idx="0">
+            <a:schemeClr val="accent1"/>
+          </a:fillRef>
+          <a:effectRef idx="0">
+            <a:schemeClr val="accent1"/>
+          </a:effectRef>
+          <a:fontRef idx="minor">
+            <a:schemeClr val="tx1"/>
+          </a:fontRef>
+        </p:style>
+        <p:txBody>
+          <a:bodyPr rtlCol="0" anchor="ctr"/>
+          <a:lstStyle/>
+          <a:p>
+            <a:pPr algn="ctr"/>
+            <a:endParaRPr lang="zh-CN" altLang="en-US"/>
+          </a:p>
+        </p:txBody>
+      </p:sp>
+      <p:sp>
+        <p:nvSpPr>
+          <p:cNvPr id="51" name="文本框 50">
+            <a:extLst>
+              <a:ext uri="{FF2B5EF4-FFF2-40B4-BE49-F238E27FC236}">
+                <a16:creationId xmlns:a16="http://schemas.microsoft.com/office/drawing/2014/main" id="{1FCA7299-BF43-4722-B90A-4ABEA5E2DB90}"/>
+              </a:ext>
+            </a:extLst>
+          </p:cNvPr>
+          <p:cNvSpPr txBox="1"/>
+          <p:nvPr/>
+        </p:nvSpPr>
+        <p:spPr>
+          <a:xfrm flipH="1">
+            <a:off x="7037334" y="4283294"/>
+            <a:ext cx="3119580" cy="954107"/>
+          </a:xfrm>
+          <a:prstGeom prst="rect">
+            <a:avLst/>
+          </a:prstGeom>
+          <a:noFill/>
+        </p:spPr>
+        <p:txBody>
+          <a:bodyPr wrap="square" rtlCol="0">
+            <a:spAutoFit/>
+          </a:bodyPr>
+          <a:lstStyle/>
+          <a:p>
+            <a:r>
+              <a:rPr lang="zh-CN" altLang="en-US" sz="1400" dirty="0"/>
+              <a:t>恢复</a:t>
+            </a:r>
+            <a:r>
+              <a:rPr lang="en-US" altLang="zh-CN" sz="1400" dirty="0"/>
+              <a:t>SFC:</a:t>
+            </a:r>
+            <a:r>
+              <a:rPr lang="zh-CN" altLang="en-US" sz="1400" dirty="0"/>
+              <a:t>成功</a:t>
+            </a:r>
+            <a:endParaRPr lang="en-US" altLang="zh-CN" sz="1400" dirty="0"/>
+          </a:p>
+          <a:p>
+            <a:r>
+              <a:rPr lang="zh-CN" altLang="en-US" sz="1400" dirty="0"/>
+              <a:t>（不会失败，最多卡在原状态；首先</a:t>
+            </a:r>
+            <a:r>
+              <a:rPr lang="en-US" altLang="zh-CN" sz="1400" dirty="0"/>
+              <a:t>SFCI</a:t>
+            </a:r>
+            <a:r>
+              <a:rPr lang="zh-CN" altLang="en-US" sz="1400" dirty="0"/>
+              <a:t>状态被指定为</a:t>
+            </a:r>
+            <a:r>
+              <a:rPr lang="en-US" altLang="zh-CN" sz="1400" dirty="0">
+                <a:solidFill>
+                  <a:srgbClr val="4FC1FF"/>
+                </a:solidFill>
+                <a:latin typeface="Consolas" panose="020B0609020204030204" pitchFamily="49" charset="0"/>
+              </a:rPr>
+              <a:t>INACTIVE</a:t>
+            </a:r>
+            <a:r>
+              <a:rPr lang="zh-CN" altLang="en-US" sz="1400" dirty="0"/>
+              <a:t>，然后判断</a:t>
+            </a:r>
+            <a:r>
+              <a:rPr lang="en-US" altLang="zh-CN" sz="1400" dirty="0"/>
+              <a:t>SFCI</a:t>
+            </a:r>
+            <a:r>
+              <a:rPr lang="zh-CN" altLang="en-US" sz="1400" dirty="0"/>
+              <a:t>的状态是否恢复到</a:t>
+            </a:r>
+            <a:r>
+              <a:rPr lang="en-US" altLang="zh-CN" sz="1400" dirty="0">
+                <a:solidFill>
+                  <a:srgbClr val="4FC1FF"/>
+                </a:solidFill>
+                <a:latin typeface="Consolas" panose="020B0609020204030204" pitchFamily="49" charset="0"/>
+              </a:rPr>
+              <a:t>ACTIVE</a:t>
+            </a:r>
+            <a:r>
+              <a:rPr lang="zh-CN" altLang="en-US" sz="1400" dirty="0"/>
+              <a:t>）</a:t>
+            </a:r>
+          </a:p>
+        </p:txBody>
+      </p:sp>
+      <p:sp>
+        <p:nvSpPr>
+          <p:cNvPr id="59" name="椭圆 58">
+            <a:extLst>
+              <a:ext uri="{FF2B5EF4-FFF2-40B4-BE49-F238E27FC236}">
+                <a16:creationId xmlns:a16="http://schemas.microsoft.com/office/drawing/2014/main" id="{4970511A-6A46-4EAA-A489-A3755950C1B8}"/>
+              </a:ext>
+            </a:extLst>
+          </p:cNvPr>
+          <p:cNvSpPr/>
+          <p:nvPr/>
+        </p:nvSpPr>
+        <p:spPr>
+          <a:xfrm>
+            <a:off x="2685189" y="5325531"/>
+            <a:ext cx="1464733" cy="1464733"/>
+          </a:xfrm>
+          <a:prstGeom prst="ellipse">
+            <a:avLst/>
+          </a:prstGeom>
+        </p:spPr>
+        <p:style>
+          <a:lnRef idx="2">
+            <a:schemeClr val="dk1"/>
+          </a:lnRef>
+          <a:fillRef idx="1">
+            <a:schemeClr val="lt1"/>
+          </a:fillRef>
+          <a:effectRef idx="0">
+            <a:schemeClr val="dk1"/>
+          </a:effectRef>
+          <a:fontRef idx="minor">
+            <a:schemeClr val="dk1"/>
+          </a:fontRef>
+        </p:style>
+        <p:txBody>
+          <a:bodyPr rtlCol="0" anchor="ctr"/>
+          <a:lstStyle/>
+          <a:p>
+            <a:r>
+              <a:rPr lang="en-US" altLang="zh-CN" b="0" dirty="0">
+                <a:solidFill>
+                  <a:srgbClr val="4FC1FF"/>
+                </a:solidFill>
+                <a:effectLst/>
+                <a:latin typeface="Consolas" panose="020B0609020204030204" pitchFamily="49" charset="0"/>
+              </a:rPr>
+              <a:t>STATE_UNDELETED</a:t>
+            </a:r>
+            <a:endParaRPr lang="en-US" altLang="zh-CN" b="0" dirty="0">
+              <a:solidFill>
+                <a:srgbClr val="D4D4D4"/>
+              </a:solidFill>
+              <a:effectLst/>
+              <a:latin typeface="Consolas" panose="020B0609020204030204" pitchFamily="49" charset="0"/>
+            </a:endParaRPr>
+          </a:p>
+        </p:txBody>
+      </p:sp>
+      <p:cxnSp>
+        <p:nvCxnSpPr>
+          <p:cNvPr id="60" name="直接箭头连接符 59">
+            <a:extLst>
+              <a:ext uri="{FF2B5EF4-FFF2-40B4-BE49-F238E27FC236}">
+                <a16:creationId xmlns:a16="http://schemas.microsoft.com/office/drawing/2014/main" id="{4162BDC4-8AF0-44DB-9274-558A1F554B51}"/>
+              </a:ext>
+            </a:extLst>
+          </p:cNvPr>
+          <p:cNvCxnSpPr>
+            <a:cxnSpLocks/>
+            <a:stCxn id="5" idx="3"/>
+            <a:endCxn id="59" idx="7"/>
+          </p:cNvCxnSpPr>
+          <p:nvPr/>
+        </p:nvCxnSpPr>
+        <p:spPr>
+          <a:xfrm flipH="1">
+            <a:off x="3935417" y="4484498"/>
+            <a:ext cx="1654151" cy="1055538"/>
+          </a:xfrm>
+          <a:prstGeom prst="straightConnector1">
+            <a:avLst/>
+          </a:prstGeom>
+          <a:ln>
+            <a:tailEnd type="triangle"/>
+          </a:ln>
+        </p:spPr>
+        <p:style>
+          <a:lnRef idx="1">
+            <a:schemeClr val="accent1"/>
+          </a:lnRef>
+          <a:fillRef idx="0">
+            <a:schemeClr val="accent1"/>
+          </a:fillRef>
+          <a:effectRef idx="0">
+            <a:schemeClr val="accent1"/>
+          </a:effectRef>
+          <a:fontRef idx="minor">
+            <a:schemeClr val="tx1"/>
+          </a:fontRef>
+        </p:style>
+      </p:cxnSp>
+      <p:sp>
+        <p:nvSpPr>
+          <p:cNvPr id="63" name="文本框 62">
+            <a:extLst>
+              <a:ext uri="{FF2B5EF4-FFF2-40B4-BE49-F238E27FC236}">
+                <a16:creationId xmlns:a16="http://schemas.microsoft.com/office/drawing/2014/main" id="{5289C22E-A7EB-4C25-9537-49E254E4BD53}"/>
+              </a:ext>
+            </a:extLst>
+          </p:cNvPr>
+          <p:cNvSpPr txBox="1"/>
+          <p:nvPr/>
+        </p:nvSpPr>
+        <p:spPr>
+          <a:xfrm flipH="1">
+            <a:off x="3810624" y="5062974"/>
+            <a:ext cx="1605281" cy="307777"/>
+          </a:xfrm>
+          <a:prstGeom prst="rect">
+            <a:avLst/>
+          </a:prstGeom>
+          <a:noFill/>
+        </p:spPr>
+        <p:txBody>
+          <a:bodyPr wrap="square" rtlCol="0">
+            <a:spAutoFit/>
+          </a:bodyPr>
+          <a:lstStyle/>
+          <a:p>
+            <a:r>
+              <a:rPr lang="zh-CN" altLang="en-US" sz="1400" dirty="0"/>
+              <a:t>删除</a:t>
+            </a:r>
+            <a:r>
+              <a:rPr lang="en-US" altLang="zh-CN" sz="1400" dirty="0"/>
+              <a:t>SFC:</a:t>
+            </a:r>
+            <a:r>
+              <a:rPr lang="zh-CN" altLang="en-US" sz="1400" dirty="0"/>
+              <a:t>失败</a:t>
+            </a:r>
+          </a:p>
+        </p:txBody>
+      </p:sp>
+      <p:sp>
+        <p:nvSpPr>
+          <p:cNvPr id="67" name="文本框 66">
+            <a:extLst>
+              <a:ext uri="{FF2B5EF4-FFF2-40B4-BE49-F238E27FC236}">
+                <a16:creationId xmlns:a16="http://schemas.microsoft.com/office/drawing/2014/main" id="{FF965C24-520D-4B7F-8763-4A3CAA8C552B}"/>
+              </a:ext>
+            </a:extLst>
+          </p:cNvPr>
+          <p:cNvSpPr txBox="1"/>
+          <p:nvPr/>
+        </p:nvSpPr>
+        <p:spPr>
+          <a:xfrm flipH="1">
+            <a:off x="3960274" y="2505707"/>
+            <a:ext cx="2357527" cy="307777"/>
+          </a:xfrm>
+          <a:prstGeom prst="rect">
+            <a:avLst/>
+          </a:prstGeom>
+          <a:noFill/>
+        </p:spPr>
+        <p:txBody>
+          <a:bodyPr wrap="square" rtlCol="0">
+            <a:spAutoFit/>
+          </a:bodyPr>
+          <a:lstStyle/>
+          <a:p>
+            <a:r>
+              <a:rPr lang="en-US" altLang="zh-CN" sz="1400" dirty="0"/>
+              <a:t>(1)</a:t>
+            </a:r>
+            <a:r>
+              <a:rPr lang="zh-CN" altLang="en-US" sz="1400" dirty="0"/>
+              <a:t>手动重新添加</a:t>
+            </a:r>
+            <a:r>
+              <a:rPr lang="en-US" altLang="zh-CN" sz="1400" dirty="0"/>
+              <a:t>:</a:t>
+            </a:r>
+            <a:r>
+              <a:rPr lang="zh-CN" altLang="en-US" sz="1400" dirty="0"/>
+              <a:t>成功</a:t>
+            </a:r>
+            <a:r>
+              <a:rPr lang="en-US" altLang="zh-CN" sz="1400" dirty="0"/>
+              <a:t>;</a:t>
+            </a:r>
+          </a:p>
+        </p:txBody>
+      </p:sp>
+      <p:cxnSp>
+        <p:nvCxnSpPr>
+          <p:cNvPr id="68" name="直接箭头连接符 67">
+            <a:extLst>
+              <a:ext uri="{FF2B5EF4-FFF2-40B4-BE49-F238E27FC236}">
+                <a16:creationId xmlns:a16="http://schemas.microsoft.com/office/drawing/2014/main" id="{38E4A990-5709-4899-825F-84FCFD950EFB}"/>
+              </a:ext>
+            </a:extLst>
+          </p:cNvPr>
+          <p:cNvCxnSpPr>
+            <a:cxnSpLocks/>
+            <a:stCxn id="59" idx="6"/>
+            <a:endCxn id="7" idx="2"/>
+          </p:cNvCxnSpPr>
+          <p:nvPr/>
+        </p:nvCxnSpPr>
+        <p:spPr>
+          <a:xfrm>
+            <a:off x="4149922" y="6057898"/>
+            <a:ext cx="1225141" cy="0"/>
+          </a:xfrm>
+          <a:prstGeom prst="straightConnector1">
+            <a:avLst/>
+          </a:prstGeom>
+          <a:ln>
+            <a:tailEnd type="triangle"/>
+          </a:ln>
+        </p:spPr>
+        <p:style>
+          <a:lnRef idx="1">
+            <a:schemeClr val="accent1"/>
+          </a:lnRef>
+          <a:fillRef idx="0">
+            <a:schemeClr val="accent1"/>
+          </a:fillRef>
+          <a:effectRef idx="0">
+            <a:schemeClr val="accent1"/>
+          </a:effectRef>
+          <a:fontRef idx="minor">
+            <a:schemeClr val="tx1"/>
+          </a:fontRef>
+        </p:style>
+      </p:cxnSp>
+      <p:sp>
+        <p:nvSpPr>
+          <p:cNvPr id="72" name="文本框 71">
+            <a:extLst>
+              <a:ext uri="{FF2B5EF4-FFF2-40B4-BE49-F238E27FC236}">
+                <a16:creationId xmlns:a16="http://schemas.microsoft.com/office/drawing/2014/main" id="{0F76D0BD-A77C-45F1-B1F6-F56CE46B7533}"/>
+              </a:ext>
+            </a:extLst>
+          </p:cNvPr>
+          <p:cNvSpPr txBox="1"/>
+          <p:nvPr/>
+        </p:nvSpPr>
+        <p:spPr>
+          <a:xfrm>
+            <a:off x="3978472" y="5766134"/>
+            <a:ext cx="1633516" cy="523220"/>
+          </a:xfrm>
+          <a:prstGeom prst="rect">
+            <a:avLst/>
+          </a:prstGeom>
+          <a:noFill/>
+        </p:spPr>
+        <p:txBody>
+          <a:bodyPr wrap="square">
+            <a:spAutoFit/>
+          </a:bodyPr>
+          <a:lstStyle/>
+          <a:p>
+            <a:r>
+              <a:rPr lang="en-US" altLang="zh-CN" sz="1400" dirty="0"/>
+              <a:t>regulator</a:t>
+            </a:r>
+            <a:r>
+              <a:rPr lang="zh-CN" altLang="en-US" sz="1400" dirty="0"/>
+              <a:t>重新删除成功</a:t>
+            </a:r>
+          </a:p>
+        </p:txBody>
+      </p:sp>
+      <p:cxnSp>
+        <p:nvCxnSpPr>
+          <p:cNvPr id="78" name="直接箭头连接符 77">
+            <a:extLst>
+              <a:ext uri="{FF2B5EF4-FFF2-40B4-BE49-F238E27FC236}">
+                <a16:creationId xmlns:a16="http://schemas.microsoft.com/office/drawing/2014/main" id="{46B383E0-04B7-4DE1-BA03-FEB265E7FD9D}"/>
+              </a:ext>
+            </a:extLst>
+          </p:cNvPr>
+          <p:cNvCxnSpPr/>
+          <p:nvPr/>
+        </p:nvCxnSpPr>
+        <p:spPr>
+          <a:xfrm>
+            <a:off x="4088124" y="3966636"/>
+            <a:ext cx="1286939" cy="0"/>
+          </a:xfrm>
+          <a:prstGeom prst="straightConnector1">
+            <a:avLst/>
+          </a:prstGeom>
+          <a:ln>
+            <a:tailEnd type="triangle"/>
+          </a:ln>
+        </p:spPr>
+        <p:style>
+          <a:lnRef idx="1">
+            <a:schemeClr val="accent1"/>
+          </a:lnRef>
+          <a:fillRef idx="0">
+            <a:schemeClr val="accent1"/>
+          </a:fillRef>
+          <a:effectRef idx="0">
+            <a:schemeClr val="accent1"/>
+          </a:effectRef>
+          <a:fontRef idx="minor">
+            <a:schemeClr val="tx1"/>
+          </a:fontRef>
+        </p:style>
+      </p:cxnSp>
+      <p:cxnSp>
+        <p:nvCxnSpPr>
+          <p:cNvPr id="80" name="直接箭头连接符 79">
+            <a:extLst>
+              <a:ext uri="{FF2B5EF4-FFF2-40B4-BE49-F238E27FC236}">
+                <a16:creationId xmlns:a16="http://schemas.microsoft.com/office/drawing/2014/main" id="{D4B9C54B-40D8-4903-B4FE-448FA9C275DB}"/>
+              </a:ext>
+            </a:extLst>
+          </p:cNvPr>
+          <p:cNvCxnSpPr>
+            <a:cxnSpLocks/>
+            <a:stCxn id="6" idx="5"/>
+            <a:endCxn id="5" idx="1"/>
+          </p:cNvCxnSpPr>
+          <p:nvPr/>
+        </p:nvCxnSpPr>
+        <p:spPr>
+          <a:xfrm>
+            <a:off x="3865142" y="2342094"/>
+            <a:ext cx="1724426" cy="1106681"/>
+          </a:xfrm>
+          <a:prstGeom prst="straightConnector1">
+            <a:avLst/>
+          </a:prstGeom>
+          <a:ln>
+            <a:tailEnd type="triangle"/>
+          </a:ln>
+        </p:spPr>
+        <p:style>
+          <a:lnRef idx="1">
+            <a:schemeClr val="accent1"/>
+          </a:lnRef>
+          <a:fillRef idx="0">
+            <a:schemeClr val="accent1"/>
+          </a:fillRef>
+          <a:effectRef idx="0">
+            <a:schemeClr val="accent1"/>
+          </a:effectRef>
+          <a:fontRef idx="minor">
+            <a:schemeClr val="tx1"/>
+          </a:fontRef>
+        </p:style>
+      </p:cxnSp>
+      <p:sp>
+        <p:nvSpPr>
+          <p:cNvPr id="84" name="弧形 83">
+            <a:extLst>
+              <a:ext uri="{FF2B5EF4-FFF2-40B4-BE49-F238E27FC236}">
+                <a16:creationId xmlns:a16="http://schemas.microsoft.com/office/drawing/2014/main" id="{DC008005-D7B7-458B-9E6A-DD876EC5149A}"/>
+              </a:ext>
+            </a:extLst>
+          </p:cNvPr>
+          <p:cNvSpPr/>
+          <p:nvPr/>
+        </p:nvSpPr>
+        <p:spPr>
+          <a:xfrm rot="19723631">
+            <a:off x="2355315" y="1881751"/>
+            <a:ext cx="294579" cy="289448"/>
+          </a:xfrm>
+          <a:prstGeom prst="arc">
+            <a:avLst>
+              <a:gd name="adj1" fmla="val 2029203"/>
+              <a:gd name="adj2" fmla="val 21400841"/>
+            </a:avLst>
+          </a:prstGeom>
+          <a:ln>
+            <a:headEnd type="triangle"/>
+          </a:ln>
+        </p:spPr>
+        <p:style>
+          <a:lnRef idx="1">
+            <a:schemeClr val="accent1"/>
+          </a:lnRef>
+          <a:fillRef idx="0">
+            <a:schemeClr val="accent1"/>
+          </a:fillRef>
+          <a:effectRef idx="0">
+            <a:schemeClr val="accent1"/>
+          </a:effectRef>
+          <a:fontRef idx="minor">
+            <a:schemeClr val="tx1"/>
+          </a:fontRef>
+        </p:style>
+        <p:txBody>
+          <a:bodyPr rtlCol="0" anchor="ctr"/>
+          <a:lstStyle/>
+          <a:p>
+            <a:pPr algn="ctr"/>
+            <a:endParaRPr lang="zh-CN" altLang="en-US" dirty="0"/>
+          </a:p>
+        </p:txBody>
+      </p:sp>
+      <p:sp>
+        <p:nvSpPr>
+          <p:cNvPr id="85" name="弧形 84">
+            <a:extLst>
+              <a:ext uri="{FF2B5EF4-FFF2-40B4-BE49-F238E27FC236}">
+                <a16:creationId xmlns:a16="http://schemas.microsoft.com/office/drawing/2014/main" id="{25BF0339-FA38-4C79-9039-61ACD8859685}"/>
+              </a:ext>
+            </a:extLst>
+          </p:cNvPr>
+          <p:cNvSpPr/>
+          <p:nvPr/>
+        </p:nvSpPr>
+        <p:spPr>
+          <a:xfrm rot="19723631">
+            <a:off x="2408431" y="6144630"/>
+            <a:ext cx="294579" cy="289448"/>
+          </a:xfrm>
+          <a:prstGeom prst="arc">
+            <a:avLst>
+              <a:gd name="adj1" fmla="val 2029203"/>
+              <a:gd name="adj2" fmla="val 21400841"/>
+            </a:avLst>
+          </a:prstGeom>
+          <a:ln>
+            <a:headEnd type="triangle"/>
+          </a:ln>
+        </p:spPr>
+        <p:style>
+          <a:lnRef idx="1">
+            <a:schemeClr val="accent1"/>
+          </a:lnRef>
+          <a:fillRef idx="0">
+            <a:schemeClr val="accent1"/>
+          </a:fillRef>
+          <a:effectRef idx="0">
+            <a:schemeClr val="accent1"/>
+          </a:effectRef>
+          <a:fontRef idx="minor">
+            <a:schemeClr val="tx1"/>
+          </a:fontRef>
+        </p:style>
+        <p:txBody>
+          <a:bodyPr rtlCol="0" anchor="ctr"/>
+          <a:lstStyle/>
+          <a:p>
+            <a:pPr algn="ctr"/>
+            <a:endParaRPr lang="zh-CN" altLang="en-US" dirty="0"/>
+          </a:p>
+        </p:txBody>
+      </p:sp>
+      <p:sp>
+        <p:nvSpPr>
+          <p:cNvPr id="86" name="文本框 85">
+            <a:extLst>
+              <a:ext uri="{FF2B5EF4-FFF2-40B4-BE49-F238E27FC236}">
+                <a16:creationId xmlns:a16="http://schemas.microsoft.com/office/drawing/2014/main" id="{F1F38A4D-A34A-4CF7-B0AA-68910651C1B2}"/>
+              </a:ext>
+            </a:extLst>
+          </p:cNvPr>
+          <p:cNvSpPr txBox="1"/>
+          <p:nvPr/>
+        </p:nvSpPr>
+        <p:spPr>
+          <a:xfrm flipH="1">
+            <a:off x="902112" y="1848803"/>
+            <a:ext cx="2357527" cy="307777"/>
+          </a:xfrm>
+          <a:prstGeom prst="rect">
+            <a:avLst/>
+          </a:prstGeom>
+          <a:noFill/>
+        </p:spPr>
+        <p:txBody>
+          <a:bodyPr wrap="square" rtlCol="0">
+            <a:spAutoFit/>
+          </a:bodyPr>
+          <a:lstStyle/>
+          <a:p>
+            <a:r>
+              <a:rPr lang="en-US" altLang="zh-CN" sz="1400" dirty="0"/>
+              <a:t>(1)</a:t>
+            </a:r>
+            <a:r>
+              <a:rPr lang="zh-CN" altLang="en-US" sz="1400" dirty="0"/>
+              <a:t>手动重新添加</a:t>
+            </a:r>
+            <a:r>
+              <a:rPr lang="en-US" altLang="zh-CN" sz="1400" dirty="0"/>
+              <a:t>:</a:t>
+            </a:r>
+            <a:r>
+              <a:rPr lang="zh-CN" altLang="en-US" sz="1400" dirty="0"/>
+              <a:t>失败</a:t>
+            </a:r>
+            <a:r>
+              <a:rPr lang="en-US" altLang="zh-CN" sz="1400" dirty="0"/>
+              <a:t>;</a:t>
+            </a:r>
+          </a:p>
+        </p:txBody>
+      </p:sp>
+      <p:sp>
+        <p:nvSpPr>
+          <p:cNvPr id="87" name="文本框 86">
+            <a:extLst>
+              <a:ext uri="{FF2B5EF4-FFF2-40B4-BE49-F238E27FC236}">
+                <a16:creationId xmlns:a16="http://schemas.microsoft.com/office/drawing/2014/main" id="{E645616C-8A23-4E56-9764-35A7A8CC4C6F}"/>
+              </a:ext>
+            </a:extLst>
+          </p:cNvPr>
+          <p:cNvSpPr txBox="1"/>
+          <p:nvPr/>
+        </p:nvSpPr>
+        <p:spPr>
+          <a:xfrm>
+            <a:off x="3981879" y="5766134"/>
+            <a:ext cx="1633516" cy="523220"/>
+          </a:xfrm>
+          <a:prstGeom prst="rect">
+            <a:avLst/>
+          </a:prstGeom>
+          <a:noFill/>
+        </p:spPr>
+        <p:txBody>
+          <a:bodyPr wrap="square">
+            <a:spAutoFit/>
+          </a:bodyPr>
+          <a:lstStyle/>
+          <a:p>
+            <a:r>
+              <a:rPr lang="en-US" altLang="zh-CN" sz="1400" dirty="0"/>
+              <a:t>regulator</a:t>
+            </a:r>
+            <a:r>
+              <a:rPr lang="zh-CN" altLang="en-US" sz="1400" dirty="0"/>
+              <a:t>重新删除</a:t>
+            </a:r>
+            <a:r>
+              <a:rPr lang="en-US" altLang="zh-CN" sz="1400" dirty="0"/>
+              <a:t>:</a:t>
+            </a:r>
+            <a:r>
+              <a:rPr lang="zh-CN" altLang="en-US" sz="1400" dirty="0"/>
+              <a:t>成功</a:t>
+            </a:r>
+          </a:p>
+        </p:txBody>
+      </p:sp>
+      <p:sp>
+        <p:nvSpPr>
+          <p:cNvPr id="88" name="文本框 87">
+            <a:extLst>
+              <a:ext uri="{FF2B5EF4-FFF2-40B4-BE49-F238E27FC236}">
+                <a16:creationId xmlns:a16="http://schemas.microsoft.com/office/drawing/2014/main" id="{D5F0064A-B6C3-4DA9-8EBA-49D3E4653BD4}"/>
+              </a:ext>
+            </a:extLst>
+          </p:cNvPr>
+          <p:cNvSpPr txBox="1"/>
+          <p:nvPr/>
+        </p:nvSpPr>
+        <p:spPr>
+          <a:xfrm>
+            <a:off x="1302349" y="5900657"/>
+            <a:ext cx="1633516" cy="523220"/>
+          </a:xfrm>
+          <a:prstGeom prst="rect">
+            <a:avLst/>
+          </a:prstGeom>
+          <a:noFill/>
+        </p:spPr>
+        <p:txBody>
+          <a:bodyPr wrap="square">
+            <a:spAutoFit/>
+          </a:bodyPr>
+          <a:lstStyle/>
+          <a:p>
+            <a:r>
+              <a:rPr lang="en-US" altLang="zh-CN" sz="1400" dirty="0"/>
+              <a:t>regulator</a:t>
+            </a:r>
+            <a:r>
+              <a:rPr lang="zh-CN" altLang="en-US" sz="1400" dirty="0"/>
+              <a:t>重新删除</a:t>
+            </a:r>
+            <a:r>
+              <a:rPr lang="en-US" altLang="zh-CN" sz="1400" dirty="0"/>
+              <a:t>:</a:t>
+            </a:r>
+            <a:r>
+              <a:rPr lang="zh-CN" altLang="en-US" sz="1400" dirty="0"/>
+              <a:t>失败</a:t>
+            </a:r>
+          </a:p>
+        </p:txBody>
+      </p:sp>
+      <p:sp>
+        <p:nvSpPr>
+          <p:cNvPr id="41" name="椭圆 40">
+            <a:extLst>
+              <a:ext uri="{FF2B5EF4-FFF2-40B4-BE49-F238E27FC236}">
+                <a16:creationId xmlns:a16="http://schemas.microsoft.com/office/drawing/2014/main" id="{BC9C6924-77ED-4B6E-84FE-E22DDFEBB432}"/>
+              </a:ext>
+            </a:extLst>
+          </p:cNvPr>
+          <p:cNvSpPr/>
+          <p:nvPr/>
+        </p:nvSpPr>
+        <p:spPr>
+          <a:xfrm>
+            <a:off x="4567127" y="328598"/>
+            <a:ext cx="1464733" cy="1464733"/>
+          </a:xfrm>
+          <a:prstGeom prst="ellipse">
+            <a:avLst/>
+          </a:prstGeom>
+        </p:spPr>
+        <p:style>
+          <a:lnRef idx="2">
+            <a:schemeClr val="dk1"/>
+          </a:lnRef>
+          <a:fillRef idx="1">
+            <a:schemeClr val="lt1"/>
+          </a:fillRef>
+          <a:effectRef idx="0">
+            <a:schemeClr val="dk1"/>
+          </a:effectRef>
+          <a:fontRef idx="minor">
+            <a:schemeClr val="dk1"/>
+          </a:fontRef>
+        </p:style>
+        <p:txBody>
+          <a:bodyPr rtlCol="0" anchor="ctr"/>
+          <a:lstStyle/>
+          <a:p>
+            <a:r>
+              <a:rPr lang="en-US" altLang="zh-CN" b="0" dirty="0">
+                <a:solidFill>
+                  <a:srgbClr val="4FC1FF"/>
+                </a:solidFill>
+                <a:effectLst/>
+                <a:latin typeface="Consolas" panose="020B0609020204030204" pitchFamily="49" charset="0"/>
+              </a:rPr>
+              <a:t>STATE_MANUAL</a:t>
+            </a:r>
+            <a:endParaRPr lang="en-US" altLang="zh-CN" b="0" dirty="0">
+              <a:solidFill>
+                <a:srgbClr val="D4D4D4"/>
+              </a:solidFill>
+              <a:effectLst/>
+              <a:latin typeface="Consolas" panose="020B0609020204030204" pitchFamily="49" charset="0"/>
+            </a:endParaRPr>
+          </a:p>
+        </p:txBody>
+      </p:sp>
+      <p:cxnSp>
+        <p:nvCxnSpPr>
+          <p:cNvPr id="44" name="直接箭头连接符 43">
+            <a:extLst>
+              <a:ext uri="{FF2B5EF4-FFF2-40B4-BE49-F238E27FC236}">
+                <a16:creationId xmlns:a16="http://schemas.microsoft.com/office/drawing/2014/main" id="{ECF4ADD8-41C3-4780-B925-A0D779078FF8}"/>
+              </a:ext>
+            </a:extLst>
+          </p:cNvPr>
+          <p:cNvCxnSpPr>
+            <a:cxnSpLocks/>
+            <a:stCxn id="5" idx="0"/>
+            <a:endCxn id="41" idx="4"/>
+          </p:cNvCxnSpPr>
+          <p:nvPr/>
+        </p:nvCxnSpPr>
+        <p:spPr>
+          <a:xfrm flipH="1" flipV="1">
+            <a:off x="5299494" y="1793331"/>
+            <a:ext cx="807936" cy="1440939"/>
+          </a:xfrm>
+          <a:prstGeom prst="straightConnector1">
+            <a:avLst/>
+          </a:prstGeom>
+          <a:ln>
+            <a:tailEnd type="triangle"/>
+          </a:ln>
+        </p:spPr>
+        <p:style>
+          <a:lnRef idx="1">
+            <a:schemeClr val="accent1"/>
+          </a:lnRef>
+          <a:fillRef idx="0">
+            <a:schemeClr val="accent1"/>
+          </a:fillRef>
+          <a:effectRef idx="0">
+            <a:schemeClr val="accent1"/>
+          </a:effectRef>
+          <a:fontRef idx="minor">
+            <a:schemeClr val="tx1"/>
+          </a:fontRef>
+        </p:style>
+      </p:cxnSp>
+      <p:sp>
+        <p:nvSpPr>
+          <p:cNvPr id="14" name="文本框 13">
+            <a:extLst>
+              <a:ext uri="{FF2B5EF4-FFF2-40B4-BE49-F238E27FC236}">
+                <a16:creationId xmlns:a16="http://schemas.microsoft.com/office/drawing/2014/main" id="{BC6F3630-6E22-43B3-9EFB-D51EF89F338F}"/>
+              </a:ext>
+            </a:extLst>
+          </p:cNvPr>
+          <p:cNvSpPr txBox="1"/>
+          <p:nvPr/>
+        </p:nvSpPr>
+        <p:spPr>
+          <a:xfrm>
+            <a:off x="4916389" y="1914746"/>
+            <a:ext cx="1620957" cy="307777"/>
+          </a:xfrm>
+          <a:prstGeom prst="rect">
+            <a:avLst/>
+          </a:prstGeom>
+          <a:noFill/>
+        </p:spPr>
+        <p:txBody>
+          <a:bodyPr wrap="none" rtlCol="0">
+            <a:spAutoFit/>
+          </a:bodyPr>
+          <a:lstStyle/>
+          <a:p>
+            <a:r>
+              <a:rPr lang="zh-CN" altLang="en-US" sz="1400" dirty="0"/>
+              <a:t>收到指令转换模式</a:t>
+            </a:r>
+          </a:p>
+        </p:txBody>
+      </p:sp>
+      <p:sp>
+        <p:nvSpPr>
+          <p:cNvPr id="47" name="弧形 46">
+            <a:extLst>
+              <a:ext uri="{FF2B5EF4-FFF2-40B4-BE49-F238E27FC236}">
+                <a16:creationId xmlns:a16="http://schemas.microsoft.com/office/drawing/2014/main" id="{E344838A-C205-4A81-8136-1D652439D8A1}"/>
+              </a:ext>
+            </a:extLst>
+          </p:cNvPr>
+          <p:cNvSpPr/>
+          <p:nvPr/>
+        </p:nvSpPr>
+        <p:spPr>
+          <a:xfrm rot="14601289">
+            <a:off x="4834517" y="2186120"/>
+            <a:ext cx="1679157" cy="630671"/>
+          </a:xfrm>
+          <a:prstGeom prst="arc">
+            <a:avLst>
+              <a:gd name="adj1" fmla="val 10854140"/>
+              <a:gd name="adj2" fmla="val 21400841"/>
+            </a:avLst>
+          </a:prstGeom>
+          <a:ln>
+            <a:headEnd type="triangle"/>
+          </a:ln>
+        </p:spPr>
+        <p:style>
+          <a:lnRef idx="1">
+            <a:schemeClr val="accent1"/>
+          </a:lnRef>
+          <a:fillRef idx="0">
+            <a:schemeClr val="accent1"/>
+          </a:fillRef>
+          <a:effectRef idx="0">
+            <a:schemeClr val="accent1"/>
+          </a:effectRef>
+          <a:fontRef idx="minor">
+            <a:schemeClr val="tx1"/>
+          </a:fontRef>
+        </p:style>
+        <p:txBody>
+          <a:bodyPr rtlCol="0" anchor="ctr"/>
+          <a:lstStyle/>
+          <a:p>
+            <a:pPr algn="ctr"/>
+            <a:endParaRPr lang="zh-CN" altLang="en-US" dirty="0"/>
+          </a:p>
+        </p:txBody>
+      </p:sp>
+    </p:spTree>
+    <p:extLst>
+      <p:ext uri="{BB962C8B-B14F-4D97-AF65-F5344CB8AC3E}">
+        <p14:creationId xmlns:p14="http://schemas.microsoft.com/office/powerpoint/2010/main" val="1662912116"/>
+      </p:ext>
+    </p:extLst>
+  </p:cSld>
+  <p:clrMapOvr>
+    <a:masterClrMapping/>
+  </p:clrMapOvr>
+</p:sld>
+</file>
+
+<file path=ppt/slides/slide9.xml><?xml version="1.0" encoding="utf-8"?>
+<p:sld xmlns:a="http://schemas.openxmlformats.org/drawingml/2006/main" xmlns:r="http://schemas.openxmlformats.org/officeDocument/2006/relationships" xmlns:p="http://schemas.openxmlformats.org/presentationml/2006/main">
+  <p:cSld>
+    <p:spTree>
+      <p:nvGrpSpPr>
+        <p:cNvPr id="1" name=""/>
+        <p:cNvGrpSpPr/>
+        <p:nvPr/>
+      </p:nvGrpSpPr>
+      <p:grpSpPr>
+        <a:xfrm>
+          <a:off x="0" y="0"/>
+          <a:ext cx="0" cy="0"/>
+          <a:chOff x="0" y="0"/>
+          <a:chExt cx="0" cy="0"/>
+        </a:xfrm>
+      </p:grpSpPr>
+      <p:sp>
+        <p:nvSpPr>
+          <p:cNvPr id="2" name="标题 1">
+            <a:extLst>
+              <a:ext uri="{FF2B5EF4-FFF2-40B4-BE49-F238E27FC236}">
+                <a16:creationId xmlns:a16="http://schemas.microsoft.com/office/drawing/2014/main" id="{BB2515AA-0C0E-4CC1-84B9-12D29004D356}"/>
+              </a:ext>
+            </a:extLst>
+          </p:cNvPr>
+          <p:cNvSpPr>
+            <a:spLocks noGrp="1"/>
+          </p:cNvSpPr>
+          <p:nvPr>
+            <p:ph type="title"/>
+          </p:nvPr>
+        </p:nvSpPr>
+        <p:spPr>
+          <a:xfrm>
+            <a:off x="195152" y="164596"/>
+            <a:ext cx="10515600" cy="1325563"/>
+          </a:xfrm>
+        </p:spPr>
+        <p:txBody>
+          <a:bodyPr/>
+          <a:lstStyle/>
+          <a:p>
+            <a:r>
+              <a:rPr lang="en-US" altLang="zh-CN" dirty="0"/>
+              <a:t>SFCI</a:t>
+            </a:r>
+            <a:r>
+              <a:rPr lang="zh-CN" altLang="en-US" dirty="0"/>
+              <a:t>状态机</a:t>
+            </a:r>
+          </a:p>
+        </p:txBody>
+      </p:sp>
+      <p:sp>
+        <p:nvSpPr>
+          <p:cNvPr id="5" name="椭圆 4">
+            <a:extLst>
+              <a:ext uri="{FF2B5EF4-FFF2-40B4-BE49-F238E27FC236}">
+                <a16:creationId xmlns:a16="http://schemas.microsoft.com/office/drawing/2014/main" id="{8F38F07E-81EF-4B2F-A01A-D898F39844AA}"/>
+              </a:ext>
+            </a:extLst>
+          </p:cNvPr>
+          <p:cNvSpPr/>
+          <p:nvPr/>
+        </p:nvSpPr>
+        <p:spPr>
+          <a:xfrm>
+            <a:off x="5375063" y="3234270"/>
+            <a:ext cx="1464733" cy="1464733"/>
+          </a:xfrm>
+          <a:prstGeom prst="ellipse">
+            <a:avLst/>
+          </a:prstGeom>
+        </p:spPr>
+        <p:style>
+          <a:lnRef idx="2">
+            <a:schemeClr val="dk1"/>
+          </a:lnRef>
+          <a:fillRef idx="1">
+            <a:schemeClr val="lt1"/>
+          </a:fillRef>
+          <a:effectRef idx="0">
+            <a:schemeClr val="dk1"/>
+          </a:effectRef>
+          <a:fontRef idx="minor">
+            <a:schemeClr val="dk1"/>
+          </a:fontRef>
+        </p:style>
+        <p:txBody>
+          <a:bodyPr rtlCol="0" anchor="ctr"/>
+          <a:lstStyle/>
+          <a:p>
+            <a:r>
+              <a:rPr lang="en-US" altLang="zh-CN" b="0" dirty="0">
+                <a:solidFill>
+                  <a:srgbClr val="4FC1FF"/>
+                </a:solidFill>
+                <a:effectLst/>
+                <a:latin typeface="Consolas" panose="020B0609020204030204" pitchFamily="49" charset="0"/>
+              </a:rPr>
+              <a:t>STATE_ACTIVE</a:t>
+            </a:r>
+            <a:endParaRPr lang="en-US" altLang="zh-CN" b="0" dirty="0">
+              <a:solidFill>
+                <a:srgbClr val="D4D4D4"/>
+              </a:solidFill>
+              <a:effectLst/>
+              <a:latin typeface="Consolas" panose="020B0609020204030204" pitchFamily="49" charset="0"/>
+            </a:endParaRPr>
+          </a:p>
+        </p:txBody>
+      </p:sp>
+      <p:sp>
+        <p:nvSpPr>
+          <p:cNvPr id="6" name="椭圆 5">
+            <a:extLst>
+              <a:ext uri="{FF2B5EF4-FFF2-40B4-BE49-F238E27FC236}">
+                <a16:creationId xmlns:a16="http://schemas.microsoft.com/office/drawing/2014/main" id="{7ECF211A-820F-491C-84E6-4F8EF30BDD84}"/>
+              </a:ext>
+            </a:extLst>
+          </p:cNvPr>
+          <p:cNvSpPr/>
+          <p:nvPr/>
+        </p:nvSpPr>
+        <p:spPr>
+          <a:xfrm>
+            <a:off x="2614914" y="1091866"/>
+            <a:ext cx="1464733" cy="1464733"/>
+          </a:xfrm>
+          <a:prstGeom prst="ellipse">
+            <a:avLst/>
+          </a:prstGeom>
+        </p:spPr>
+        <p:style>
+          <a:lnRef idx="2">
+            <a:schemeClr val="dk1"/>
+          </a:lnRef>
+          <a:fillRef idx="1">
+            <a:schemeClr val="lt1"/>
+          </a:fillRef>
+          <a:effectRef idx="0">
+            <a:schemeClr val="dk1"/>
+          </a:effectRef>
+          <a:fontRef idx="minor">
+            <a:schemeClr val="dk1"/>
+          </a:fontRef>
+        </p:style>
+        <p:txBody>
+          <a:bodyPr rtlCol="0" anchor="ctr"/>
+          <a:lstStyle/>
+          <a:p>
+            <a:r>
+              <a:rPr lang="en-US" altLang="zh-CN" b="0" dirty="0">
+                <a:solidFill>
+                  <a:srgbClr val="4FC1FF"/>
+                </a:solidFill>
+                <a:effectLst/>
+                <a:latin typeface="Consolas" panose="020B0609020204030204" pitchFamily="49" charset="0"/>
+              </a:rPr>
+              <a:t>STATE_INIT_FAILED</a:t>
+            </a:r>
+            <a:endParaRPr lang="en-US" altLang="zh-CN" b="0" dirty="0">
+              <a:solidFill>
+                <a:srgbClr val="D4D4D4"/>
+              </a:solidFill>
+              <a:effectLst/>
+              <a:latin typeface="Consolas" panose="020B0609020204030204" pitchFamily="49" charset="0"/>
+            </a:endParaRPr>
+          </a:p>
+        </p:txBody>
+      </p:sp>
+      <p:sp>
+        <p:nvSpPr>
+          <p:cNvPr id="7" name="椭圆 6">
+            <a:extLst>
+              <a:ext uri="{FF2B5EF4-FFF2-40B4-BE49-F238E27FC236}">
+                <a16:creationId xmlns:a16="http://schemas.microsoft.com/office/drawing/2014/main" id="{CAB8989C-C5E0-4ABE-9FE3-98476699A311}"/>
+              </a:ext>
+            </a:extLst>
+          </p:cNvPr>
+          <p:cNvSpPr/>
+          <p:nvPr/>
+        </p:nvSpPr>
+        <p:spPr>
+          <a:xfrm>
+            <a:off x="5375063" y="5325531"/>
+            <a:ext cx="1464733" cy="1464733"/>
+          </a:xfrm>
+          <a:prstGeom prst="ellipse">
+            <a:avLst/>
+          </a:prstGeom>
+        </p:spPr>
+        <p:style>
+          <a:lnRef idx="2">
+            <a:schemeClr val="dk1"/>
+          </a:lnRef>
+          <a:fillRef idx="1">
+            <a:schemeClr val="lt1"/>
+          </a:fillRef>
+          <a:effectRef idx="0">
+            <a:schemeClr val="dk1"/>
+          </a:effectRef>
+          <a:fontRef idx="minor">
+            <a:schemeClr val="dk1"/>
+          </a:fontRef>
+        </p:style>
+        <p:txBody>
+          <a:bodyPr rtlCol="0" anchor="ctr"/>
+          <a:lstStyle/>
+          <a:p>
+            <a:r>
+              <a:rPr lang="en-US" altLang="zh-CN" b="0" dirty="0">
+                <a:solidFill>
+                  <a:srgbClr val="4FC1FF"/>
+                </a:solidFill>
+                <a:effectLst/>
+                <a:latin typeface="Consolas" panose="020B0609020204030204" pitchFamily="49" charset="0"/>
+              </a:rPr>
+              <a:t>STATE_DELETED</a:t>
+            </a:r>
+            <a:endParaRPr lang="en-US" altLang="zh-CN" b="0" dirty="0">
+              <a:solidFill>
+                <a:srgbClr val="D4D4D4"/>
+              </a:solidFill>
+              <a:effectLst/>
+              <a:latin typeface="Consolas" panose="020B0609020204030204" pitchFamily="49" charset="0"/>
+            </a:endParaRPr>
+          </a:p>
+        </p:txBody>
+      </p:sp>
+      <p:cxnSp>
+        <p:nvCxnSpPr>
+          <p:cNvPr id="11" name="直接箭头连接符 10">
+            <a:extLst>
+              <a:ext uri="{FF2B5EF4-FFF2-40B4-BE49-F238E27FC236}">
+                <a16:creationId xmlns:a16="http://schemas.microsoft.com/office/drawing/2014/main" id="{AE89BBB0-73CD-4C61-8141-CF72C4A5B5AE}"/>
+              </a:ext>
+            </a:extLst>
+          </p:cNvPr>
+          <p:cNvCxnSpPr>
+            <a:cxnSpLocks/>
+            <a:stCxn id="54" idx="6"/>
+            <a:endCxn id="5" idx="2"/>
+          </p:cNvCxnSpPr>
+          <p:nvPr/>
+        </p:nvCxnSpPr>
+        <p:spPr>
+          <a:xfrm>
+            <a:off x="4088124" y="3966637"/>
+            <a:ext cx="1286939" cy="0"/>
+          </a:xfrm>
+          <a:prstGeom prst="straightConnector1">
+            <a:avLst/>
+          </a:prstGeom>
+          <a:ln>
+            <a:tailEnd type="triangle"/>
+          </a:ln>
+        </p:spPr>
+        <p:style>
+          <a:lnRef idx="1">
+            <a:schemeClr val="accent1"/>
+          </a:lnRef>
+          <a:fillRef idx="0">
+            <a:schemeClr val="accent1"/>
+          </a:fillRef>
+          <a:effectRef idx="0">
+            <a:schemeClr val="accent1"/>
+          </a:effectRef>
+          <a:fontRef idx="minor">
+            <a:schemeClr val="tx1"/>
+          </a:fontRef>
+        </p:style>
+      </p:cxnSp>
+      <p:cxnSp>
+        <p:nvCxnSpPr>
+          <p:cNvPr id="12" name="直接箭头连接符 11">
+            <a:extLst>
+              <a:ext uri="{FF2B5EF4-FFF2-40B4-BE49-F238E27FC236}">
+                <a16:creationId xmlns:a16="http://schemas.microsoft.com/office/drawing/2014/main" id="{A8A2D96E-4CA1-4CAD-BB1B-AD659CF1FA7A}"/>
+              </a:ext>
+            </a:extLst>
+          </p:cNvPr>
+          <p:cNvCxnSpPr>
+            <a:cxnSpLocks/>
+            <a:stCxn id="54" idx="0"/>
+            <a:endCxn id="6" idx="4"/>
+          </p:cNvCxnSpPr>
+          <p:nvPr/>
+        </p:nvCxnSpPr>
+        <p:spPr>
+          <a:xfrm flipH="1" flipV="1">
+            <a:off x="3347281" y="2556599"/>
+            <a:ext cx="8477" cy="677671"/>
+          </a:xfrm>
+          <a:prstGeom prst="straightConnector1">
+            <a:avLst/>
+          </a:prstGeom>
+          <a:ln>
+            <a:tailEnd type="triangle"/>
+          </a:ln>
+        </p:spPr>
+        <p:style>
+          <a:lnRef idx="1">
+            <a:schemeClr val="accent1"/>
+          </a:lnRef>
+          <a:fillRef idx="0">
+            <a:schemeClr val="accent1"/>
+          </a:fillRef>
+          <a:effectRef idx="0">
+            <a:schemeClr val="accent1"/>
+          </a:effectRef>
+          <a:fontRef idx="minor">
+            <a:schemeClr val="tx1"/>
+          </a:fontRef>
+        </p:style>
+      </p:cxnSp>
+      <p:sp>
+        <p:nvSpPr>
+          <p:cNvPr id="19" name="文本框 18">
+            <a:extLst>
+              <a:ext uri="{FF2B5EF4-FFF2-40B4-BE49-F238E27FC236}">
+                <a16:creationId xmlns:a16="http://schemas.microsoft.com/office/drawing/2014/main" id="{8FE4C84A-E310-4474-95B7-BDA2BA11A944}"/>
+              </a:ext>
+            </a:extLst>
+          </p:cNvPr>
+          <p:cNvSpPr txBox="1"/>
+          <p:nvPr/>
+        </p:nvSpPr>
+        <p:spPr>
+          <a:xfrm flipH="1">
+            <a:off x="4040711" y="3551772"/>
+            <a:ext cx="1605281" cy="307777"/>
+          </a:xfrm>
+          <a:prstGeom prst="rect">
+            <a:avLst/>
+          </a:prstGeom>
+          <a:noFill/>
+        </p:spPr>
+        <p:txBody>
+          <a:bodyPr wrap="square" rtlCol="0">
+            <a:spAutoFit/>
+          </a:bodyPr>
+          <a:lstStyle/>
+          <a:p>
+            <a:r>
+              <a:rPr lang="zh-CN" altLang="en-US" sz="1400" dirty="0"/>
+              <a:t>添加</a:t>
+            </a:r>
+            <a:r>
+              <a:rPr lang="en-US" altLang="zh-CN" sz="1400" dirty="0"/>
+              <a:t>SFCI</a:t>
+            </a:r>
+            <a:r>
+              <a:rPr lang="zh-CN" altLang="en-US" sz="1400" dirty="0"/>
+              <a:t>成功</a:t>
+            </a:r>
+          </a:p>
+        </p:txBody>
+      </p:sp>
+      <p:sp>
+        <p:nvSpPr>
+          <p:cNvPr id="20" name="文本框 19">
+            <a:extLst>
+              <a:ext uri="{FF2B5EF4-FFF2-40B4-BE49-F238E27FC236}">
+                <a16:creationId xmlns:a16="http://schemas.microsoft.com/office/drawing/2014/main" id="{DD4F8190-5671-4875-A4C4-37E51C599685}"/>
+              </a:ext>
+            </a:extLst>
+          </p:cNvPr>
+          <p:cNvSpPr txBox="1"/>
+          <p:nvPr/>
+        </p:nvSpPr>
+        <p:spPr>
+          <a:xfrm flipH="1">
+            <a:off x="5509554" y="5061058"/>
+            <a:ext cx="1605281" cy="307777"/>
+          </a:xfrm>
+          <a:prstGeom prst="rect">
+            <a:avLst/>
+          </a:prstGeom>
+          <a:noFill/>
+        </p:spPr>
+        <p:txBody>
+          <a:bodyPr wrap="square" rtlCol="0">
+            <a:spAutoFit/>
+          </a:bodyPr>
+          <a:lstStyle/>
+          <a:p>
+            <a:r>
+              <a:rPr lang="zh-CN" altLang="en-US" sz="1400" dirty="0"/>
+              <a:t>删除</a:t>
+            </a:r>
+            <a:r>
+              <a:rPr lang="en-US" altLang="zh-CN" sz="1400" dirty="0"/>
+              <a:t>SFCI:</a:t>
+            </a:r>
+            <a:r>
+              <a:rPr lang="zh-CN" altLang="en-US" sz="1400" dirty="0"/>
+              <a:t>成功</a:t>
+            </a:r>
+          </a:p>
+        </p:txBody>
+      </p:sp>
+      <p:cxnSp>
+        <p:nvCxnSpPr>
+          <p:cNvPr id="21" name="直接箭头连接符 20">
+            <a:extLst>
+              <a:ext uri="{FF2B5EF4-FFF2-40B4-BE49-F238E27FC236}">
+                <a16:creationId xmlns:a16="http://schemas.microsoft.com/office/drawing/2014/main" id="{A89DB291-B593-40A2-AA5B-320873FB5697}"/>
+              </a:ext>
+            </a:extLst>
+          </p:cNvPr>
+          <p:cNvCxnSpPr>
+            <a:cxnSpLocks/>
+            <a:stCxn id="5" idx="4"/>
+            <a:endCxn id="7" idx="0"/>
+          </p:cNvCxnSpPr>
+          <p:nvPr/>
+        </p:nvCxnSpPr>
+        <p:spPr>
+          <a:xfrm>
+            <a:off x="6107430" y="4699003"/>
+            <a:ext cx="0" cy="626528"/>
+          </a:xfrm>
+          <a:prstGeom prst="straightConnector1">
+            <a:avLst/>
+          </a:prstGeom>
+          <a:ln>
+            <a:tailEnd type="triangle"/>
+          </a:ln>
+        </p:spPr>
+        <p:style>
+          <a:lnRef idx="1">
+            <a:schemeClr val="accent1"/>
+          </a:lnRef>
+          <a:fillRef idx="0">
+            <a:schemeClr val="accent1"/>
+          </a:fillRef>
+          <a:effectRef idx="0">
+            <a:schemeClr val="accent1"/>
+          </a:effectRef>
+          <a:fontRef idx="minor">
+            <a:schemeClr val="tx1"/>
+          </a:fontRef>
+        </p:style>
+      </p:cxnSp>
+      <p:sp>
+        <p:nvSpPr>
+          <p:cNvPr id="59" name="椭圆 58">
+            <a:extLst>
+              <a:ext uri="{FF2B5EF4-FFF2-40B4-BE49-F238E27FC236}">
+                <a16:creationId xmlns:a16="http://schemas.microsoft.com/office/drawing/2014/main" id="{4970511A-6A46-4EAA-A489-A3755950C1B8}"/>
+              </a:ext>
+            </a:extLst>
+          </p:cNvPr>
+          <p:cNvSpPr/>
+          <p:nvPr/>
+        </p:nvSpPr>
+        <p:spPr>
+          <a:xfrm>
+            <a:off x="2685189" y="5325531"/>
+            <a:ext cx="1464733" cy="1464733"/>
+          </a:xfrm>
+          <a:prstGeom prst="ellipse">
+            <a:avLst/>
+          </a:prstGeom>
+        </p:spPr>
+        <p:style>
+          <a:lnRef idx="2">
+            <a:schemeClr val="dk1"/>
+          </a:lnRef>
+          <a:fillRef idx="1">
+            <a:schemeClr val="lt1"/>
+          </a:fillRef>
+          <a:effectRef idx="0">
+            <a:schemeClr val="dk1"/>
+          </a:effectRef>
+          <a:fontRef idx="minor">
+            <a:schemeClr val="dk1"/>
+          </a:fontRef>
+        </p:style>
+        <p:txBody>
+          <a:bodyPr rtlCol="0" anchor="ctr"/>
+          <a:lstStyle/>
+          <a:p>
+            <a:r>
+              <a:rPr lang="en-US" altLang="zh-CN" b="0" dirty="0">
+                <a:solidFill>
+                  <a:srgbClr val="4FC1FF"/>
+                </a:solidFill>
+                <a:effectLst/>
+                <a:latin typeface="Consolas" panose="020B0609020204030204" pitchFamily="49" charset="0"/>
+              </a:rPr>
+              <a:t>STATE_UNDELETED</a:t>
+            </a:r>
+            <a:endParaRPr lang="en-US" altLang="zh-CN" b="0" dirty="0">
+              <a:solidFill>
+                <a:srgbClr val="D4D4D4"/>
+              </a:solidFill>
+              <a:effectLst/>
+              <a:latin typeface="Consolas" panose="020B0609020204030204" pitchFamily="49" charset="0"/>
+            </a:endParaRPr>
+          </a:p>
+        </p:txBody>
+      </p:sp>
+      <p:cxnSp>
+        <p:nvCxnSpPr>
+          <p:cNvPr id="60" name="直接箭头连接符 59">
+            <a:extLst>
+              <a:ext uri="{FF2B5EF4-FFF2-40B4-BE49-F238E27FC236}">
+                <a16:creationId xmlns:a16="http://schemas.microsoft.com/office/drawing/2014/main" id="{4162BDC4-8AF0-44DB-9274-558A1F554B51}"/>
+              </a:ext>
+            </a:extLst>
+          </p:cNvPr>
+          <p:cNvCxnSpPr>
+            <a:cxnSpLocks/>
+            <a:stCxn id="5" idx="3"/>
+            <a:endCxn id="59" idx="7"/>
+          </p:cNvCxnSpPr>
+          <p:nvPr/>
+        </p:nvCxnSpPr>
+        <p:spPr>
+          <a:xfrm flipH="1">
+            <a:off x="3935417" y="4484498"/>
+            <a:ext cx="1654151" cy="1055538"/>
+          </a:xfrm>
+          <a:prstGeom prst="straightConnector1">
+            <a:avLst/>
+          </a:prstGeom>
+          <a:ln>
+            <a:tailEnd type="triangle"/>
+          </a:ln>
+        </p:spPr>
+        <p:style>
+          <a:lnRef idx="1">
+            <a:schemeClr val="accent1"/>
+          </a:lnRef>
+          <a:fillRef idx="0">
+            <a:schemeClr val="accent1"/>
+          </a:fillRef>
+          <a:effectRef idx="0">
+            <a:schemeClr val="accent1"/>
+          </a:effectRef>
+          <a:fontRef idx="minor">
+            <a:schemeClr val="tx1"/>
+          </a:fontRef>
+        </p:style>
+      </p:cxnSp>
+      <p:sp>
+        <p:nvSpPr>
+          <p:cNvPr id="37" name="文本框 36">
+            <a:extLst>
+              <a:ext uri="{FF2B5EF4-FFF2-40B4-BE49-F238E27FC236}">
+                <a16:creationId xmlns:a16="http://schemas.microsoft.com/office/drawing/2014/main" id="{8CC9A367-58C1-4579-A414-84F1FE67ACB0}"/>
+              </a:ext>
+            </a:extLst>
+          </p:cNvPr>
+          <p:cNvSpPr txBox="1"/>
+          <p:nvPr/>
+        </p:nvSpPr>
+        <p:spPr>
+          <a:xfrm flipH="1">
+            <a:off x="4260251" y="2352121"/>
+            <a:ext cx="2046326" cy="738664"/>
+          </a:xfrm>
+          <a:prstGeom prst="rect">
+            <a:avLst/>
+          </a:prstGeom>
+          <a:noFill/>
+        </p:spPr>
+        <p:txBody>
+          <a:bodyPr wrap="square" rtlCol="0">
+            <a:spAutoFit/>
+          </a:bodyPr>
+          <a:lstStyle/>
+          <a:p>
+            <a:r>
+              <a:rPr lang="en-US" altLang="zh-CN" sz="1400" dirty="0"/>
+              <a:t>(1)regulator</a:t>
+            </a:r>
+            <a:r>
+              <a:rPr lang="zh-CN" altLang="en-US" sz="1400" dirty="0"/>
+              <a:t>重新添加</a:t>
+            </a:r>
+            <a:r>
+              <a:rPr lang="en-US" altLang="zh-CN" sz="1400" dirty="0"/>
+              <a:t>SFCI:</a:t>
+            </a:r>
+            <a:r>
+              <a:rPr lang="zh-CN" altLang="en-US" sz="1400" dirty="0"/>
+              <a:t>成功</a:t>
+            </a:r>
+            <a:r>
+              <a:rPr lang="en-US" altLang="zh-CN" sz="1400" dirty="0"/>
+              <a:t>;</a:t>
+            </a:r>
+          </a:p>
+          <a:p>
+            <a:r>
+              <a:rPr lang="en-US" altLang="zh-CN" sz="1400" dirty="0"/>
+              <a:t>(2)</a:t>
+            </a:r>
+            <a:r>
+              <a:rPr lang="zh-CN" altLang="en-US" sz="1400" dirty="0"/>
+              <a:t>人工重新添加</a:t>
+            </a:r>
+            <a:r>
+              <a:rPr lang="en-US" altLang="zh-CN" sz="1400" dirty="0"/>
+              <a:t>:</a:t>
+            </a:r>
+            <a:r>
+              <a:rPr lang="zh-CN" altLang="en-US" sz="1400" dirty="0"/>
+              <a:t>成功</a:t>
+            </a:r>
+            <a:r>
+              <a:rPr lang="en-US" altLang="zh-CN" sz="1400" dirty="0"/>
+              <a:t>;</a:t>
+            </a:r>
+          </a:p>
+        </p:txBody>
+      </p:sp>
+      <p:sp>
+        <p:nvSpPr>
+          <p:cNvPr id="41" name="文本框 40">
+            <a:extLst>
+              <a:ext uri="{FF2B5EF4-FFF2-40B4-BE49-F238E27FC236}">
+                <a16:creationId xmlns:a16="http://schemas.microsoft.com/office/drawing/2014/main" id="{8FD4887A-0728-4DB3-A308-60C70ABFC813}"/>
+              </a:ext>
+            </a:extLst>
+          </p:cNvPr>
+          <p:cNvSpPr txBox="1"/>
+          <p:nvPr/>
+        </p:nvSpPr>
+        <p:spPr>
+          <a:xfrm flipH="1">
+            <a:off x="2726041" y="2796063"/>
+            <a:ext cx="1605281" cy="307777"/>
+          </a:xfrm>
+          <a:prstGeom prst="rect">
+            <a:avLst/>
+          </a:prstGeom>
+          <a:noFill/>
+        </p:spPr>
+        <p:txBody>
+          <a:bodyPr wrap="square" rtlCol="0">
+            <a:spAutoFit/>
+          </a:bodyPr>
+          <a:lstStyle/>
+          <a:p>
+            <a:r>
+              <a:rPr lang="zh-CN" altLang="en-US" sz="1400" dirty="0"/>
+              <a:t>添加</a:t>
+            </a:r>
+            <a:r>
+              <a:rPr lang="en-US" altLang="zh-CN" sz="1400" dirty="0"/>
+              <a:t>SFCI:</a:t>
+            </a:r>
+            <a:r>
+              <a:rPr lang="zh-CN" altLang="en-US" sz="1400" dirty="0"/>
+              <a:t>失败</a:t>
+            </a:r>
+            <a:endParaRPr lang="en-US" altLang="zh-CN" sz="1400" dirty="0"/>
+          </a:p>
+        </p:txBody>
+      </p:sp>
+      <p:cxnSp>
+        <p:nvCxnSpPr>
+          <p:cNvPr id="47" name="直接箭头连接符 46">
+            <a:extLst>
+              <a:ext uri="{FF2B5EF4-FFF2-40B4-BE49-F238E27FC236}">
+                <a16:creationId xmlns:a16="http://schemas.microsoft.com/office/drawing/2014/main" id="{5F074170-A4BE-418F-B322-46E6E9C5BA66}"/>
+              </a:ext>
+            </a:extLst>
+          </p:cNvPr>
+          <p:cNvCxnSpPr>
+            <a:cxnSpLocks/>
+            <a:stCxn id="59" idx="6"/>
+            <a:endCxn id="7" idx="2"/>
+          </p:cNvCxnSpPr>
+          <p:nvPr/>
+        </p:nvCxnSpPr>
+        <p:spPr>
+          <a:xfrm>
+            <a:off x="4149922" y="6057898"/>
+            <a:ext cx="1225141" cy="0"/>
+          </a:xfrm>
+          <a:prstGeom prst="straightConnector1">
+            <a:avLst/>
+          </a:prstGeom>
+          <a:ln>
+            <a:tailEnd type="triangle"/>
+          </a:ln>
+        </p:spPr>
+        <p:style>
+          <a:lnRef idx="1">
+            <a:schemeClr val="accent1"/>
+          </a:lnRef>
+          <a:fillRef idx="0">
+            <a:schemeClr val="accent1"/>
+          </a:fillRef>
+          <a:effectRef idx="0">
+            <a:schemeClr val="accent1"/>
+          </a:effectRef>
+          <a:fontRef idx="minor">
+            <a:schemeClr val="tx1"/>
+          </a:fontRef>
+        </p:style>
+      </p:cxnSp>
+      <p:sp>
+        <p:nvSpPr>
+          <p:cNvPr id="52" name="文本框 51">
+            <a:extLst>
+              <a:ext uri="{FF2B5EF4-FFF2-40B4-BE49-F238E27FC236}">
+                <a16:creationId xmlns:a16="http://schemas.microsoft.com/office/drawing/2014/main" id="{952AD910-4747-4FD0-AFA6-C7C3484266B6}"/>
+              </a:ext>
+            </a:extLst>
+          </p:cNvPr>
+          <p:cNvSpPr txBox="1"/>
+          <p:nvPr/>
+        </p:nvSpPr>
+        <p:spPr>
+          <a:xfrm>
+            <a:off x="3978472" y="5766134"/>
+            <a:ext cx="1633516" cy="523220"/>
+          </a:xfrm>
+          <a:prstGeom prst="rect">
+            <a:avLst/>
+          </a:prstGeom>
+          <a:noFill/>
+        </p:spPr>
+        <p:txBody>
+          <a:bodyPr wrap="square">
+            <a:spAutoFit/>
+          </a:bodyPr>
+          <a:lstStyle/>
+          <a:p>
+            <a:r>
+              <a:rPr lang="en-US" altLang="zh-CN" sz="1400" dirty="0"/>
+              <a:t>regulator</a:t>
+            </a:r>
+            <a:r>
+              <a:rPr lang="zh-CN" altLang="en-US" sz="1400" dirty="0"/>
+              <a:t>重新删除</a:t>
+            </a:r>
+            <a:r>
+              <a:rPr lang="en-US" altLang="zh-CN" sz="1400" dirty="0"/>
+              <a:t>:</a:t>
+            </a:r>
+            <a:r>
+              <a:rPr lang="zh-CN" altLang="en-US" sz="1400" dirty="0"/>
+              <a:t>成功</a:t>
+            </a:r>
+          </a:p>
+        </p:txBody>
+      </p:sp>
+      <p:sp>
+        <p:nvSpPr>
+          <p:cNvPr id="53" name="文本框 52">
+            <a:extLst>
+              <a:ext uri="{FF2B5EF4-FFF2-40B4-BE49-F238E27FC236}">
+                <a16:creationId xmlns:a16="http://schemas.microsoft.com/office/drawing/2014/main" id="{3489DD68-E8EA-415C-8BE4-8088B8EE36F9}"/>
+              </a:ext>
+            </a:extLst>
+          </p:cNvPr>
+          <p:cNvSpPr txBox="1"/>
+          <p:nvPr/>
+        </p:nvSpPr>
+        <p:spPr>
+          <a:xfrm flipH="1">
+            <a:off x="3484801" y="5270475"/>
+            <a:ext cx="1605281" cy="307777"/>
+          </a:xfrm>
+          <a:prstGeom prst="rect">
+            <a:avLst/>
+          </a:prstGeom>
+          <a:noFill/>
+        </p:spPr>
+        <p:txBody>
+          <a:bodyPr wrap="square" rtlCol="0">
+            <a:spAutoFit/>
+          </a:bodyPr>
+          <a:lstStyle/>
+          <a:p>
+            <a:r>
+              <a:rPr lang="zh-CN" altLang="en-US" sz="1400" dirty="0"/>
+              <a:t>删除</a:t>
+            </a:r>
+            <a:r>
+              <a:rPr lang="en-US" altLang="zh-CN" sz="1400" dirty="0"/>
+              <a:t>SFCI:</a:t>
+            </a:r>
+            <a:r>
+              <a:rPr lang="zh-CN" altLang="en-US" sz="1400" dirty="0"/>
+              <a:t>失败</a:t>
+            </a:r>
+          </a:p>
+        </p:txBody>
+      </p:sp>
+      <p:sp>
+        <p:nvSpPr>
+          <p:cNvPr id="54" name="椭圆 53">
+            <a:extLst>
+              <a:ext uri="{FF2B5EF4-FFF2-40B4-BE49-F238E27FC236}">
+                <a16:creationId xmlns:a16="http://schemas.microsoft.com/office/drawing/2014/main" id="{B1B663D6-8C77-4A4D-B43F-BC23EB93243E}"/>
+              </a:ext>
+            </a:extLst>
+          </p:cNvPr>
+          <p:cNvSpPr/>
+          <p:nvPr/>
+        </p:nvSpPr>
+        <p:spPr>
+          <a:xfrm>
+            <a:off x="2623391" y="3234270"/>
+            <a:ext cx="1464733" cy="1464733"/>
+          </a:xfrm>
+          <a:prstGeom prst="ellipse">
+            <a:avLst/>
+          </a:prstGeom>
+        </p:spPr>
+        <p:style>
+          <a:lnRef idx="2">
+            <a:schemeClr val="dk1"/>
+          </a:lnRef>
+          <a:fillRef idx="1">
+            <a:schemeClr val="lt1"/>
+          </a:fillRef>
+          <a:effectRef idx="0">
+            <a:schemeClr val="dk1"/>
+          </a:effectRef>
+          <a:fontRef idx="minor">
+            <a:schemeClr val="dk1"/>
+          </a:fontRef>
+        </p:style>
+        <p:txBody>
+          <a:bodyPr rtlCol="0" anchor="ctr"/>
+          <a:lstStyle/>
+          <a:p>
+            <a:r>
+              <a:rPr lang="en-US" altLang="zh-CN" dirty="0">
+                <a:solidFill>
+                  <a:srgbClr val="4FC1FF"/>
+                </a:solidFill>
+                <a:latin typeface="Consolas" panose="020B0609020204030204" pitchFamily="49" charset="0"/>
+              </a:rPr>
+              <a:t>STATE_</a:t>
+            </a:r>
+          </a:p>
+          <a:p>
+            <a:r>
+              <a:rPr lang="en-US" altLang="zh-CN" dirty="0">
+                <a:solidFill>
+                  <a:srgbClr val="4FC1FF"/>
+                </a:solidFill>
+                <a:latin typeface="Consolas" panose="020B0609020204030204" pitchFamily="49" charset="0"/>
+              </a:rPr>
+              <a:t>IN_</a:t>
+            </a:r>
+          </a:p>
+          <a:p>
+            <a:r>
+              <a:rPr lang="en-US" altLang="zh-CN" dirty="0">
+                <a:solidFill>
+                  <a:srgbClr val="4FC1FF"/>
+                </a:solidFill>
+                <a:latin typeface="Consolas" panose="020B0609020204030204" pitchFamily="49" charset="0"/>
+              </a:rPr>
+              <a:t>PROCESSING</a:t>
+            </a:r>
+          </a:p>
+        </p:txBody>
+      </p:sp>
+      <p:sp>
+        <p:nvSpPr>
+          <p:cNvPr id="55" name="椭圆 54">
+            <a:extLst>
+              <a:ext uri="{FF2B5EF4-FFF2-40B4-BE49-F238E27FC236}">
+                <a16:creationId xmlns:a16="http://schemas.microsoft.com/office/drawing/2014/main" id="{86E75F04-E162-4218-B980-675EB3711A23}"/>
+              </a:ext>
+            </a:extLst>
+          </p:cNvPr>
+          <p:cNvSpPr/>
+          <p:nvPr/>
+        </p:nvSpPr>
+        <p:spPr>
+          <a:xfrm>
+            <a:off x="2625195" y="3234270"/>
+            <a:ext cx="1464733" cy="1464733"/>
+          </a:xfrm>
+          <a:prstGeom prst="ellipse">
+            <a:avLst/>
+          </a:prstGeom>
+          <a:solidFill>
+            <a:schemeClr val="bg1">
+              <a:lumMod val="85000"/>
+            </a:schemeClr>
+          </a:solidFill>
+        </p:spPr>
+        <p:style>
+          <a:lnRef idx="2">
+            <a:schemeClr val="dk1"/>
+          </a:lnRef>
+          <a:fillRef idx="1">
+            <a:schemeClr val="lt1"/>
+          </a:fillRef>
+          <a:effectRef idx="0">
+            <a:schemeClr val="dk1"/>
+          </a:effectRef>
+          <a:fontRef idx="minor">
+            <a:schemeClr val="dk1"/>
+          </a:fontRef>
+        </p:style>
+        <p:txBody>
+          <a:bodyPr rtlCol="0" anchor="ctr"/>
+          <a:lstStyle/>
+          <a:p>
+            <a:r>
+              <a:rPr lang="en-US" altLang="zh-CN" dirty="0">
+                <a:solidFill>
+                  <a:srgbClr val="4FC1FF"/>
+                </a:solidFill>
+                <a:latin typeface="Consolas" panose="020B0609020204030204" pitchFamily="49" charset="0"/>
+              </a:rPr>
+              <a:t>STATE_</a:t>
+            </a:r>
+          </a:p>
+          <a:p>
+            <a:r>
+              <a:rPr lang="en-US" altLang="zh-CN" dirty="0">
+                <a:solidFill>
+                  <a:srgbClr val="4FC1FF"/>
+                </a:solidFill>
+                <a:latin typeface="Consolas" panose="020B0609020204030204" pitchFamily="49" charset="0"/>
+              </a:rPr>
+              <a:t>IN_</a:t>
+            </a:r>
+          </a:p>
+          <a:p>
+            <a:r>
+              <a:rPr lang="en-US" altLang="zh-CN">
+                <a:solidFill>
+                  <a:srgbClr val="4FC1FF"/>
+                </a:solidFill>
+                <a:latin typeface="Consolas" panose="020B0609020204030204" pitchFamily="49" charset="0"/>
+              </a:rPr>
+              <a:t>PROCESSING</a:t>
+            </a:r>
+            <a:endParaRPr lang="en-US" altLang="zh-CN" dirty="0">
+              <a:solidFill>
+                <a:srgbClr val="4FC1FF"/>
+              </a:solidFill>
+              <a:latin typeface="Consolas" panose="020B0609020204030204" pitchFamily="49" charset="0"/>
+            </a:endParaRPr>
+          </a:p>
+        </p:txBody>
+      </p:sp>
+      <p:cxnSp>
+        <p:nvCxnSpPr>
+          <p:cNvPr id="57" name="直接箭头连接符 56">
+            <a:extLst>
+              <a:ext uri="{FF2B5EF4-FFF2-40B4-BE49-F238E27FC236}">
+                <a16:creationId xmlns:a16="http://schemas.microsoft.com/office/drawing/2014/main" id="{EF914A12-A58F-465B-B097-C272BC92B1C9}"/>
+              </a:ext>
+            </a:extLst>
+          </p:cNvPr>
+          <p:cNvCxnSpPr>
+            <a:cxnSpLocks/>
+            <a:stCxn id="6" idx="5"/>
+            <a:endCxn id="5" idx="1"/>
+          </p:cNvCxnSpPr>
+          <p:nvPr/>
+        </p:nvCxnSpPr>
+        <p:spPr>
+          <a:xfrm>
+            <a:off x="3865142" y="2342094"/>
+            <a:ext cx="1724426" cy="1106681"/>
+          </a:xfrm>
+          <a:prstGeom prst="straightConnector1">
+            <a:avLst/>
+          </a:prstGeom>
+          <a:ln>
+            <a:tailEnd type="triangle"/>
+          </a:ln>
+        </p:spPr>
+        <p:style>
+          <a:lnRef idx="1">
+            <a:schemeClr val="accent1"/>
+          </a:lnRef>
+          <a:fillRef idx="0">
+            <a:schemeClr val="accent1"/>
+          </a:fillRef>
+          <a:effectRef idx="0">
+            <a:schemeClr val="accent1"/>
+          </a:effectRef>
+          <a:fontRef idx="minor">
+            <a:schemeClr val="tx1"/>
+          </a:fontRef>
+        </p:style>
+      </p:cxnSp>
+      <p:sp>
+        <p:nvSpPr>
+          <p:cNvPr id="61" name="弧形 60">
+            <a:extLst>
+              <a:ext uri="{FF2B5EF4-FFF2-40B4-BE49-F238E27FC236}">
+                <a16:creationId xmlns:a16="http://schemas.microsoft.com/office/drawing/2014/main" id="{39B0A8EC-088A-471F-B5AB-C26E267AF3B1}"/>
+              </a:ext>
+            </a:extLst>
+          </p:cNvPr>
+          <p:cNvSpPr/>
+          <p:nvPr/>
+        </p:nvSpPr>
+        <p:spPr>
+          <a:xfrm rot="19723631">
+            <a:off x="2408431" y="6144630"/>
+            <a:ext cx="294579" cy="289448"/>
+          </a:xfrm>
+          <a:prstGeom prst="arc">
+            <a:avLst>
+              <a:gd name="adj1" fmla="val 2029203"/>
+              <a:gd name="adj2" fmla="val 21400841"/>
+            </a:avLst>
+          </a:prstGeom>
+          <a:ln>
+            <a:headEnd type="triangle"/>
+          </a:ln>
+        </p:spPr>
+        <p:style>
+          <a:lnRef idx="1">
+            <a:schemeClr val="accent1"/>
+          </a:lnRef>
+          <a:fillRef idx="0">
+            <a:schemeClr val="accent1"/>
+          </a:fillRef>
+          <a:effectRef idx="0">
+            <a:schemeClr val="accent1"/>
+          </a:effectRef>
+          <a:fontRef idx="minor">
+            <a:schemeClr val="tx1"/>
+          </a:fontRef>
+        </p:style>
+        <p:txBody>
+          <a:bodyPr rtlCol="0" anchor="ctr"/>
+          <a:lstStyle/>
+          <a:p>
+            <a:pPr algn="ctr"/>
+            <a:endParaRPr lang="zh-CN" altLang="en-US" dirty="0"/>
+          </a:p>
+        </p:txBody>
+      </p:sp>
+      <p:sp>
+        <p:nvSpPr>
+          <p:cNvPr id="62" name="文本框 61">
+            <a:extLst>
+              <a:ext uri="{FF2B5EF4-FFF2-40B4-BE49-F238E27FC236}">
+                <a16:creationId xmlns:a16="http://schemas.microsoft.com/office/drawing/2014/main" id="{F7EBDD76-AA10-4EAD-A672-F72D4111EBA3}"/>
+              </a:ext>
+            </a:extLst>
+          </p:cNvPr>
+          <p:cNvSpPr txBox="1"/>
+          <p:nvPr/>
+        </p:nvSpPr>
+        <p:spPr>
+          <a:xfrm>
+            <a:off x="1512782" y="5957302"/>
+            <a:ext cx="1633516" cy="523220"/>
+          </a:xfrm>
+          <a:prstGeom prst="rect">
+            <a:avLst/>
+          </a:prstGeom>
+          <a:noFill/>
+        </p:spPr>
+        <p:txBody>
+          <a:bodyPr wrap="square">
+            <a:spAutoFit/>
+          </a:bodyPr>
+          <a:lstStyle/>
+          <a:p>
+            <a:r>
+              <a:rPr lang="en-US" altLang="zh-CN" sz="1400" dirty="0"/>
+              <a:t>regulator</a:t>
+            </a:r>
+            <a:r>
+              <a:rPr lang="zh-CN" altLang="en-US" sz="1400" dirty="0"/>
+              <a:t>重新删除</a:t>
+            </a:r>
+            <a:r>
+              <a:rPr lang="en-US" altLang="zh-CN" sz="1400" dirty="0"/>
+              <a:t>:</a:t>
+            </a:r>
+            <a:r>
+              <a:rPr lang="zh-CN" altLang="en-US" sz="1400" dirty="0"/>
+              <a:t>失败</a:t>
+            </a:r>
+          </a:p>
+        </p:txBody>
+      </p:sp>
+      <p:sp>
+        <p:nvSpPr>
+          <p:cNvPr id="64" name="弧形 63">
+            <a:extLst>
+              <a:ext uri="{FF2B5EF4-FFF2-40B4-BE49-F238E27FC236}">
+                <a16:creationId xmlns:a16="http://schemas.microsoft.com/office/drawing/2014/main" id="{760008CE-F3EC-47AA-AB6D-80CE3DC7430A}"/>
+              </a:ext>
+            </a:extLst>
+          </p:cNvPr>
+          <p:cNvSpPr/>
+          <p:nvPr/>
+        </p:nvSpPr>
+        <p:spPr>
+          <a:xfrm rot="19723631">
+            <a:off x="2355315" y="1881751"/>
+            <a:ext cx="294579" cy="289448"/>
+          </a:xfrm>
+          <a:prstGeom prst="arc">
+            <a:avLst>
+              <a:gd name="adj1" fmla="val 2029203"/>
+              <a:gd name="adj2" fmla="val 21400841"/>
+            </a:avLst>
+          </a:prstGeom>
+          <a:ln>
+            <a:headEnd type="triangle"/>
+          </a:ln>
+        </p:spPr>
+        <p:style>
+          <a:lnRef idx="1">
+            <a:schemeClr val="accent1"/>
+          </a:lnRef>
+          <a:fillRef idx="0">
+            <a:schemeClr val="accent1"/>
+          </a:fillRef>
+          <a:effectRef idx="0">
+            <a:schemeClr val="accent1"/>
+          </a:effectRef>
+          <a:fontRef idx="minor">
+            <a:schemeClr val="tx1"/>
+          </a:fontRef>
+        </p:style>
+        <p:txBody>
+          <a:bodyPr rtlCol="0" anchor="ctr"/>
+          <a:lstStyle/>
+          <a:p>
+            <a:pPr algn="ctr"/>
+            <a:endParaRPr lang="zh-CN" altLang="en-US" dirty="0"/>
+          </a:p>
+        </p:txBody>
+      </p:sp>
+      <p:sp>
+        <p:nvSpPr>
+          <p:cNvPr id="65" name="文本框 64">
+            <a:extLst>
+              <a:ext uri="{FF2B5EF4-FFF2-40B4-BE49-F238E27FC236}">
+                <a16:creationId xmlns:a16="http://schemas.microsoft.com/office/drawing/2014/main" id="{023040C0-19AE-4BB6-8FE5-C5BB4CC14F97}"/>
+              </a:ext>
+            </a:extLst>
+          </p:cNvPr>
+          <p:cNvSpPr txBox="1"/>
+          <p:nvPr/>
+        </p:nvSpPr>
+        <p:spPr>
+          <a:xfrm flipH="1">
+            <a:off x="387984" y="1682518"/>
+            <a:ext cx="2758314" cy="523220"/>
+          </a:xfrm>
+          <a:prstGeom prst="rect">
+            <a:avLst/>
+          </a:prstGeom>
+          <a:noFill/>
+        </p:spPr>
+        <p:txBody>
+          <a:bodyPr wrap="square" rtlCol="0">
+            <a:spAutoFit/>
+          </a:bodyPr>
+          <a:lstStyle/>
+          <a:p>
+            <a:r>
+              <a:rPr lang="en-US" altLang="zh-CN" sz="1400" dirty="0"/>
+              <a:t>(1)regulator</a:t>
+            </a:r>
+            <a:r>
+              <a:rPr lang="zh-CN" altLang="en-US" sz="1400" dirty="0"/>
+              <a:t>重新添加</a:t>
+            </a:r>
+            <a:r>
+              <a:rPr lang="en-US" altLang="zh-CN" sz="1400" dirty="0"/>
+              <a:t>SFCI:</a:t>
+            </a:r>
+            <a:r>
+              <a:rPr lang="zh-CN" altLang="en-US" sz="1400" dirty="0"/>
+              <a:t>失败</a:t>
+            </a:r>
+            <a:r>
+              <a:rPr lang="en-US" altLang="zh-CN" sz="1400" dirty="0"/>
+              <a:t>;</a:t>
+            </a:r>
+          </a:p>
+          <a:p>
+            <a:r>
+              <a:rPr lang="en-US" altLang="zh-CN" sz="1400" dirty="0"/>
+              <a:t>(2)</a:t>
+            </a:r>
+            <a:r>
+              <a:rPr lang="zh-CN" altLang="en-US" sz="1400" dirty="0"/>
+              <a:t>手动重新添加</a:t>
+            </a:r>
+            <a:r>
+              <a:rPr lang="en-US" altLang="zh-CN" sz="1400" dirty="0"/>
+              <a:t>:</a:t>
+            </a:r>
+            <a:r>
+              <a:rPr lang="zh-CN" altLang="en-US" sz="1400" dirty="0"/>
+              <a:t>失败</a:t>
+            </a:r>
+            <a:r>
+              <a:rPr lang="en-US" altLang="zh-CN" sz="1400" dirty="0"/>
+              <a:t>;</a:t>
+            </a:r>
+          </a:p>
+        </p:txBody>
+      </p:sp>
+      <p:sp>
+        <p:nvSpPr>
+          <p:cNvPr id="73" name="椭圆 72">
+            <a:extLst>
+              <a:ext uri="{FF2B5EF4-FFF2-40B4-BE49-F238E27FC236}">
+                <a16:creationId xmlns:a16="http://schemas.microsoft.com/office/drawing/2014/main" id="{C9C6BB99-6E5D-4018-B858-0870EAA0346B}"/>
+              </a:ext>
+            </a:extLst>
+          </p:cNvPr>
+          <p:cNvSpPr/>
+          <p:nvPr/>
+        </p:nvSpPr>
+        <p:spPr>
+          <a:xfrm>
+            <a:off x="8211607" y="3234269"/>
+            <a:ext cx="1464733" cy="1464733"/>
+          </a:xfrm>
+          <a:prstGeom prst="ellipse">
+            <a:avLst/>
+          </a:prstGeom>
+        </p:spPr>
+        <p:style>
+          <a:lnRef idx="2">
+            <a:schemeClr val="dk1"/>
+          </a:lnRef>
+          <a:fillRef idx="1">
+            <a:schemeClr val="lt1"/>
+          </a:fillRef>
+          <a:effectRef idx="0">
+            <a:schemeClr val="dk1"/>
+          </a:effectRef>
+          <a:fontRef idx="minor">
+            <a:schemeClr val="dk1"/>
+          </a:fontRef>
+        </p:style>
+        <p:txBody>
+          <a:bodyPr rtlCol="0" anchor="ctr"/>
+          <a:lstStyle/>
+          <a:p>
+            <a:r>
+              <a:rPr lang="en-US" altLang="zh-CN" b="0" dirty="0">
+                <a:solidFill>
+                  <a:srgbClr val="4FC1FF"/>
+                </a:solidFill>
+                <a:effectLst/>
+                <a:latin typeface="Consolas" panose="020B0609020204030204" pitchFamily="49" charset="0"/>
+              </a:rPr>
+              <a:t>STATE_INACTIVE</a:t>
+            </a:r>
+            <a:endParaRPr lang="en-US" altLang="zh-CN" b="0" dirty="0">
+              <a:solidFill>
+                <a:srgbClr val="D4D4D4"/>
+              </a:solidFill>
+              <a:effectLst/>
+              <a:latin typeface="Consolas" panose="020B0609020204030204" pitchFamily="49" charset="0"/>
+            </a:endParaRPr>
+          </a:p>
+        </p:txBody>
+      </p:sp>
+      <p:cxnSp>
+        <p:nvCxnSpPr>
+          <p:cNvPr id="74" name="直接箭头连接符 73">
+            <a:extLst>
+              <a:ext uri="{FF2B5EF4-FFF2-40B4-BE49-F238E27FC236}">
+                <a16:creationId xmlns:a16="http://schemas.microsoft.com/office/drawing/2014/main" id="{54A5BB5B-D40D-4DC8-84E1-DED987A1EAA5}"/>
+              </a:ext>
+            </a:extLst>
+          </p:cNvPr>
+          <p:cNvCxnSpPr>
+            <a:cxnSpLocks/>
+            <a:stCxn id="5" idx="6"/>
+            <a:endCxn id="73" idx="2"/>
+          </p:cNvCxnSpPr>
+          <p:nvPr/>
+        </p:nvCxnSpPr>
+        <p:spPr>
+          <a:xfrm flipV="1">
+            <a:off x="6839796" y="3966636"/>
+            <a:ext cx="1371811" cy="1"/>
+          </a:xfrm>
+          <a:prstGeom prst="straightConnector1">
+            <a:avLst/>
+          </a:prstGeom>
+          <a:ln>
+            <a:tailEnd type="triangle"/>
+          </a:ln>
+        </p:spPr>
+        <p:style>
+          <a:lnRef idx="1">
+            <a:schemeClr val="accent1"/>
+          </a:lnRef>
+          <a:fillRef idx="0">
+            <a:schemeClr val="accent1"/>
+          </a:fillRef>
+          <a:effectRef idx="0">
+            <a:schemeClr val="accent1"/>
+          </a:effectRef>
+          <a:fontRef idx="minor">
+            <a:schemeClr val="tx1"/>
+          </a:fontRef>
+        </p:style>
+      </p:cxnSp>
+      <p:sp>
+        <p:nvSpPr>
+          <p:cNvPr id="77" name="文本框 76">
+            <a:extLst>
+              <a:ext uri="{FF2B5EF4-FFF2-40B4-BE49-F238E27FC236}">
+                <a16:creationId xmlns:a16="http://schemas.microsoft.com/office/drawing/2014/main" id="{DB4785A3-3AA8-4BF8-AD04-DD2537554B49}"/>
+              </a:ext>
+            </a:extLst>
+          </p:cNvPr>
+          <p:cNvSpPr txBox="1"/>
+          <p:nvPr/>
+        </p:nvSpPr>
+        <p:spPr>
+          <a:xfrm flipH="1">
+            <a:off x="6839796" y="3576572"/>
+            <a:ext cx="1605281" cy="307777"/>
+          </a:xfrm>
+          <a:prstGeom prst="rect">
+            <a:avLst/>
+          </a:prstGeom>
+          <a:noFill/>
+        </p:spPr>
+        <p:txBody>
+          <a:bodyPr wrap="square" rtlCol="0">
+            <a:spAutoFit/>
+          </a:bodyPr>
+          <a:lstStyle/>
+          <a:p>
+            <a:r>
+              <a:rPr lang="zh-CN" altLang="en-US" sz="1400" dirty="0"/>
+              <a:t>检测到</a:t>
+            </a:r>
+            <a:r>
+              <a:rPr lang="en-US" altLang="zh-CN" sz="1400" dirty="0"/>
+              <a:t>SFCI</a:t>
+            </a:r>
+            <a:r>
+              <a:rPr lang="zh-CN" altLang="en-US" sz="1400" dirty="0"/>
+              <a:t>故障</a:t>
+            </a:r>
+            <a:r>
+              <a:rPr lang="en-US" altLang="zh-CN" sz="1400" dirty="0"/>
+              <a:t>:</a:t>
+            </a:r>
+            <a:endParaRPr lang="zh-CN" altLang="en-US" sz="1400" dirty="0"/>
+          </a:p>
+        </p:txBody>
+      </p:sp>
+      <p:cxnSp>
+        <p:nvCxnSpPr>
+          <p:cNvPr id="78" name="直接箭头连接符 77">
+            <a:extLst>
+              <a:ext uri="{FF2B5EF4-FFF2-40B4-BE49-F238E27FC236}">
+                <a16:creationId xmlns:a16="http://schemas.microsoft.com/office/drawing/2014/main" id="{75768A60-9A02-4A81-AB1A-122EFD48E9EA}"/>
+              </a:ext>
+            </a:extLst>
+          </p:cNvPr>
+          <p:cNvCxnSpPr>
+            <a:cxnSpLocks/>
+            <a:stCxn id="7" idx="1"/>
+            <a:endCxn id="55" idx="5"/>
+          </p:cNvCxnSpPr>
+          <p:nvPr/>
+        </p:nvCxnSpPr>
+        <p:spPr>
+          <a:xfrm flipH="1" flipV="1">
+            <a:off x="3875423" y="4484498"/>
+            <a:ext cx="1714145" cy="1055538"/>
+          </a:xfrm>
+          <a:prstGeom prst="straightConnector1">
+            <a:avLst/>
+          </a:prstGeom>
+          <a:ln>
+            <a:tailEnd type="triangle"/>
+          </a:ln>
+        </p:spPr>
+        <p:style>
+          <a:lnRef idx="1">
+            <a:schemeClr val="accent1"/>
+          </a:lnRef>
+          <a:fillRef idx="0">
+            <a:schemeClr val="accent1"/>
+          </a:fillRef>
+          <a:effectRef idx="0">
+            <a:schemeClr val="accent1"/>
+          </a:effectRef>
+          <a:fontRef idx="minor">
+            <a:schemeClr val="tx1"/>
+          </a:fontRef>
+        </p:style>
+      </p:cxnSp>
+      <p:sp>
+        <p:nvSpPr>
+          <p:cNvPr id="82" name="文本框 81">
+            <a:extLst>
+              <a:ext uri="{FF2B5EF4-FFF2-40B4-BE49-F238E27FC236}">
+                <a16:creationId xmlns:a16="http://schemas.microsoft.com/office/drawing/2014/main" id="{6A9F1BA2-3E3A-4040-981A-1D38DEE2B4B4}"/>
+              </a:ext>
+            </a:extLst>
+          </p:cNvPr>
+          <p:cNvSpPr txBox="1"/>
+          <p:nvPr/>
+        </p:nvSpPr>
+        <p:spPr>
+          <a:xfrm flipH="1">
+            <a:off x="3661434" y="4300152"/>
+            <a:ext cx="1724425" cy="738664"/>
+          </a:xfrm>
+          <a:prstGeom prst="rect">
+            <a:avLst/>
+          </a:prstGeom>
+          <a:noFill/>
+        </p:spPr>
+        <p:txBody>
+          <a:bodyPr wrap="square" rtlCol="0">
+            <a:spAutoFit/>
+          </a:bodyPr>
+          <a:lstStyle/>
+          <a:p>
+            <a:r>
+              <a:rPr lang="en-US" altLang="zh-CN" sz="1400" dirty="0"/>
+              <a:t>(1)regulator</a:t>
+            </a:r>
+            <a:r>
+              <a:rPr lang="zh-CN" altLang="en-US" sz="1400" dirty="0"/>
+              <a:t>重新添加</a:t>
+            </a:r>
+            <a:r>
+              <a:rPr lang="en-US" altLang="zh-CN" sz="1400" dirty="0"/>
+              <a:t>SFCI:;</a:t>
+            </a:r>
+          </a:p>
+          <a:p>
+            <a:r>
+              <a:rPr lang="en-US" altLang="zh-CN" sz="1400" dirty="0"/>
+              <a:t>(2)</a:t>
+            </a:r>
+            <a:r>
+              <a:rPr lang="zh-CN" altLang="en-US" sz="1400" dirty="0"/>
+              <a:t>人工重新添加</a:t>
+            </a:r>
+            <a:r>
+              <a:rPr lang="en-US" altLang="zh-CN" sz="1400" dirty="0"/>
+              <a:t>:;</a:t>
+            </a:r>
+          </a:p>
+        </p:txBody>
+      </p:sp>
+      <p:cxnSp>
+        <p:nvCxnSpPr>
+          <p:cNvPr id="86" name="直接箭头连接符 85">
+            <a:extLst>
+              <a:ext uri="{FF2B5EF4-FFF2-40B4-BE49-F238E27FC236}">
+                <a16:creationId xmlns:a16="http://schemas.microsoft.com/office/drawing/2014/main" id="{5D3937A4-13A9-4CF4-B28E-33FF07299CF3}"/>
+              </a:ext>
+            </a:extLst>
+          </p:cNvPr>
+          <p:cNvCxnSpPr>
+            <a:cxnSpLocks/>
+            <a:stCxn id="73" idx="3"/>
+            <a:endCxn id="7" idx="7"/>
+          </p:cNvCxnSpPr>
+          <p:nvPr/>
+        </p:nvCxnSpPr>
+        <p:spPr>
+          <a:xfrm flipH="1">
+            <a:off x="6625291" y="4484497"/>
+            <a:ext cx="1800821" cy="1055539"/>
+          </a:xfrm>
+          <a:prstGeom prst="straightConnector1">
+            <a:avLst/>
+          </a:prstGeom>
+          <a:ln>
+            <a:tailEnd type="triangle"/>
+          </a:ln>
+        </p:spPr>
+        <p:style>
+          <a:lnRef idx="1">
+            <a:schemeClr val="accent1"/>
+          </a:lnRef>
+          <a:fillRef idx="0">
+            <a:schemeClr val="accent1"/>
+          </a:fillRef>
+          <a:effectRef idx="0">
+            <a:schemeClr val="accent1"/>
+          </a:effectRef>
+          <a:fontRef idx="minor">
+            <a:schemeClr val="tx1"/>
+          </a:fontRef>
+        </p:style>
+      </p:cxnSp>
+      <p:sp>
+        <p:nvSpPr>
+          <p:cNvPr id="89" name="文本框 88">
+            <a:extLst>
+              <a:ext uri="{FF2B5EF4-FFF2-40B4-BE49-F238E27FC236}">
+                <a16:creationId xmlns:a16="http://schemas.microsoft.com/office/drawing/2014/main" id="{B841DC99-480B-41B0-B9A2-A2F8B04FE087}"/>
+              </a:ext>
+            </a:extLst>
+          </p:cNvPr>
+          <p:cNvSpPr txBox="1"/>
+          <p:nvPr/>
+        </p:nvSpPr>
+        <p:spPr>
+          <a:xfrm flipH="1">
+            <a:off x="5803557" y="5314843"/>
+            <a:ext cx="1605281" cy="307777"/>
+          </a:xfrm>
+          <a:prstGeom prst="rect">
+            <a:avLst/>
+          </a:prstGeom>
+          <a:noFill/>
+        </p:spPr>
+        <p:txBody>
+          <a:bodyPr wrap="square" rtlCol="0">
+            <a:spAutoFit/>
+          </a:bodyPr>
+          <a:lstStyle/>
+          <a:p>
+            <a:r>
+              <a:rPr lang="zh-CN" altLang="en-US" sz="1400" dirty="0"/>
+              <a:t>删除</a:t>
+            </a:r>
+            <a:r>
+              <a:rPr lang="en-US" altLang="zh-CN" sz="1400" dirty="0"/>
+              <a:t>SFCI:</a:t>
+            </a:r>
+            <a:r>
+              <a:rPr lang="zh-CN" altLang="en-US" sz="1400" dirty="0"/>
+              <a:t>成功</a:t>
+            </a:r>
+          </a:p>
+        </p:txBody>
+      </p:sp>
+      <p:cxnSp>
+        <p:nvCxnSpPr>
+          <p:cNvPr id="90" name="直接箭头连接符 89">
+            <a:extLst>
+              <a:ext uri="{FF2B5EF4-FFF2-40B4-BE49-F238E27FC236}">
+                <a16:creationId xmlns:a16="http://schemas.microsoft.com/office/drawing/2014/main" id="{AE9E619F-50C1-4554-9175-DD7AED7D5890}"/>
+              </a:ext>
+            </a:extLst>
+          </p:cNvPr>
+          <p:cNvCxnSpPr>
+            <a:cxnSpLocks/>
+            <a:stCxn id="73" idx="3"/>
+            <a:endCxn id="59" idx="7"/>
+          </p:cNvCxnSpPr>
+          <p:nvPr/>
+        </p:nvCxnSpPr>
+        <p:spPr>
+          <a:xfrm flipH="1">
+            <a:off x="3935417" y="4484497"/>
+            <a:ext cx="4490695" cy="1055539"/>
+          </a:xfrm>
+          <a:prstGeom prst="straightConnector1">
+            <a:avLst/>
+          </a:prstGeom>
+          <a:ln>
+            <a:tailEnd type="triangle"/>
+          </a:ln>
+        </p:spPr>
+        <p:style>
+          <a:lnRef idx="1">
+            <a:schemeClr val="accent1"/>
+          </a:lnRef>
+          <a:fillRef idx="0">
+            <a:schemeClr val="accent1"/>
+          </a:fillRef>
+          <a:effectRef idx="0">
+            <a:schemeClr val="accent1"/>
+          </a:effectRef>
+          <a:fontRef idx="minor">
+            <a:schemeClr val="tx1"/>
+          </a:fontRef>
+        </p:style>
+      </p:cxnSp>
+      <p:sp>
+        <p:nvSpPr>
+          <p:cNvPr id="94" name="文本框 93">
+            <a:extLst>
+              <a:ext uri="{FF2B5EF4-FFF2-40B4-BE49-F238E27FC236}">
+                <a16:creationId xmlns:a16="http://schemas.microsoft.com/office/drawing/2014/main" id="{E004BE6C-3A71-46FC-AAA2-5ACF04A5ABB5}"/>
+              </a:ext>
+            </a:extLst>
+          </p:cNvPr>
+          <p:cNvSpPr txBox="1"/>
+          <p:nvPr/>
+        </p:nvSpPr>
+        <p:spPr>
+          <a:xfrm flipH="1">
+            <a:off x="6737510" y="4456035"/>
+            <a:ext cx="1605281" cy="307777"/>
+          </a:xfrm>
+          <a:prstGeom prst="rect">
+            <a:avLst/>
+          </a:prstGeom>
+          <a:noFill/>
+        </p:spPr>
+        <p:txBody>
+          <a:bodyPr wrap="square" rtlCol="0">
+            <a:spAutoFit/>
+          </a:bodyPr>
+          <a:lstStyle/>
+          <a:p>
+            <a:r>
+              <a:rPr lang="zh-CN" altLang="en-US" sz="1400" dirty="0"/>
+              <a:t>删除</a:t>
+            </a:r>
+            <a:r>
+              <a:rPr lang="en-US" altLang="zh-CN" sz="1400" dirty="0"/>
+              <a:t>SFCI:</a:t>
+            </a:r>
+            <a:r>
+              <a:rPr lang="zh-CN" altLang="en-US" sz="1400" dirty="0"/>
+              <a:t>失败</a:t>
+            </a:r>
+          </a:p>
+        </p:txBody>
+      </p:sp>
+    </p:spTree>
+    <p:extLst>
+      <p:ext uri="{BB962C8B-B14F-4D97-AF65-F5344CB8AC3E}">
+        <p14:creationId xmlns:p14="http://schemas.microsoft.com/office/powerpoint/2010/main" val="1249369640"/>
+      </p:ext>
+    </p:extLst>
+  </p:cSld>
+  <p:clrMapOvr>
+    <a:masterClrMapping/>
+  </p:clrMapOvr>
+</p:sld>
+</file>
+
 <file path=ppt/theme/theme1.xml><?xml version="1.0" encoding="utf-8"?>
 <a:theme xmlns:a="http://schemas.openxmlformats.org/drawingml/2006/main" name="Office 主题​​">
   <a:themeElements>
@@ -5776,4 +10290,299 @@
     </a:ext>
   </a:extLst>
 </a:theme>
+</file>
+
+<file path=ppt/theme/theme2.xml><?xml version="1.0" encoding="utf-8"?>
+<a:theme xmlns:a="http://schemas.openxmlformats.org/drawingml/2006/main" name="Office 主题​​">
+  <a:themeElements>
+    <a:clrScheme name="Office">
+      <a:dk1>
+        <a:sysClr val="windowText" lastClr="000000"/>
+      </a:dk1>
+      <a:lt1>
+        <a:sysClr val="window" lastClr="FFFFFF"/>
+      </a:lt1>
+      <a:dk2>
+        <a:srgbClr val="44546A"/>
+      </a:dk2>
+      <a:lt2>
+        <a:srgbClr val="E7E6E6"/>
+      </a:lt2>
+      <a:accent1>
+        <a:srgbClr val="4472C4"/>
+      </a:accent1>
+      <a:accent2>
+        <a:srgbClr val="ED7D31"/>
+      </a:accent2>
+      <a:accent3>
+        <a:srgbClr val="A5A5A5"/>
+      </a:accent3>
+      <a:accent4>
+        <a:srgbClr val="FFC000"/>
+      </a:accent4>
+      <a:accent5>
+        <a:srgbClr val="5B9BD5"/>
+      </a:accent5>
+      <a:accent6>
+        <a:srgbClr val="70AD47"/>
+      </a:accent6>
+      <a:hlink>
+        <a:srgbClr val="0563C1"/>
+      </a:hlink>
+      <a:folHlink>
+        <a:srgbClr val="954F72"/>
+      </a:folHlink>
+    </a:clrScheme>
+    <a:fontScheme name="Office">
+      <a:majorFont>
+        <a:latin typeface="等线 Light" panose="020F0302020204030204"/>
+        <a:ea typeface=""/>
+        <a:cs typeface=""/>
+        <a:font script="Jpan" typeface="游ゴシック Light"/>
+        <a:font script="Hang" typeface="맑은 고딕"/>
+        <a:font script="Hans" typeface="等线 Light"/>
+        <a:font script="Hant" typeface="新細明體"/>
+        <a:font script="Arab" typeface="Times New Roman"/>
+        <a:font script="Hebr" typeface="Times New Roman"/>
+        <a:font script="Thai" typeface="Angsana New"/>
+        <a:font script="Ethi" typeface="Nyala"/>
+        <a:font script="Beng" typeface="Vrinda"/>
+        <a:font script="Gujr" typeface="Shruti"/>
+        <a:font script="Khmr" typeface="MoolBoran"/>
+        <a:font script="Knda" typeface="Tunga"/>
+        <a:font script="Guru" typeface="Raavi"/>
+        <a:font script="Cans" typeface="Euphemia"/>
+        <a:font script="Cher" typeface="Plantagenet Cherokee"/>
+        <a:font script="Yiii" typeface="Microsoft Yi Baiti"/>
+        <a:font script="Tibt" typeface="Microsoft Himalaya"/>
+        <a:font script="Thaa" typeface="MV Boli"/>
+        <a:font script="Deva" typeface="Mangal"/>
+        <a:font script="Telu" typeface="Gautami"/>
+        <a:font script="Taml" typeface="Latha"/>
+        <a:font script="Syrc" typeface="Estrangelo Edessa"/>
+        <a:font script="Orya" typeface="Kalinga"/>
+        <a:font script="Mlym" typeface="Kartika"/>
+        <a:font script="Laoo" typeface="DokChampa"/>
+        <a:font script="Sinh" typeface="Iskoola Pota"/>
+        <a:font script="Mong" typeface="Mongolian Baiti"/>
+        <a:font script="Viet" typeface="Times New Roman"/>
+        <a:font script="Uigh" typeface="Microsoft Uighur"/>
+        <a:font script="Geor" typeface="Sylfaen"/>
+        <a:font script="Armn" typeface="Arial"/>
+        <a:font script="Bugi" typeface="Leelawadee UI"/>
+        <a:font script="Bopo" typeface="Microsoft JhengHei"/>
+        <a:font script="Java" typeface="Javanese Text"/>
+        <a:font script="Lisu" typeface="Segoe UI"/>
+        <a:font script="Mymr" typeface="Myanmar Text"/>
+        <a:font script="Nkoo" typeface="Ebrima"/>
+        <a:font script="Olck" typeface="Nirmala UI"/>
+        <a:font script="Osma" typeface="Ebrima"/>
+        <a:font script="Phag" typeface="Phagspa"/>
+        <a:font script="Syrn" typeface="Estrangelo Edessa"/>
+        <a:font script="Syrj" typeface="Estrangelo Edessa"/>
+        <a:font script="Syre" typeface="Estrangelo Edessa"/>
+        <a:font script="Sora" typeface="Nirmala UI"/>
+        <a:font script="Tale" typeface="Microsoft Tai Le"/>
+        <a:font script="Talu" typeface="Microsoft New Tai Lue"/>
+        <a:font script="Tfng" typeface="Ebrima"/>
+      </a:majorFont>
+      <a:minorFont>
+        <a:latin typeface="等线" panose="020F0502020204030204"/>
+        <a:ea typeface=""/>
+        <a:cs typeface=""/>
+        <a:font script="Jpan" typeface="游ゴシック"/>
+        <a:font script="Hang" typeface="맑은 고딕"/>
+        <a:font script="Hans" typeface="等线"/>
+        <a:font script="Hant" typeface="新細明體"/>
+        <a:font script="Arab" typeface="Arial"/>
+        <a:font script="Hebr" typeface="Arial"/>
+        <a:font script="Thai" typeface="Cordia New"/>
+        <a:font script="Ethi" typeface="Nyala"/>
+        <a:font script="Beng" typeface="Vrinda"/>
+        <a:font script="Gujr" typeface="Shruti"/>
+        <a:font script="Khmr" typeface="DaunPenh"/>
+        <a:font script="Knda" typeface="Tunga"/>
+        <a:font script="Guru" typeface="Raavi"/>
+        <a:font script="Cans" typeface="Euphemia"/>
+        <a:font script="Cher" typeface="Plantagenet Cherokee"/>
+        <a:font script="Yiii" typeface="Microsoft Yi Baiti"/>
+        <a:font script="Tibt" typeface="Microsoft Himalaya"/>
+        <a:font script="Thaa" typeface="MV Boli"/>
+        <a:font script="Deva" typeface="Mangal"/>
+        <a:font script="Telu" typeface="Gautami"/>
+        <a:font script="Taml" typeface="Latha"/>
+        <a:font script="Syrc" typeface="Estrangelo Edessa"/>
+        <a:font script="Orya" typeface="Kalinga"/>
+        <a:font script="Mlym" typeface="Kartika"/>
+        <a:font script="Laoo" typeface="DokChampa"/>
+        <a:font script="Sinh" typeface="Iskoola Pota"/>
+        <a:font script="Mong" typeface="Mongolian Baiti"/>
+        <a:font script="Viet" typeface="Arial"/>
+        <a:font script="Uigh" typeface="Microsoft Uighur"/>
+        <a:font script="Geor" typeface="Sylfaen"/>
+        <a:font script="Armn" typeface="Arial"/>
+        <a:font script="Bugi" typeface="Leelawadee UI"/>
+        <a:font script="Bopo" typeface="Microsoft JhengHei"/>
+        <a:font script="Java" typeface="Javanese Text"/>
+        <a:font script="Lisu" typeface="Segoe UI"/>
+        <a:font script="Mymr" typeface="Myanmar Text"/>
+        <a:font script="Nkoo" typeface="Ebrima"/>
+        <a:font script="Olck" typeface="Nirmala UI"/>
+        <a:font script="Osma" typeface="Ebrima"/>
+        <a:font script="Phag" typeface="Phagspa"/>
+        <a:font script="Syrn" typeface="Estrangelo Edessa"/>
+        <a:font script="Syrj" typeface="Estrangelo Edessa"/>
+        <a:font script="Syre" typeface="Estrangelo Edessa"/>
+        <a:font script="Sora" typeface="Nirmala UI"/>
+        <a:font script="Tale" typeface="Microsoft Tai Le"/>
+        <a:font script="Talu" typeface="Microsoft New Tai Lue"/>
+        <a:font script="Tfng" typeface="Ebrima"/>
+      </a:minorFont>
+    </a:fontScheme>
+    <a:fmtScheme name="Office">
+      <a:fillStyleLst>
+        <a:solidFill>
+          <a:schemeClr val="phClr"/>
+        </a:solidFill>
+        <a:gradFill rotWithShape="1">
+          <a:gsLst>
+            <a:gs pos="0">
+              <a:schemeClr val="phClr">
+                <a:lumMod val="110000"/>
+                <a:satMod val="105000"/>
+                <a:tint val="67000"/>
+              </a:schemeClr>
+            </a:gs>
+            <a:gs pos="50000">
+              <a:schemeClr val="phClr">
+                <a:lumMod val="105000"/>
+                <a:satMod val="103000"/>
+                <a:tint val="73000"/>
+              </a:schemeClr>
+            </a:gs>
+            <a:gs pos="100000">
+              <a:schemeClr val="phClr">
+                <a:lumMod val="105000"/>
+                <a:satMod val="109000"/>
+                <a:tint val="81000"/>
+              </a:schemeClr>
+            </a:gs>
+          </a:gsLst>
+          <a:lin ang="5400000" scaled="0"/>
+        </a:gradFill>
+        <a:gradFill rotWithShape="1">
+          <a:gsLst>
+            <a:gs pos="0">
+              <a:schemeClr val="phClr">
+                <a:satMod val="103000"/>
+                <a:lumMod val="102000"/>
+                <a:tint val="94000"/>
+              </a:schemeClr>
+            </a:gs>
+            <a:gs pos="50000">
+              <a:schemeClr val="phClr">
+                <a:satMod val="110000"/>
+                <a:lumMod val="100000"/>
+                <a:shade val="100000"/>
+              </a:schemeClr>
+            </a:gs>
+            <a:gs pos="100000">
+              <a:schemeClr val="phClr">
+                <a:lumMod val="99000"/>
+                <a:satMod val="120000"/>
+                <a:shade val="78000"/>
+              </a:schemeClr>
+            </a:gs>
+          </a:gsLst>
+          <a:lin ang="5400000" scaled="0"/>
+        </a:gradFill>
+      </a:fillStyleLst>
+      <a:lnStyleLst>
+        <a:ln w="6350" cap="flat" cmpd="sng" algn="ctr">
+          <a:solidFill>
+            <a:schemeClr val="phClr"/>
+          </a:solidFill>
+          <a:prstDash val="solid"/>
+          <a:miter lim="800000"/>
+        </a:ln>
+        <a:ln w="12700" cap="flat" cmpd="sng" algn="ctr">
+          <a:solidFill>
+            <a:schemeClr val="phClr"/>
+          </a:solidFill>
+          <a:prstDash val="solid"/>
+          <a:miter lim="800000"/>
+        </a:ln>
+        <a:ln w="19050" cap="flat" cmpd="sng" algn="ctr">
+          <a:solidFill>
+            <a:schemeClr val="phClr"/>
+          </a:solidFill>
+          <a:prstDash val="solid"/>
+          <a:miter lim="800000"/>
+        </a:ln>
+      </a:lnStyleLst>
+      <a:effectStyleLst>
+        <a:effectStyle>
+          <a:effectLst/>
+        </a:effectStyle>
+        <a:effectStyle>
+          <a:effectLst/>
+        </a:effectStyle>
+        <a:effectStyle>
+          <a:effectLst>
+            <a:outerShdw blurRad="57150" dist="19050" dir="5400000" algn="ctr" rotWithShape="0">
+              <a:srgbClr val="000000">
+                <a:alpha val="63000"/>
+              </a:srgbClr>
+            </a:outerShdw>
+          </a:effectLst>
+        </a:effectStyle>
+      </a:effectStyleLst>
+      <a:bgFillStyleLst>
+        <a:solidFill>
+          <a:schemeClr val="phClr"/>
+        </a:solidFill>
+        <a:solidFill>
+          <a:schemeClr val="phClr">
+            <a:tint val="95000"/>
+            <a:satMod val="170000"/>
+          </a:schemeClr>
+        </a:solidFill>
+        <a:gradFill rotWithShape="1">
+          <a:gsLst>
+            <a:gs pos="0">
+              <a:schemeClr val="phClr">
+                <a:tint val="93000"/>
+                <a:satMod val="150000"/>
+                <a:shade val="98000"/>
+                <a:lumMod val="102000"/>
+              </a:schemeClr>
+            </a:gs>
+            <a:gs pos="50000">
+              <a:schemeClr val="phClr">
+                <a:tint val="98000"/>
+                <a:satMod val="130000"/>
+                <a:shade val="90000"/>
+                <a:lumMod val="103000"/>
+              </a:schemeClr>
+            </a:gs>
+            <a:gs pos="100000">
+              <a:schemeClr val="phClr">
+                <a:shade val="63000"/>
+                <a:satMod val="120000"/>
+              </a:schemeClr>
+            </a:gs>
+          </a:gsLst>
+          <a:lin ang="5400000" scaled="0"/>
+        </a:gradFill>
+      </a:bgFillStyleLst>
+    </a:fmtScheme>
+  </a:themeElements>
+  <a:objectDefaults/>
+  <a:extraClrSchemeLst/>
+  <a:extLst>
+    <a:ext uri="{05A4C25C-085E-4340-85A3-A5531E510DB2}">
+      <thm15:themeFamily xmlns:thm15="http://schemas.microsoft.com/office/thememl/2012/main" name="Office Theme" id="{62F939B6-93AF-4DB8-9C6B-D6C7DFDC589F}" vid="{4A3C46E8-61CC-4603-A589-7422A47A8E4A}"/>
+    </a:ext>
+  </a:extLst>
+</a:theme>
 </file>